--- a/Slides/Lesson 9.2 A Case Study- Space Invaders.pptx
+++ b/Slides/Lesson 9.2 A Case Study- Space Invaders.pptx
@@ -242,7 +242,7 @@
           <a:p>
             <a:fld id="{36D53524-F9CC-4A8B-8CCD-2FA372311425}" type="datetimeFigureOut">
               <a:rPr lang="en-US" smtClean="0"/>
-              <a:t>10/31/2015</a:t>
+              <a:t>11/4/2015</a:t>
             </a:fld>
             <a:endParaRPr lang="en-US"/>
           </a:p>
@@ -775,7 +775,7 @@
           <a:p>
             <a:fld id="{2F1F79F5-7BEC-496A-AFC7-876E38F64D71}" type="datetime1">
               <a:rPr lang="en-US" smtClean="0"/>
-              <a:t>10/31/2015</a:t>
+              <a:t>11/4/2015</a:t>
             </a:fld>
             <a:endParaRPr lang="en-US"/>
           </a:p>
@@ -900,7 +900,7 @@
           <a:p>
             <a:fld id="{2F7B77F5-1464-4F6B-92A8-64FC8A508293}" type="datetime1">
               <a:rPr lang="en-US" smtClean="0"/>
-              <a:t>10/31/2015</a:t>
+              <a:t>11/4/2015</a:t>
             </a:fld>
             <a:endParaRPr lang="en-US"/>
           </a:p>
@@ -1002,7 +1002,7 @@
           <a:p>
             <a:fld id="{0A05703A-7669-4FEA-9056-25299B4D29D4}" type="datetime1">
               <a:rPr lang="en-US" smtClean="0"/>
-              <a:t>10/31/2015</a:t>
+              <a:t>11/4/2015</a:t>
             </a:fld>
             <a:endParaRPr lang="en-US"/>
           </a:p>
@@ -1279,7 +1279,7 @@
           <a:p>
             <a:fld id="{6E5077B5-BB57-49DB-88CA-226A139E5C01}" type="datetime1">
               <a:rPr lang="en-US" smtClean="0"/>
-              <a:t>10/31/2015</a:t>
+              <a:t>11/4/2015</a:t>
             </a:fld>
             <a:endParaRPr lang="en-US"/>
           </a:p>
@@ -1532,7 +1532,7 @@
           <a:p>
             <a:fld id="{C48D9447-CBD6-49A1-89FD-8512A8CF8999}" type="datetime1">
               <a:rPr lang="en-US" smtClean="0"/>
-              <a:t>10/31/2015</a:t>
+              <a:t>11/4/2015</a:t>
             </a:fld>
             <a:endParaRPr lang="en-US"/>
           </a:p>
@@ -1702,7 +1702,7 @@
           <a:p>
             <a:fld id="{A3639A2A-823D-48B7-9ACE-7FAF42870BA9}" type="datetime1">
               <a:rPr lang="en-US" smtClean="0"/>
-              <a:t>10/31/2015</a:t>
+              <a:t>11/4/2015</a:t>
             </a:fld>
             <a:endParaRPr lang="en-US"/>
           </a:p>
@@ -1882,7 +1882,7 @@
           <a:p>
             <a:fld id="{ED1B6996-82E9-463C-972C-7B56056E426C}" type="datetime1">
               <a:rPr lang="en-US" smtClean="0"/>
-              <a:t>10/31/2015</a:t>
+              <a:t>11/4/2015</a:t>
             </a:fld>
             <a:endParaRPr lang="en-US"/>
           </a:p>
@@ -2178,7 +2178,7 @@
           <a:p>
             <a:fld id="{5D1846AD-9252-4647-9435-4C2AC365653A}" type="datetime1">
               <a:rPr lang="en-US" smtClean="0"/>
-              <a:t>10/31/2015</a:t>
+              <a:t>11/4/2015</a:t>
             </a:fld>
             <a:endParaRPr lang="en-US"/>
           </a:p>
@@ -2354,7 +2354,7 @@
           <a:p>
             <a:fld id="{E22ED4DA-448D-4BB1-B935-CC112220207B}" type="datetime1">
               <a:rPr lang="en-US" smtClean="0"/>
-              <a:t>10/31/2015</a:t>
+              <a:t>11/4/2015</a:t>
             </a:fld>
             <a:endParaRPr lang="en-US"/>
           </a:p>
@@ -2536,7 +2536,7 @@
           <a:p>
             <a:fld id="{E22ED4DA-448D-4BB1-B935-CC112220207B}" type="datetime1">
               <a:rPr lang="en-US" smtClean="0"/>
-              <a:t>10/31/2015</a:t>
+              <a:t>11/4/2015</a:t>
             </a:fld>
             <a:endParaRPr lang="en-US"/>
           </a:p>
@@ -2805,7 +2805,7 @@
           <a:p>
             <a:fld id="{FF5D65A6-AB94-4435-B0B7-3743215FA46C}" type="datetime1">
               <a:rPr lang="en-US" smtClean="0"/>
-              <a:t>10/31/2015</a:t>
+              <a:t>11/4/2015</a:t>
             </a:fld>
             <a:endParaRPr lang="en-US"/>
           </a:p>
@@ -2990,7 +2990,7 @@
           <a:p>
             <a:fld id="{FF5D65A6-AB94-4435-B0B7-3743215FA46C}" type="datetime1">
               <a:rPr lang="en-US" smtClean="0"/>
-              <a:t>10/31/2015</a:t>
+              <a:t>11/4/2015</a:t>
             </a:fld>
             <a:endParaRPr lang="en-US"/>
           </a:p>
@@ -3292,7 +3292,7 @@
           <a:p>
             <a:fld id="{7C193DC4-6EF0-48C9-B29C-616106A645E1}" type="datetime1">
               <a:rPr lang="en-US" smtClean="0"/>
-              <a:t>10/31/2015</a:t>
+              <a:t>11/4/2015</a:t>
             </a:fld>
             <a:endParaRPr lang="en-US"/>
           </a:p>
@@ -3580,7 +3580,7 @@
           <a:p>
             <a:fld id="{5D1846AD-9252-4647-9435-4C2AC365653A}" type="datetime1">
               <a:rPr lang="en-US" smtClean="0"/>
-              <a:t>10/31/2015</a:t>
+              <a:t>11/4/2015</a:t>
             </a:fld>
             <a:endParaRPr lang="en-US"/>
           </a:p>
@@ -4002,7 +4002,7 @@
           <a:p>
             <a:fld id="{CE56DC10-3561-4063-A6AF-C1CC7A41040A}" type="datetime1">
               <a:rPr lang="en-US" smtClean="0"/>
-              <a:t>10/31/2015</a:t>
+              <a:t>11/4/2015</a:t>
             </a:fld>
             <a:endParaRPr lang="en-US"/>
           </a:p>
@@ -4227,7 +4227,7 @@
           <a:p>
             <a:fld id="{02B3F677-983B-48DB-ADFD-63FE6CBC7FB2}" type="datetime1">
               <a:rPr lang="en-US" smtClean="0"/>
-              <a:t>10/31/2015</a:t>
+              <a:t>11/4/2015</a:t>
             </a:fld>
             <a:endParaRPr lang="en-US"/>
           </a:p>
@@ -15926,11 +15926,7 @@
           <a:p>
             <a:r>
               <a:rPr lang="en-US" dirty="0" smtClean="0"/>
-              <a:t>We’ve seen how an interface can be used to express an API that works for objects of several </a:t>
-            </a:r>
-            <a:r>
-              <a:rPr lang="en-US" dirty="0" smtClean="0"/>
-              <a:t>classes</a:t>
+              <a:t>We’ve seen how an interface can be used to express an API that works for objects of several classes</a:t>
             </a:r>
           </a:p>
           <a:p>
@@ -15938,7 +15934,6 @@
               <a:rPr lang="en-US" dirty="0" smtClean="0"/>
               <a:t>We’ve seen two designs of a small example that illustrate the use of interfaces.</a:t>
             </a:r>
-            <a:endParaRPr lang="en-US" dirty="0" smtClean="0"/>
           </a:p>
           <a:p>
             <a:endParaRPr lang="en-US" dirty="0" smtClean="0"/>
@@ -16057,16 +16052,11 @@
               <a:rPr lang="en-US" dirty="0" smtClean="0"/>
               <a:t>09-2A-space-invaders-2.rkt</a:t>
             </a:r>
-            <a:endParaRPr lang="en-US" dirty="0" smtClean="0"/>
           </a:p>
           <a:p>
             <a:r>
               <a:rPr lang="en-US" dirty="0" smtClean="0"/>
-              <a:t>If </a:t>
-            </a:r>
-            <a:r>
-              <a:rPr lang="en-US" dirty="0" smtClean="0"/>
-              <a:t>you have questions about this lesson, ask them on the Discussion Board</a:t>
+              <a:t>If you have questions about this lesson, ask them on the Discussion Board</a:t>
             </a:r>
           </a:p>
           <a:p>
@@ -16174,7 +16164,7 @@
         <p:spPr/>
         <p:txBody>
           <a:bodyPr>
-            <a:normAutofit fontScale="92500" lnSpcReduction="10000"/>
+            <a:normAutofit/>
           </a:bodyPr>
           <a:lstStyle/>
           <a:p>
@@ -16208,25 +16198,15 @@
           <a:p>
             <a:r>
               <a:rPr lang="en-US" dirty="0"/>
-              <a:t>First step is to figure out what messages these objects should respond to.</a:t>
-            </a:r>
-          </a:p>
-          <a:p>
-            <a:r>
-              <a:rPr lang="en-US" dirty="0" smtClean="0"/>
-              <a:t>big-bang will call our world-after-XX functions</a:t>
-            </a:r>
-          </a:p>
-          <a:p>
-            <a:r>
-              <a:rPr lang="en-US" dirty="0" smtClean="0"/>
-              <a:t>Each world-after-XX function will send</a:t>
-            </a:r>
-          </a:p>
-          <a:p>
-            <a:r>
-              <a:rPr lang="en-US" dirty="0" smtClean="0"/>
-              <a:t>We can use our previous experience with big-bang to guide us.</a:t>
+              <a:t>First step is to figure out what messages these objects should respond </a:t>
+            </a:r>
+            <a:r>
+              <a:rPr lang="en-US"/>
+              <a:t>to</a:t>
+            </a:r>
+            <a:r>
+              <a:rPr lang="en-US" smtClean="0"/>
+              <a:t>.</a:t>
             </a:r>
             <a:endParaRPr lang="en-US" dirty="0"/>
           </a:p>

--- a/Slides/Lesson 9.2 A Case Study- Space Invaders.pptx
+++ b/Slides/Lesson 9.2 A Case Study- Space Invaders.pptx
@@ -242,7 +242,7 @@
           <a:p>
             <a:fld id="{36D53524-F9CC-4A8B-8CCD-2FA372311425}" type="datetimeFigureOut">
               <a:rPr lang="en-US" smtClean="0"/>
-              <a:t>11/4/2015</a:t>
+              <a:t>11/9/2015</a:t>
             </a:fld>
             <a:endParaRPr lang="en-US"/>
           </a:p>
@@ -775,7 +775,7 @@
           <a:p>
             <a:fld id="{2F1F79F5-7BEC-496A-AFC7-876E38F64D71}" type="datetime1">
               <a:rPr lang="en-US" smtClean="0"/>
-              <a:t>11/4/2015</a:t>
+              <a:t>11/9/2015</a:t>
             </a:fld>
             <a:endParaRPr lang="en-US"/>
           </a:p>
@@ -900,7 +900,7 @@
           <a:p>
             <a:fld id="{2F7B77F5-1464-4F6B-92A8-64FC8A508293}" type="datetime1">
               <a:rPr lang="en-US" smtClean="0"/>
-              <a:t>11/4/2015</a:t>
+              <a:t>11/9/2015</a:t>
             </a:fld>
             <a:endParaRPr lang="en-US"/>
           </a:p>
@@ -1002,7 +1002,7 @@
           <a:p>
             <a:fld id="{0A05703A-7669-4FEA-9056-25299B4D29D4}" type="datetime1">
               <a:rPr lang="en-US" smtClean="0"/>
-              <a:t>11/4/2015</a:t>
+              <a:t>11/9/2015</a:t>
             </a:fld>
             <a:endParaRPr lang="en-US"/>
           </a:p>
@@ -1279,7 +1279,7 @@
           <a:p>
             <a:fld id="{6E5077B5-BB57-49DB-88CA-226A139E5C01}" type="datetime1">
               <a:rPr lang="en-US" smtClean="0"/>
-              <a:t>11/4/2015</a:t>
+              <a:t>11/9/2015</a:t>
             </a:fld>
             <a:endParaRPr lang="en-US"/>
           </a:p>
@@ -1532,7 +1532,7 @@
           <a:p>
             <a:fld id="{C48D9447-CBD6-49A1-89FD-8512A8CF8999}" type="datetime1">
               <a:rPr lang="en-US" smtClean="0"/>
-              <a:t>11/4/2015</a:t>
+              <a:t>11/9/2015</a:t>
             </a:fld>
             <a:endParaRPr lang="en-US"/>
           </a:p>
@@ -1702,7 +1702,7 @@
           <a:p>
             <a:fld id="{A3639A2A-823D-48B7-9ACE-7FAF42870BA9}" type="datetime1">
               <a:rPr lang="en-US" smtClean="0"/>
-              <a:t>11/4/2015</a:t>
+              <a:t>11/9/2015</a:t>
             </a:fld>
             <a:endParaRPr lang="en-US"/>
           </a:p>
@@ -1882,7 +1882,7 @@
           <a:p>
             <a:fld id="{ED1B6996-82E9-463C-972C-7B56056E426C}" type="datetime1">
               <a:rPr lang="en-US" smtClean="0"/>
-              <a:t>11/4/2015</a:t>
+              <a:t>11/9/2015</a:t>
             </a:fld>
             <a:endParaRPr lang="en-US"/>
           </a:p>
@@ -2178,7 +2178,7 @@
           <a:p>
             <a:fld id="{5D1846AD-9252-4647-9435-4C2AC365653A}" type="datetime1">
               <a:rPr lang="en-US" smtClean="0"/>
-              <a:t>11/4/2015</a:t>
+              <a:t>11/9/2015</a:t>
             </a:fld>
             <a:endParaRPr lang="en-US"/>
           </a:p>
@@ -2354,7 +2354,7 @@
           <a:p>
             <a:fld id="{E22ED4DA-448D-4BB1-B935-CC112220207B}" type="datetime1">
               <a:rPr lang="en-US" smtClean="0"/>
-              <a:t>11/4/2015</a:t>
+              <a:t>11/9/2015</a:t>
             </a:fld>
             <a:endParaRPr lang="en-US"/>
           </a:p>
@@ -2536,7 +2536,7 @@
           <a:p>
             <a:fld id="{E22ED4DA-448D-4BB1-B935-CC112220207B}" type="datetime1">
               <a:rPr lang="en-US" smtClean="0"/>
-              <a:t>11/4/2015</a:t>
+              <a:t>11/9/2015</a:t>
             </a:fld>
             <a:endParaRPr lang="en-US"/>
           </a:p>
@@ -2805,7 +2805,7 @@
           <a:p>
             <a:fld id="{FF5D65A6-AB94-4435-B0B7-3743215FA46C}" type="datetime1">
               <a:rPr lang="en-US" smtClean="0"/>
-              <a:t>11/4/2015</a:t>
+              <a:t>11/9/2015</a:t>
             </a:fld>
             <a:endParaRPr lang="en-US"/>
           </a:p>
@@ -2990,7 +2990,7 @@
           <a:p>
             <a:fld id="{FF5D65A6-AB94-4435-B0B7-3743215FA46C}" type="datetime1">
               <a:rPr lang="en-US" smtClean="0"/>
-              <a:t>11/4/2015</a:t>
+              <a:t>11/9/2015</a:t>
             </a:fld>
             <a:endParaRPr lang="en-US"/>
           </a:p>
@@ -3292,7 +3292,7 @@
           <a:p>
             <a:fld id="{7C193DC4-6EF0-48C9-B29C-616106A645E1}" type="datetime1">
               <a:rPr lang="en-US" smtClean="0"/>
-              <a:t>11/4/2015</a:t>
+              <a:t>11/9/2015</a:t>
             </a:fld>
             <a:endParaRPr lang="en-US"/>
           </a:p>
@@ -3580,7 +3580,7 @@
           <a:p>
             <a:fld id="{5D1846AD-9252-4647-9435-4C2AC365653A}" type="datetime1">
               <a:rPr lang="en-US" smtClean="0"/>
-              <a:t>11/4/2015</a:t>
+              <a:t>11/9/2015</a:t>
             </a:fld>
             <a:endParaRPr lang="en-US"/>
           </a:p>
@@ -4002,7 +4002,7 @@
           <a:p>
             <a:fld id="{CE56DC10-3561-4063-A6AF-C1CC7A41040A}" type="datetime1">
               <a:rPr lang="en-US" smtClean="0"/>
-              <a:t>11/4/2015</a:t>
+              <a:t>11/9/2015</a:t>
             </a:fld>
             <a:endParaRPr lang="en-US"/>
           </a:p>
@@ -4227,7 +4227,7 @@
           <a:p>
             <a:fld id="{02B3F677-983B-48DB-ADFD-63FE6CBC7FB2}" type="datetime1">
               <a:rPr lang="en-US" smtClean="0"/>
-              <a:t>11/4/2015</a:t>
+              <a:t>11/9/2015</a:t>
             </a:fld>
             <a:endParaRPr lang="en-US"/>
           </a:p>

--- a/Slides/Lesson 9.2 A Case Study- Space Invaders.pptx
+++ b/Slides/Lesson 9.2 A Case Study- Space Invaders.pptx
@@ -242,7 +242,7 @@
           <a:p>
             <a:fld id="{36D53524-F9CC-4A8B-8CCD-2FA372311425}" type="datetimeFigureOut">
               <a:rPr lang="en-US" smtClean="0"/>
-              <a:t>11/9/2015</a:t>
+              <a:t>11/17/2015</a:t>
             </a:fld>
             <a:endParaRPr lang="en-US"/>
           </a:p>
@@ -775,7 +775,7 @@
           <a:p>
             <a:fld id="{2F1F79F5-7BEC-496A-AFC7-876E38F64D71}" type="datetime1">
               <a:rPr lang="en-US" smtClean="0"/>
-              <a:t>11/9/2015</a:t>
+              <a:t>11/17/2015</a:t>
             </a:fld>
             <a:endParaRPr lang="en-US"/>
           </a:p>
@@ -900,7 +900,7 @@
           <a:p>
             <a:fld id="{2F7B77F5-1464-4F6B-92A8-64FC8A508293}" type="datetime1">
               <a:rPr lang="en-US" smtClean="0"/>
-              <a:t>11/9/2015</a:t>
+              <a:t>11/17/2015</a:t>
             </a:fld>
             <a:endParaRPr lang="en-US"/>
           </a:p>
@@ -1002,7 +1002,7 @@
           <a:p>
             <a:fld id="{0A05703A-7669-4FEA-9056-25299B4D29D4}" type="datetime1">
               <a:rPr lang="en-US" smtClean="0"/>
-              <a:t>11/9/2015</a:t>
+              <a:t>11/17/2015</a:t>
             </a:fld>
             <a:endParaRPr lang="en-US"/>
           </a:p>
@@ -1279,7 +1279,7 @@
           <a:p>
             <a:fld id="{6E5077B5-BB57-49DB-88CA-226A139E5C01}" type="datetime1">
               <a:rPr lang="en-US" smtClean="0"/>
-              <a:t>11/9/2015</a:t>
+              <a:t>11/17/2015</a:t>
             </a:fld>
             <a:endParaRPr lang="en-US"/>
           </a:p>
@@ -1532,7 +1532,7 @@
           <a:p>
             <a:fld id="{C48D9447-CBD6-49A1-89FD-8512A8CF8999}" type="datetime1">
               <a:rPr lang="en-US" smtClean="0"/>
-              <a:t>11/9/2015</a:t>
+              <a:t>11/17/2015</a:t>
             </a:fld>
             <a:endParaRPr lang="en-US"/>
           </a:p>
@@ -1702,7 +1702,7 @@
           <a:p>
             <a:fld id="{A3639A2A-823D-48B7-9ACE-7FAF42870BA9}" type="datetime1">
               <a:rPr lang="en-US" smtClean="0"/>
-              <a:t>11/9/2015</a:t>
+              <a:t>11/17/2015</a:t>
             </a:fld>
             <a:endParaRPr lang="en-US"/>
           </a:p>
@@ -1882,7 +1882,7 @@
           <a:p>
             <a:fld id="{ED1B6996-82E9-463C-972C-7B56056E426C}" type="datetime1">
               <a:rPr lang="en-US" smtClean="0"/>
-              <a:t>11/9/2015</a:t>
+              <a:t>11/17/2015</a:t>
             </a:fld>
             <a:endParaRPr lang="en-US"/>
           </a:p>
@@ -2178,7 +2178,7 @@
           <a:p>
             <a:fld id="{5D1846AD-9252-4647-9435-4C2AC365653A}" type="datetime1">
               <a:rPr lang="en-US" smtClean="0"/>
-              <a:t>11/9/2015</a:t>
+              <a:t>11/17/2015</a:t>
             </a:fld>
             <a:endParaRPr lang="en-US"/>
           </a:p>
@@ -2354,7 +2354,7 @@
           <a:p>
             <a:fld id="{E22ED4DA-448D-4BB1-B935-CC112220207B}" type="datetime1">
               <a:rPr lang="en-US" smtClean="0"/>
-              <a:t>11/9/2015</a:t>
+              <a:t>11/17/2015</a:t>
             </a:fld>
             <a:endParaRPr lang="en-US"/>
           </a:p>
@@ -2536,7 +2536,7 @@
           <a:p>
             <a:fld id="{E22ED4DA-448D-4BB1-B935-CC112220207B}" type="datetime1">
               <a:rPr lang="en-US" smtClean="0"/>
-              <a:t>11/9/2015</a:t>
+              <a:t>11/17/2015</a:t>
             </a:fld>
             <a:endParaRPr lang="en-US"/>
           </a:p>
@@ -2805,7 +2805,7 @@
           <a:p>
             <a:fld id="{FF5D65A6-AB94-4435-B0B7-3743215FA46C}" type="datetime1">
               <a:rPr lang="en-US" smtClean="0"/>
-              <a:t>11/9/2015</a:t>
+              <a:t>11/17/2015</a:t>
             </a:fld>
             <a:endParaRPr lang="en-US"/>
           </a:p>
@@ -2990,7 +2990,7 @@
           <a:p>
             <a:fld id="{FF5D65A6-AB94-4435-B0B7-3743215FA46C}" type="datetime1">
               <a:rPr lang="en-US" smtClean="0"/>
-              <a:t>11/9/2015</a:t>
+              <a:t>11/17/2015</a:t>
             </a:fld>
             <a:endParaRPr lang="en-US"/>
           </a:p>
@@ -3292,7 +3292,7 @@
           <a:p>
             <a:fld id="{7C193DC4-6EF0-48C9-B29C-616106A645E1}" type="datetime1">
               <a:rPr lang="en-US" smtClean="0"/>
-              <a:t>11/9/2015</a:t>
+              <a:t>11/17/2015</a:t>
             </a:fld>
             <a:endParaRPr lang="en-US"/>
           </a:p>
@@ -3580,7 +3580,7 @@
           <a:p>
             <a:fld id="{5D1846AD-9252-4647-9435-4C2AC365653A}" type="datetime1">
               <a:rPr lang="en-US" smtClean="0"/>
-              <a:t>11/9/2015</a:t>
+              <a:t>11/17/2015</a:t>
             </a:fld>
             <a:endParaRPr lang="en-US"/>
           </a:p>
@@ -4002,7 +4002,7 @@
           <a:p>
             <a:fld id="{CE56DC10-3561-4063-A6AF-C1CC7A41040A}" type="datetime1">
               <a:rPr lang="en-US" smtClean="0"/>
-              <a:t>11/9/2015</a:t>
+              <a:t>11/17/2015</a:t>
             </a:fld>
             <a:endParaRPr lang="en-US"/>
           </a:p>
@@ -4227,7 +4227,7 @@
           <a:p>
             <a:fld id="{02B3F677-983B-48DB-ADFD-63FE6CBC7FB2}" type="datetime1">
               <a:rPr lang="en-US" smtClean="0"/>
-              <a:t>11/9/2015</a:t>
+              <a:t>11/17/2015</a:t>
             </a:fld>
             <a:endParaRPr lang="en-US"/>
           </a:p>
@@ -16380,37 +16380,6 @@
       </p:grpSpPr>
       <p:sp>
         <p:nvSpPr>
-          <p:cNvPr id="36" name="TextBox 35"/>
-          <p:cNvSpPr txBox="1"/>
-          <p:nvPr/>
-        </p:nvSpPr>
-        <p:spPr>
-          <a:xfrm>
-            <a:off x="4958960" y="5694698"/>
-            <a:ext cx="1927715" cy="923330"/>
-          </a:xfrm>
-          <a:prstGeom prst="rect">
-            <a:avLst/>
-          </a:prstGeom>
-          <a:noFill/>
-        </p:spPr>
-        <p:txBody>
-          <a:bodyPr wrap="square" rtlCol="0">
-            <a:spAutoFit/>
-          </a:bodyPr>
-          <a:lstStyle/>
-          <a:p>
-            <a:pPr algn="ctr"/>
-            <a:r>
-              <a:rPr lang="en-US" dirty="0" smtClean="0"/>
-              <a:t>method calls using Widget&lt;%&gt; interface</a:t>
-            </a:r>
-            <a:endParaRPr lang="en-US" dirty="0"/>
-          </a:p>
-        </p:txBody>
-      </p:sp>
-      <p:sp>
-        <p:nvSpPr>
           <p:cNvPr id="2" name="Title 1"/>
           <p:cNvSpPr>
             <a:spLocks noGrp="1"/>
@@ -17543,93 +17512,139 @@
           </a:fontRef>
         </p:style>
       </p:cxnSp>
-      <p:sp>
-        <p:nvSpPr>
-          <p:cNvPr id="35" name="Wave 34"/>
-          <p:cNvSpPr/>
+      <p:grpSp>
+        <p:nvGrpSpPr>
+          <p:cNvPr id="3" name="Group 2"/>
+          <p:cNvGrpSpPr/>
           <p:nvPr/>
-        </p:nvSpPr>
-        <p:spPr>
-          <a:xfrm rot="5400000">
-            <a:off x="4012862" y="3335828"/>
-            <a:ext cx="3825918" cy="311033"/>
+        </p:nvGrpSpPr>
+        <p:grpSpPr>
+          <a:xfrm>
+            <a:off x="4958960" y="1578386"/>
+            <a:ext cx="1927715" cy="5039642"/>
+            <a:chOff x="4958960" y="1578386"/>
+            <a:chExt cx="1927715" cy="5039642"/>
           </a:xfrm>
-          <a:prstGeom prst="wave">
-            <a:avLst/>
-          </a:prstGeom>
-          <a:solidFill>
-            <a:srgbClr val="FAFCA6"/>
-          </a:solidFill>
-          <a:ln/>
-        </p:spPr>
-        <p:style>
-          <a:lnRef idx="2">
-            <a:schemeClr val="accent1"/>
-          </a:lnRef>
-          <a:fillRef idx="1">
-            <a:schemeClr val="lt1"/>
-          </a:fillRef>
-          <a:effectRef idx="0">
-            <a:schemeClr val="accent1"/>
-          </a:effectRef>
-          <a:fontRef idx="minor">
-            <a:schemeClr val="dk1"/>
-          </a:fontRef>
-        </p:style>
-        <p:txBody>
-          <a:bodyPr rot="0" spcFirstLastPara="0" vertOverflow="overflow" horzOverflow="overflow" vert="horz" wrap="square" lIns="91440" tIns="45720" rIns="91440" bIns="45720" numCol="1" spcCol="0" rtlCol="0" fromWordArt="0" anchor="ctr" anchorCtr="0" forceAA="0" compatLnSpc="1">
-            <a:prstTxWarp prst="textNoShape">
+        </p:grpSpPr>
+        <p:sp>
+          <p:nvSpPr>
+            <p:cNvPr id="36" name="TextBox 35"/>
+            <p:cNvSpPr txBox="1"/>
+            <p:nvPr/>
+          </p:nvSpPr>
+          <p:spPr>
+            <a:xfrm>
+              <a:off x="4958960" y="5694698"/>
+              <a:ext cx="1927715" cy="923330"/>
+            </a:xfrm>
+            <a:prstGeom prst="rect">
               <a:avLst/>
-            </a:prstTxWarp>
-            <a:noAutofit/>
-          </a:bodyPr>
-          <a:lstStyle/>
-          <a:p>
-            <a:pPr algn="ctr"/>
-            <a:endParaRPr lang="en-US" dirty="0">
-              <a:solidFill>
-                <a:schemeClr val="tx1"/>
-              </a:solidFill>
-            </a:endParaRPr>
-          </a:p>
-        </p:txBody>
-      </p:sp>
-      <p:cxnSp>
-        <p:nvCxnSpPr>
-          <p:cNvPr id="25" name="Straight Arrow Connector 24"/>
-          <p:cNvCxnSpPr>
-            <a:stCxn id="36" idx="0"/>
-            <a:endCxn id="35" idx="3"/>
-          </p:cNvCxnSpPr>
-          <p:nvPr/>
-        </p:nvCxnSpPr>
-        <p:spPr>
-          <a:xfrm flipV="1">
-            <a:off x="5922818" y="5404304"/>
-            <a:ext cx="3003" cy="290394"/>
-          </a:xfrm>
-          <a:prstGeom prst="straightConnector1">
-            <a:avLst/>
-          </a:prstGeom>
-          <a:ln>
-            <a:tailEnd type="triangle"/>
-          </a:ln>
-        </p:spPr>
-        <p:style>
-          <a:lnRef idx="1">
-            <a:schemeClr val="accent1"/>
-          </a:lnRef>
-          <a:fillRef idx="0">
-            <a:schemeClr val="accent1"/>
-          </a:fillRef>
-          <a:effectRef idx="0">
-            <a:schemeClr val="accent1"/>
-          </a:effectRef>
-          <a:fontRef idx="minor">
-            <a:schemeClr val="tx1"/>
-          </a:fontRef>
-        </p:style>
-      </p:cxnSp>
+            </a:prstGeom>
+            <a:noFill/>
+          </p:spPr>
+          <p:txBody>
+            <a:bodyPr wrap="square" rtlCol="0">
+              <a:spAutoFit/>
+            </a:bodyPr>
+            <a:lstStyle/>
+            <a:p>
+              <a:pPr algn="ctr"/>
+              <a:r>
+                <a:rPr lang="en-US" dirty="0" smtClean="0"/>
+                <a:t>method calls using Widget&lt;%&gt; interface</a:t>
+              </a:r>
+              <a:endParaRPr lang="en-US" dirty="0"/>
+            </a:p>
+          </p:txBody>
+        </p:sp>
+        <p:sp>
+          <p:nvSpPr>
+            <p:cNvPr id="35" name="Wave 34"/>
+            <p:cNvSpPr/>
+            <p:nvPr/>
+          </p:nvSpPr>
+          <p:spPr>
+            <a:xfrm rot="5400000">
+              <a:off x="4012862" y="3335828"/>
+              <a:ext cx="3825918" cy="311033"/>
+            </a:xfrm>
+            <a:prstGeom prst="wave">
+              <a:avLst/>
+            </a:prstGeom>
+            <a:solidFill>
+              <a:srgbClr val="FAFCA6"/>
+            </a:solidFill>
+            <a:ln/>
+          </p:spPr>
+          <p:style>
+            <a:lnRef idx="2">
+              <a:schemeClr val="accent1"/>
+            </a:lnRef>
+            <a:fillRef idx="1">
+              <a:schemeClr val="lt1"/>
+            </a:fillRef>
+            <a:effectRef idx="0">
+              <a:schemeClr val="accent1"/>
+            </a:effectRef>
+            <a:fontRef idx="minor">
+              <a:schemeClr val="dk1"/>
+            </a:fontRef>
+          </p:style>
+          <p:txBody>
+            <a:bodyPr rot="0" spcFirstLastPara="0" vertOverflow="overflow" horzOverflow="overflow" vert="horz" wrap="square" lIns="91440" tIns="45720" rIns="91440" bIns="45720" numCol="1" spcCol="0" rtlCol="0" fromWordArt="0" anchor="ctr" anchorCtr="0" forceAA="0" compatLnSpc="1">
+              <a:prstTxWarp prst="textNoShape">
+                <a:avLst/>
+              </a:prstTxWarp>
+              <a:noAutofit/>
+            </a:bodyPr>
+            <a:lstStyle/>
+            <a:p>
+              <a:pPr algn="ctr"/>
+              <a:endParaRPr lang="en-US" dirty="0">
+                <a:solidFill>
+                  <a:schemeClr val="tx1"/>
+                </a:solidFill>
+              </a:endParaRPr>
+            </a:p>
+          </p:txBody>
+        </p:sp>
+        <p:cxnSp>
+          <p:nvCxnSpPr>
+            <p:cNvPr id="25" name="Straight Arrow Connector 24"/>
+            <p:cNvCxnSpPr>
+              <a:stCxn id="36" idx="0"/>
+              <a:endCxn id="35" idx="3"/>
+            </p:cNvCxnSpPr>
+            <p:nvPr/>
+          </p:nvCxnSpPr>
+          <p:spPr>
+            <a:xfrm flipV="1">
+              <a:off x="5922818" y="5404304"/>
+              <a:ext cx="3003" cy="290394"/>
+            </a:xfrm>
+            <a:prstGeom prst="straightConnector1">
+              <a:avLst/>
+            </a:prstGeom>
+            <a:ln>
+              <a:tailEnd type="triangle"/>
+            </a:ln>
+          </p:spPr>
+          <p:style>
+            <a:lnRef idx="1">
+              <a:schemeClr val="accent1"/>
+            </a:lnRef>
+            <a:fillRef idx="0">
+              <a:schemeClr val="accent1"/>
+            </a:fillRef>
+            <a:effectRef idx="0">
+              <a:schemeClr val="accent1"/>
+            </a:effectRef>
+            <a:fontRef idx="minor">
+              <a:schemeClr val="tx1"/>
+            </a:fontRef>
+          </p:style>
+        </p:cxnSp>
+      </p:grpSp>
     </p:spTree>
     <p:extLst>
       <p:ext uri="{BB962C8B-B14F-4D97-AF65-F5344CB8AC3E}">

--- a/Slides/Lesson 9.2 A Case Study- Space Invaders.pptx
+++ b/Slides/Lesson 9.2 A Case Study- Space Invaders.pptx
@@ -242,7 +242,7 @@
           <a:p>
             <a:fld id="{36D53524-F9CC-4A8B-8CCD-2FA372311425}" type="datetimeFigureOut">
               <a:rPr lang="en-US" smtClean="0"/>
-              <a:t>11/17/2015</a:t>
+              <a:t>10/29/2016</a:t>
             </a:fld>
             <a:endParaRPr lang="en-US"/>
           </a:p>
@@ -306,38 +306,37 @@
           <a:p>
             <a:pPr lvl="0"/>
             <a:r>
-              <a:rPr lang="en-US" smtClean="0"/>
+              <a:rPr lang="en-US"/>
               <a:t>Click to edit Master text styles</a:t>
             </a:r>
           </a:p>
           <a:p>
             <a:pPr lvl="1"/>
             <a:r>
-              <a:rPr lang="en-US" smtClean="0"/>
+              <a:rPr lang="en-US"/>
               <a:t>Second level</a:t>
             </a:r>
           </a:p>
           <a:p>
             <a:pPr lvl="2"/>
             <a:r>
-              <a:rPr lang="en-US" smtClean="0"/>
+              <a:rPr lang="en-US"/>
               <a:t>Third level</a:t>
             </a:r>
           </a:p>
           <a:p>
             <a:pPr lvl="3"/>
             <a:r>
-              <a:rPr lang="en-US" smtClean="0"/>
+              <a:rPr lang="en-US"/>
               <a:t>Fourth level</a:t>
             </a:r>
           </a:p>
           <a:p>
             <a:pPr lvl="4"/>
             <a:r>
-              <a:rPr lang="en-US" smtClean="0"/>
+              <a:rPr lang="en-US"/>
               <a:t>Fifth level</a:t>
             </a:r>
-            <a:endParaRPr lang="en-US"/>
           </a:p>
         </p:txBody>
       </p:sp>
@@ -632,10 +631,9 @@
           <a:lstStyle/>
           <a:p>
             <a:r>
-              <a:rPr lang="en-US" smtClean="0"/>
+              <a:rPr lang="en-US"/>
               <a:t>Click to edit Master title style</a:t>
             </a:r>
-            <a:endParaRPr lang="en-US"/>
           </a:p>
         </p:txBody>
       </p:sp>
@@ -751,10 +749,9 @@
           </a:lstStyle>
           <a:p>
             <a:r>
-              <a:rPr lang="en-US" smtClean="0"/>
+              <a:rPr lang="en-US"/>
               <a:t>Click to edit Master subtitle style</a:t>
             </a:r>
-            <a:endParaRPr lang="en-US"/>
           </a:p>
         </p:txBody>
       </p:sp>
@@ -775,7 +772,7 @@
           <a:p>
             <a:fld id="{2F1F79F5-7BEC-496A-AFC7-876E38F64D71}" type="datetime1">
               <a:rPr lang="en-US" smtClean="0"/>
-              <a:t>11/17/2015</a:t>
+              <a:t>10/29/2016</a:t>
             </a:fld>
             <a:endParaRPr lang="en-US"/>
           </a:p>
@@ -833,13 +830,6 @@
   <p:clrMapOvr>
     <a:masterClrMapping/>
   </p:clrMapOvr>
-  <p:timing>
-    <p:tnLst>
-      <p:par>
-        <p:cTn id="1" dur="indefinite" restart="never" nodeType="tmRoot"/>
-      </p:par>
-    </p:tnLst>
-  </p:timing>
 </p:sldLayout>
 </file>
 
@@ -876,10 +866,9 @@
           <a:lstStyle/>
           <a:p>
             <a:r>
-              <a:rPr lang="en-US" smtClean="0"/>
+              <a:rPr lang="en-US"/>
               <a:t>Click to edit Master title style</a:t>
             </a:r>
-            <a:endParaRPr lang="en-US"/>
           </a:p>
         </p:txBody>
       </p:sp>
@@ -900,7 +889,7 @@
           <a:p>
             <a:fld id="{2F7B77F5-1464-4F6B-92A8-64FC8A508293}" type="datetime1">
               <a:rPr lang="en-US" smtClean="0"/>
-              <a:t>11/17/2015</a:t>
+              <a:t>10/29/2016</a:t>
             </a:fld>
             <a:endParaRPr lang="en-US"/>
           </a:p>
@@ -958,13 +947,6 @@
   <p:clrMapOvr>
     <a:masterClrMapping/>
   </p:clrMapOvr>
-  <p:timing>
-    <p:tnLst>
-      <p:par>
-        <p:cTn id="1" dur="indefinite" restart="never" nodeType="tmRoot"/>
-      </p:par>
-    </p:tnLst>
-  </p:timing>
 </p:sldLayout>
 </file>
 
@@ -1002,7 +984,7 @@
           <a:p>
             <a:fld id="{0A05703A-7669-4FEA-9056-25299B4D29D4}" type="datetime1">
               <a:rPr lang="en-US" smtClean="0"/>
-              <a:t>11/17/2015</a:t>
+              <a:t>10/29/2016</a:t>
             </a:fld>
             <a:endParaRPr lang="en-US"/>
           </a:p>
@@ -1105,10 +1087,9 @@
           </a:lstStyle>
           <a:p>
             <a:r>
-              <a:rPr lang="en-US" smtClean="0"/>
+              <a:rPr lang="en-US"/>
               <a:t>Click to edit Master title style</a:t>
             </a:r>
-            <a:endParaRPr lang="en-US"/>
           </a:p>
         </p:txBody>
       </p:sp>
@@ -1162,38 +1143,37 @@
           <a:p>
             <a:pPr lvl="0"/>
             <a:r>
-              <a:rPr lang="en-US" smtClean="0"/>
+              <a:rPr lang="en-US"/>
               <a:t>Click to edit Master text styles</a:t>
             </a:r>
           </a:p>
           <a:p>
             <a:pPr lvl="1"/>
             <a:r>
-              <a:rPr lang="en-US" smtClean="0"/>
+              <a:rPr lang="en-US"/>
               <a:t>Second level</a:t>
             </a:r>
           </a:p>
           <a:p>
             <a:pPr lvl="2"/>
             <a:r>
-              <a:rPr lang="en-US" smtClean="0"/>
+              <a:rPr lang="en-US"/>
               <a:t>Third level</a:t>
             </a:r>
           </a:p>
           <a:p>
             <a:pPr lvl="3"/>
             <a:r>
-              <a:rPr lang="en-US" smtClean="0"/>
+              <a:rPr lang="en-US"/>
               <a:t>Fourth level</a:t>
             </a:r>
           </a:p>
           <a:p>
             <a:pPr lvl="4"/>
             <a:r>
-              <a:rPr lang="en-US" smtClean="0"/>
+              <a:rPr lang="en-US"/>
               <a:t>Fifth level</a:t>
             </a:r>
-            <a:endParaRPr lang="en-US"/>
           </a:p>
         </p:txBody>
       </p:sp>
@@ -1256,7 +1236,7 @@
           <a:p>
             <a:pPr lvl="0"/>
             <a:r>
-              <a:rPr lang="en-US" smtClean="0"/>
+              <a:rPr lang="en-US"/>
               <a:t>Click to edit Master text styles</a:t>
             </a:r>
           </a:p>
@@ -1279,7 +1259,7 @@
           <a:p>
             <a:fld id="{6E5077B5-BB57-49DB-88CA-226A139E5C01}" type="datetime1">
               <a:rPr lang="en-US" smtClean="0"/>
-              <a:t>11/17/2015</a:t>
+              <a:t>10/29/2016</a:t>
             </a:fld>
             <a:endParaRPr lang="en-US"/>
           </a:p>
@@ -1382,10 +1362,9 @@
           </a:lstStyle>
           <a:p>
             <a:r>
-              <a:rPr lang="en-US" smtClean="0"/>
+              <a:rPr lang="en-US"/>
               <a:t>Click to edit Master title style</a:t>
             </a:r>
-            <a:endParaRPr lang="en-US"/>
           </a:p>
         </p:txBody>
       </p:sp>
@@ -1509,7 +1488,7 @@
           <a:p>
             <a:pPr lvl="0"/>
             <a:r>
-              <a:rPr lang="en-US" smtClean="0"/>
+              <a:rPr lang="en-US"/>
               <a:t>Click to edit Master text styles</a:t>
             </a:r>
           </a:p>
@@ -1532,7 +1511,7 @@
           <a:p>
             <a:fld id="{C48D9447-CBD6-49A1-89FD-8512A8CF8999}" type="datetime1">
               <a:rPr lang="en-US" smtClean="0"/>
-              <a:t>11/17/2015</a:t>
+              <a:t>10/29/2016</a:t>
             </a:fld>
             <a:endParaRPr lang="en-US"/>
           </a:p>
@@ -1626,10 +1605,9 @@
           <a:lstStyle/>
           <a:p>
             <a:r>
-              <a:rPr lang="en-US" smtClean="0"/>
+              <a:rPr lang="en-US"/>
               <a:t>Click to edit Master title style</a:t>
             </a:r>
-            <a:endParaRPr lang="en-US"/>
           </a:p>
         </p:txBody>
       </p:sp>
@@ -1650,38 +1628,37 @@
           <a:p>
             <a:pPr lvl="0"/>
             <a:r>
-              <a:rPr lang="en-US" smtClean="0"/>
+              <a:rPr lang="en-US"/>
               <a:t>Click to edit Master text styles</a:t>
             </a:r>
           </a:p>
           <a:p>
             <a:pPr lvl="1"/>
             <a:r>
-              <a:rPr lang="en-US" smtClean="0"/>
+              <a:rPr lang="en-US"/>
               <a:t>Second level</a:t>
             </a:r>
           </a:p>
           <a:p>
             <a:pPr lvl="2"/>
             <a:r>
-              <a:rPr lang="en-US" smtClean="0"/>
+              <a:rPr lang="en-US"/>
               <a:t>Third level</a:t>
             </a:r>
           </a:p>
           <a:p>
             <a:pPr lvl="3"/>
             <a:r>
-              <a:rPr lang="en-US" smtClean="0"/>
+              <a:rPr lang="en-US"/>
               <a:t>Fourth level</a:t>
             </a:r>
           </a:p>
           <a:p>
             <a:pPr lvl="4"/>
             <a:r>
-              <a:rPr lang="en-US" smtClean="0"/>
+              <a:rPr lang="en-US"/>
               <a:t>Fifth level</a:t>
             </a:r>
-            <a:endParaRPr lang="en-US"/>
           </a:p>
         </p:txBody>
       </p:sp>
@@ -1702,7 +1679,7 @@
           <a:p>
             <a:fld id="{A3639A2A-823D-48B7-9ACE-7FAF42870BA9}" type="datetime1">
               <a:rPr lang="en-US" smtClean="0"/>
-              <a:t>11/17/2015</a:t>
+              <a:t>10/29/2016</a:t>
             </a:fld>
             <a:endParaRPr lang="en-US"/>
           </a:p>
@@ -1801,10 +1778,9 @@
           <a:lstStyle/>
           <a:p>
             <a:r>
-              <a:rPr lang="en-US" smtClean="0"/>
+              <a:rPr lang="en-US"/>
               <a:t>Click to edit Master title style</a:t>
             </a:r>
-            <a:endParaRPr lang="en-US"/>
           </a:p>
         </p:txBody>
       </p:sp>
@@ -1830,38 +1806,37 @@
           <a:p>
             <a:pPr lvl="0"/>
             <a:r>
-              <a:rPr lang="en-US" smtClean="0"/>
+              <a:rPr lang="en-US"/>
               <a:t>Click to edit Master text styles</a:t>
             </a:r>
           </a:p>
           <a:p>
             <a:pPr lvl="1"/>
             <a:r>
-              <a:rPr lang="en-US" smtClean="0"/>
+              <a:rPr lang="en-US"/>
               <a:t>Second level</a:t>
             </a:r>
           </a:p>
           <a:p>
             <a:pPr lvl="2"/>
             <a:r>
-              <a:rPr lang="en-US" smtClean="0"/>
+              <a:rPr lang="en-US"/>
               <a:t>Third level</a:t>
             </a:r>
           </a:p>
           <a:p>
             <a:pPr lvl="3"/>
             <a:r>
-              <a:rPr lang="en-US" smtClean="0"/>
+              <a:rPr lang="en-US"/>
               <a:t>Fourth level</a:t>
             </a:r>
           </a:p>
           <a:p>
             <a:pPr lvl="4"/>
             <a:r>
-              <a:rPr lang="en-US" smtClean="0"/>
+              <a:rPr lang="en-US"/>
               <a:t>Fifth level</a:t>
             </a:r>
-            <a:endParaRPr lang="en-US"/>
           </a:p>
         </p:txBody>
       </p:sp>
@@ -1882,7 +1857,7 @@
           <a:p>
             <a:fld id="{ED1B6996-82E9-463C-972C-7B56056E426C}" type="datetime1">
               <a:rPr lang="en-US" smtClean="0"/>
-              <a:t>11/17/2015</a:t>
+              <a:t>10/29/2016</a:t>
             </a:fld>
             <a:endParaRPr lang="en-US"/>
           </a:p>
@@ -1976,10 +1951,9 @@
           <a:lstStyle/>
           <a:p>
             <a:r>
-              <a:rPr lang="en-US" smtClean="0"/>
+              <a:rPr lang="en-US"/>
               <a:t>Click to edit Master title style</a:t>
             </a:r>
-            <a:endParaRPr lang="en-US"/>
           </a:p>
         </p:txBody>
       </p:sp>
@@ -2037,38 +2011,37 @@
           <a:p>
             <a:pPr lvl="0"/>
             <a:r>
-              <a:rPr lang="en-US" dirty="0" smtClean="0"/>
+              <a:rPr lang="en-US" dirty="0"/>
               <a:t>Click to edit Master text styles</a:t>
             </a:r>
           </a:p>
           <a:p>
             <a:pPr lvl="1"/>
             <a:r>
-              <a:rPr lang="en-US" dirty="0" smtClean="0"/>
+              <a:rPr lang="en-US" dirty="0"/>
               <a:t>Second level</a:t>
             </a:r>
           </a:p>
           <a:p>
             <a:pPr lvl="2"/>
             <a:r>
-              <a:rPr lang="en-US" dirty="0" smtClean="0"/>
+              <a:rPr lang="en-US" dirty="0"/>
               <a:t>Third level</a:t>
             </a:r>
           </a:p>
           <a:p>
             <a:pPr lvl="3"/>
             <a:r>
-              <a:rPr lang="en-US" dirty="0" smtClean="0"/>
+              <a:rPr lang="en-US" dirty="0"/>
               <a:t>Fourth level</a:t>
             </a:r>
           </a:p>
           <a:p>
             <a:pPr lvl="4"/>
             <a:r>
-              <a:rPr lang="en-US" dirty="0" smtClean="0"/>
+              <a:rPr lang="en-US" dirty="0"/>
               <a:t>Fifth level</a:t>
             </a:r>
-            <a:endParaRPr lang="en-US" dirty="0"/>
           </a:p>
         </p:txBody>
       </p:sp>
@@ -2126,38 +2099,37 @@
           <a:p>
             <a:pPr lvl="0"/>
             <a:r>
-              <a:rPr lang="en-US" dirty="0" smtClean="0"/>
+              <a:rPr lang="en-US" dirty="0"/>
               <a:t>Click to edit Master text styles</a:t>
             </a:r>
           </a:p>
           <a:p>
             <a:pPr lvl="1"/>
             <a:r>
-              <a:rPr lang="en-US" dirty="0" smtClean="0"/>
+              <a:rPr lang="en-US" dirty="0"/>
               <a:t>Second level</a:t>
             </a:r>
           </a:p>
           <a:p>
             <a:pPr lvl="2"/>
             <a:r>
-              <a:rPr lang="en-US" dirty="0" smtClean="0"/>
+              <a:rPr lang="en-US" dirty="0"/>
               <a:t>Third level</a:t>
             </a:r>
           </a:p>
           <a:p>
             <a:pPr lvl="3"/>
             <a:r>
-              <a:rPr lang="en-US" dirty="0" smtClean="0"/>
+              <a:rPr lang="en-US" dirty="0"/>
               <a:t>Fourth level</a:t>
             </a:r>
           </a:p>
           <a:p>
             <a:pPr lvl="4"/>
             <a:r>
-              <a:rPr lang="en-US" dirty="0" smtClean="0"/>
+              <a:rPr lang="en-US" dirty="0"/>
               <a:t>Fifth level</a:t>
             </a:r>
-            <a:endParaRPr lang="en-US" dirty="0"/>
           </a:p>
         </p:txBody>
       </p:sp>
@@ -2178,7 +2150,7 @@
           <a:p>
             <a:fld id="{5D1846AD-9252-4647-9435-4C2AC365653A}" type="datetime1">
               <a:rPr lang="en-US" smtClean="0"/>
-              <a:t>11/17/2015</a:t>
+              <a:t>10/29/2016</a:t>
             </a:fld>
             <a:endParaRPr lang="en-US"/>
           </a:p>
@@ -2278,10 +2250,9 @@
           <a:lstStyle/>
           <a:p>
             <a:r>
-              <a:rPr lang="en-US" dirty="0" smtClean="0"/>
+              <a:rPr lang="en-US" dirty="0"/>
               <a:t>Click to edit Master title style</a:t>
             </a:r>
-            <a:endParaRPr lang="en-US" dirty="0"/>
           </a:p>
         </p:txBody>
       </p:sp>
@@ -2302,38 +2273,37 @@
           <a:p>
             <a:pPr lvl="0"/>
             <a:r>
-              <a:rPr lang="en-US" smtClean="0"/>
+              <a:rPr lang="en-US"/>
               <a:t>Click to edit Master text styles</a:t>
             </a:r>
           </a:p>
           <a:p>
             <a:pPr lvl="1"/>
             <a:r>
-              <a:rPr lang="en-US" smtClean="0"/>
+              <a:rPr lang="en-US"/>
               <a:t>Second level</a:t>
             </a:r>
           </a:p>
           <a:p>
             <a:pPr lvl="2"/>
             <a:r>
-              <a:rPr lang="en-US" smtClean="0"/>
+              <a:rPr lang="en-US"/>
               <a:t>Third level</a:t>
             </a:r>
           </a:p>
           <a:p>
             <a:pPr lvl="3"/>
             <a:r>
-              <a:rPr lang="en-US" smtClean="0"/>
+              <a:rPr lang="en-US"/>
               <a:t>Fourth level</a:t>
             </a:r>
           </a:p>
           <a:p>
             <a:pPr lvl="4"/>
             <a:r>
-              <a:rPr lang="en-US" smtClean="0"/>
+              <a:rPr lang="en-US"/>
               <a:t>Fifth level</a:t>
             </a:r>
-            <a:endParaRPr lang="en-US"/>
           </a:p>
         </p:txBody>
       </p:sp>
@@ -2354,7 +2324,7 @@
           <a:p>
             <a:fld id="{E22ED4DA-448D-4BB1-B935-CC112220207B}" type="datetime1">
               <a:rPr lang="en-US" smtClean="0"/>
-              <a:t>11/17/2015</a:t>
+              <a:t>10/29/2016</a:t>
             </a:fld>
             <a:endParaRPr lang="en-US"/>
           </a:p>
@@ -2412,13 +2382,6 @@
   <p:clrMapOvr>
     <a:masterClrMapping/>
   </p:clrMapOvr>
-  <p:timing>
-    <p:tnLst>
-      <p:par>
-        <p:cTn id="1" dur="indefinite" restart="never" nodeType="tmRoot"/>
-      </p:par>
-    </p:tnLst>
-  </p:timing>
 </p:sldLayout>
 </file>
 
@@ -2455,10 +2418,9 @@
           <a:lstStyle/>
           <a:p>
             <a:r>
-              <a:rPr lang="en-US" smtClean="0"/>
+              <a:rPr lang="en-US"/>
               <a:t>Click to edit Master title style</a:t>
             </a:r>
-            <a:endParaRPr lang="en-US"/>
           </a:p>
         </p:txBody>
       </p:sp>
@@ -2484,38 +2446,37 @@
           <a:p>
             <a:pPr lvl="0"/>
             <a:r>
-              <a:rPr lang="en-US" dirty="0" smtClean="0"/>
+              <a:rPr lang="en-US" dirty="0"/>
               <a:t>Click to edit Master text styles</a:t>
             </a:r>
           </a:p>
           <a:p>
             <a:pPr lvl="1"/>
             <a:r>
-              <a:rPr lang="en-US" dirty="0" smtClean="0"/>
+              <a:rPr lang="en-US" dirty="0"/>
               <a:t>Second level</a:t>
             </a:r>
           </a:p>
           <a:p>
             <a:pPr lvl="2"/>
             <a:r>
-              <a:rPr lang="en-US" dirty="0" smtClean="0"/>
+              <a:rPr lang="en-US" dirty="0"/>
               <a:t>Third level</a:t>
             </a:r>
           </a:p>
           <a:p>
             <a:pPr lvl="3"/>
             <a:r>
-              <a:rPr lang="en-US" dirty="0" smtClean="0"/>
+              <a:rPr lang="en-US" dirty="0"/>
               <a:t>Fourth level</a:t>
             </a:r>
           </a:p>
           <a:p>
             <a:pPr lvl="4"/>
             <a:r>
-              <a:rPr lang="en-US" dirty="0" smtClean="0"/>
+              <a:rPr lang="en-US" dirty="0"/>
               <a:t>Fifth level</a:t>
             </a:r>
-            <a:endParaRPr lang="en-US" dirty="0"/>
           </a:p>
         </p:txBody>
       </p:sp>
@@ -2536,7 +2497,7 @@
           <a:p>
             <a:fld id="{E22ED4DA-448D-4BB1-B935-CC112220207B}" type="datetime1">
               <a:rPr lang="en-US" smtClean="0"/>
-              <a:t>11/17/2015</a:t>
+              <a:t>10/29/2016</a:t>
             </a:fld>
             <a:endParaRPr lang="en-US"/>
           </a:p>
@@ -2626,7 +2587,7 @@
           <a:lstStyle/>
           <a:p>
             <a:pPr algn="ctr"/>
-            <a:endParaRPr lang="en-US" dirty="0" smtClean="0">
+            <a:endParaRPr lang="en-US" dirty="0">
               <a:solidFill>
                 <a:schemeClr val="tx1"/>
               </a:solidFill>
@@ -2657,11 +2618,11 @@
           <a:lstStyle/>
           <a:p>
             <a:r>
-              <a:rPr lang="en-US" dirty="0" smtClean="0"/>
+              <a:rPr lang="en-US" dirty="0"/>
               <a:t>Resize video to this</a:t>
             </a:r>
             <a:r>
-              <a:rPr lang="en-US" baseline="0" dirty="0" smtClean="0"/>
+              <a:rPr lang="en-US" baseline="0" dirty="0"/>
               <a:t> box.</a:t>
             </a:r>
             <a:endParaRPr lang="en-US" dirty="0"/>
@@ -2678,13 +2639,6 @@
   <p:clrMapOvr>
     <a:masterClrMapping/>
   </p:clrMapOvr>
-  <p:timing>
-    <p:tnLst>
-      <p:par>
-        <p:cTn id="1" dur="indefinite" restart="never" nodeType="tmRoot"/>
-      </p:par>
-    </p:tnLst>
-  </p:timing>
 </p:sldLayout>
 </file>
 
@@ -2721,10 +2675,9 @@
           <a:lstStyle/>
           <a:p>
             <a:r>
-              <a:rPr lang="en-US" smtClean="0"/>
+              <a:rPr lang="en-US"/>
               <a:t>Click to edit Master title style</a:t>
             </a:r>
-            <a:endParaRPr lang="en-US"/>
           </a:p>
         </p:txBody>
       </p:sp>
@@ -2753,38 +2706,37 @@
           <a:p>
             <a:pPr lvl="0"/>
             <a:r>
-              <a:rPr lang="en-US" dirty="0" smtClean="0"/>
+              <a:rPr lang="en-US" dirty="0"/>
               <a:t>Click to edit Master text styles</a:t>
             </a:r>
           </a:p>
           <a:p>
             <a:pPr lvl="1"/>
             <a:r>
-              <a:rPr lang="en-US" dirty="0" smtClean="0"/>
+              <a:rPr lang="en-US" dirty="0"/>
               <a:t>Second level</a:t>
             </a:r>
           </a:p>
           <a:p>
             <a:pPr lvl="2"/>
             <a:r>
-              <a:rPr lang="en-US" dirty="0" smtClean="0"/>
+              <a:rPr lang="en-US" dirty="0"/>
               <a:t>Third level</a:t>
             </a:r>
           </a:p>
           <a:p>
             <a:pPr lvl="3"/>
             <a:r>
-              <a:rPr lang="en-US" dirty="0" smtClean="0"/>
+              <a:rPr lang="en-US" dirty="0"/>
               <a:t>Fourth level</a:t>
             </a:r>
           </a:p>
           <a:p>
             <a:pPr lvl="4"/>
             <a:r>
-              <a:rPr lang="en-US" dirty="0" smtClean="0"/>
+              <a:rPr lang="en-US" dirty="0"/>
               <a:t>Fifth level</a:t>
             </a:r>
-            <a:endParaRPr lang="en-US" dirty="0"/>
           </a:p>
         </p:txBody>
       </p:sp>
@@ -2805,7 +2757,7 @@
           <a:p>
             <a:fld id="{FF5D65A6-AB94-4435-B0B7-3743215FA46C}" type="datetime1">
               <a:rPr lang="en-US" smtClean="0"/>
-              <a:t>11/17/2015</a:t>
+              <a:t>10/29/2016</a:t>
             </a:fld>
             <a:endParaRPr lang="en-US"/>
           </a:p>
@@ -2863,13 +2815,6 @@
   <p:clrMapOvr>
     <a:masterClrMapping/>
   </p:clrMapOvr>
-  <p:timing>
-    <p:tnLst>
-      <p:par>
-        <p:cTn id="1" dur="indefinite" restart="never" nodeType="tmRoot"/>
-      </p:par>
-    </p:tnLst>
-  </p:timing>
 </p:sldLayout>
 </file>
 
@@ -2906,10 +2851,9 @@
           <a:lstStyle/>
           <a:p>
             <a:r>
-              <a:rPr lang="en-US" smtClean="0"/>
+              <a:rPr lang="en-US"/>
               <a:t>Click to edit Master title style</a:t>
             </a:r>
-            <a:endParaRPr lang="en-US"/>
           </a:p>
         </p:txBody>
       </p:sp>
@@ -2938,38 +2882,37 @@
           <a:p>
             <a:pPr lvl="0"/>
             <a:r>
-              <a:rPr lang="en-US" dirty="0" smtClean="0"/>
+              <a:rPr lang="en-US" dirty="0"/>
               <a:t>Click to edit Master text styles</a:t>
             </a:r>
           </a:p>
           <a:p>
             <a:pPr lvl="1"/>
             <a:r>
-              <a:rPr lang="en-US" dirty="0" smtClean="0"/>
+              <a:rPr lang="en-US" dirty="0"/>
               <a:t>Second level</a:t>
             </a:r>
           </a:p>
           <a:p>
             <a:pPr lvl="2"/>
             <a:r>
-              <a:rPr lang="en-US" dirty="0" smtClean="0"/>
+              <a:rPr lang="en-US" dirty="0"/>
               <a:t>Third level</a:t>
             </a:r>
           </a:p>
           <a:p>
             <a:pPr lvl="3"/>
             <a:r>
-              <a:rPr lang="en-US" dirty="0" smtClean="0"/>
+              <a:rPr lang="en-US" dirty="0"/>
               <a:t>Fourth level</a:t>
             </a:r>
           </a:p>
           <a:p>
             <a:pPr lvl="4"/>
             <a:r>
-              <a:rPr lang="en-US" dirty="0" smtClean="0"/>
+              <a:rPr lang="en-US" dirty="0"/>
               <a:t>Fifth level</a:t>
             </a:r>
-            <a:endParaRPr lang="en-US" dirty="0"/>
           </a:p>
         </p:txBody>
       </p:sp>
@@ -2990,7 +2933,7 @@
           <a:p>
             <a:fld id="{FF5D65A6-AB94-4435-B0B7-3743215FA46C}" type="datetime1">
               <a:rPr lang="en-US" smtClean="0"/>
-              <a:t>11/17/2015</a:t>
+              <a:t>10/29/2016</a:t>
             </a:fld>
             <a:endParaRPr lang="en-US"/>
           </a:p>
@@ -3097,13 +3040,6 @@
   <p:clrMapOvr>
     <a:masterClrMapping/>
   </p:clrMapOvr>
-  <p:timing>
-    <p:tnLst>
-      <p:par>
-        <p:cTn id="1" dur="indefinite" restart="never" nodeType="tmRoot"/>
-      </p:par>
-    </p:tnLst>
-  </p:timing>
 </p:sldLayout>
 </file>
 
@@ -3149,10 +3085,9 @@
           </a:lstStyle>
           <a:p>
             <a:r>
-              <a:rPr lang="en-US" smtClean="0"/>
+              <a:rPr lang="en-US"/>
               <a:t>Click to edit Master title style</a:t>
             </a:r>
-            <a:endParaRPr lang="en-US"/>
           </a:p>
         </p:txBody>
       </p:sp>
@@ -3269,7 +3204,7 @@
           <a:p>
             <a:pPr lvl="0"/>
             <a:r>
-              <a:rPr lang="en-US" smtClean="0"/>
+              <a:rPr lang="en-US"/>
               <a:t>Click to edit Master text styles</a:t>
             </a:r>
           </a:p>
@@ -3292,7 +3227,7 @@
           <a:p>
             <a:fld id="{7C193DC4-6EF0-48C9-B29C-616106A645E1}" type="datetime1">
               <a:rPr lang="en-US" smtClean="0"/>
-              <a:t>11/17/2015</a:t>
+              <a:t>10/29/2016</a:t>
             </a:fld>
             <a:endParaRPr lang="en-US"/>
           </a:p>
@@ -3386,10 +3321,9 @@
           <a:lstStyle/>
           <a:p>
             <a:r>
-              <a:rPr lang="en-US" smtClean="0"/>
+              <a:rPr lang="en-US"/>
               <a:t>Click to edit Master title style</a:t>
             </a:r>
-            <a:endParaRPr lang="en-US"/>
           </a:p>
         </p:txBody>
       </p:sp>
@@ -3443,38 +3377,37 @@
           <a:p>
             <a:pPr lvl="0"/>
             <a:r>
-              <a:rPr lang="en-US" smtClean="0"/>
+              <a:rPr lang="en-US"/>
               <a:t>Click to edit Master text styles</a:t>
             </a:r>
           </a:p>
           <a:p>
             <a:pPr lvl="1"/>
             <a:r>
-              <a:rPr lang="en-US" smtClean="0"/>
+              <a:rPr lang="en-US"/>
               <a:t>Second level</a:t>
             </a:r>
           </a:p>
           <a:p>
             <a:pPr lvl="2"/>
             <a:r>
-              <a:rPr lang="en-US" smtClean="0"/>
+              <a:rPr lang="en-US"/>
               <a:t>Third level</a:t>
             </a:r>
           </a:p>
           <a:p>
             <a:pPr lvl="3"/>
             <a:r>
-              <a:rPr lang="en-US" smtClean="0"/>
+              <a:rPr lang="en-US"/>
               <a:t>Fourth level</a:t>
             </a:r>
           </a:p>
           <a:p>
             <a:pPr lvl="4"/>
             <a:r>
-              <a:rPr lang="en-US" smtClean="0"/>
+              <a:rPr lang="en-US"/>
               <a:t>Fifth level</a:t>
             </a:r>
-            <a:endParaRPr lang="en-US"/>
           </a:p>
         </p:txBody>
       </p:sp>
@@ -3528,38 +3461,37 @@
           <a:p>
             <a:pPr lvl="0"/>
             <a:r>
-              <a:rPr lang="en-US" smtClean="0"/>
+              <a:rPr lang="en-US"/>
               <a:t>Click to edit Master text styles</a:t>
             </a:r>
           </a:p>
           <a:p>
             <a:pPr lvl="1"/>
             <a:r>
-              <a:rPr lang="en-US" smtClean="0"/>
+              <a:rPr lang="en-US"/>
               <a:t>Second level</a:t>
             </a:r>
           </a:p>
           <a:p>
             <a:pPr lvl="2"/>
             <a:r>
-              <a:rPr lang="en-US" smtClean="0"/>
+              <a:rPr lang="en-US"/>
               <a:t>Third level</a:t>
             </a:r>
           </a:p>
           <a:p>
             <a:pPr lvl="3"/>
             <a:r>
-              <a:rPr lang="en-US" smtClean="0"/>
+              <a:rPr lang="en-US"/>
               <a:t>Fourth level</a:t>
             </a:r>
           </a:p>
           <a:p>
             <a:pPr lvl="4"/>
             <a:r>
-              <a:rPr lang="en-US" smtClean="0"/>
+              <a:rPr lang="en-US"/>
               <a:t>Fifth level</a:t>
             </a:r>
-            <a:endParaRPr lang="en-US"/>
           </a:p>
         </p:txBody>
       </p:sp>
@@ -3580,7 +3512,7 @@
           <a:p>
             <a:fld id="{5D1846AD-9252-4647-9435-4C2AC365653A}" type="datetime1">
               <a:rPr lang="en-US" smtClean="0"/>
-              <a:t>11/17/2015</a:t>
+              <a:t>10/29/2016</a:t>
             </a:fld>
             <a:endParaRPr lang="en-US"/>
           </a:p>
@@ -3678,10 +3610,9 @@
           </a:lstStyle>
           <a:p>
             <a:r>
-              <a:rPr lang="en-US" smtClean="0"/>
+              <a:rPr lang="en-US"/>
               <a:t>Click to edit Master title style</a:t>
             </a:r>
-            <a:endParaRPr lang="en-US"/>
           </a:p>
         </p:txBody>
       </p:sp>
@@ -3744,7 +3675,7 @@
           <a:p>
             <a:pPr lvl="0"/>
             <a:r>
-              <a:rPr lang="en-US" smtClean="0"/>
+              <a:rPr lang="en-US"/>
               <a:t>Click to edit Master text styles</a:t>
             </a:r>
           </a:p>
@@ -3800,38 +3731,37 @@
           <a:p>
             <a:pPr lvl="0"/>
             <a:r>
-              <a:rPr lang="en-US" smtClean="0"/>
+              <a:rPr lang="en-US"/>
               <a:t>Click to edit Master text styles</a:t>
             </a:r>
           </a:p>
           <a:p>
             <a:pPr lvl="1"/>
             <a:r>
-              <a:rPr lang="en-US" smtClean="0"/>
+              <a:rPr lang="en-US"/>
               <a:t>Second level</a:t>
             </a:r>
           </a:p>
           <a:p>
             <a:pPr lvl="2"/>
             <a:r>
-              <a:rPr lang="en-US" smtClean="0"/>
+              <a:rPr lang="en-US"/>
               <a:t>Third level</a:t>
             </a:r>
           </a:p>
           <a:p>
             <a:pPr lvl="3"/>
             <a:r>
-              <a:rPr lang="en-US" smtClean="0"/>
+              <a:rPr lang="en-US"/>
               <a:t>Fourth level</a:t>
             </a:r>
           </a:p>
           <a:p>
             <a:pPr lvl="4"/>
             <a:r>
-              <a:rPr lang="en-US" smtClean="0"/>
+              <a:rPr lang="en-US"/>
               <a:t>Fifth level</a:t>
             </a:r>
-            <a:endParaRPr lang="en-US"/>
           </a:p>
         </p:txBody>
       </p:sp>
@@ -3894,7 +3824,7 @@
           <a:p>
             <a:pPr lvl="0"/>
             <a:r>
-              <a:rPr lang="en-US" smtClean="0"/>
+              <a:rPr lang="en-US"/>
               <a:t>Click to edit Master text styles</a:t>
             </a:r>
           </a:p>
@@ -3950,38 +3880,37 @@
           <a:p>
             <a:pPr lvl="0"/>
             <a:r>
-              <a:rPr lang="en-US" smtClean="0"/>
+              <a:rPr lang="en-US"/>
               <a:t>Click to edit Master text styles</a:t>
             </a:r>
           </a:p>
           <a:p>
             <a:pPr lvl="1"/>
             <a:r>
-              <a:rPr lang="en-US" smtClean="0"/>
+              <a:rPr lang="en-US"/>
               <a:t>Second level</a:t>
             </a:r>
           </a:p>
           <a:p>
             <a:pPr lvl="2"/>
             <a:r>
-              <a:rPr lang="en-US" smtClean="0"/>
+              <a:rPr lang="en-US"/>
               <a:t>Third level</a:t>
             </a:r>
           </a:p>
           <a:p>
             <a:pPr lvl="3"/>
             <a:r>
-              <a:rPr lang="en-US" smtClean="0"/>
+              <a:rPr lang="en-US"/>
               <a:t>Fourth level</a:t>
             </a:r>
           </a:p>
           <a:p>
             <a:pPr lvl="4"/>
             <a:r>
-              <a:rPr lang="en-US" smtClean="0"/>
+              <a:rPr lang="en-US"/>
               <a:t>Fifth level</a:t>
             </a:r>
-            <a:endParaRPr lang="en-US"/>
           </a:p>
         </p:txBody>
       </p:sp>
@@ -4002,7 +3931,7 @@
           <a:p>
             <a:fld id="{CE56DC10-3561-4063-A6AF-C1CC7A41040A}" type="datetime1">
               <a:rPr lang="en-US" smtClean="0"/>
-              <a:t>11/17/2015</a:t>
+              <a:t>10/29/2016</a:t>
             </a:fld>
             <a:endParaRPr lang="en-US"/>
           </a:p>
@@ -4123,10 +4052,9 @@
           <a:lstStyle/>
           <a:p>
             <a:r>
-              <a:rPr lang="en-US" smtClean="0"/>
+              <a:rPr lang="en-US"/>
               <a:t>Click to edit Master title style</a:t>
             </a:r>
-            <a:endParaRPr lang="en-US"/>
           </a:p>
         </p:txBody>
       </p:sp>
@@ -4157,38 +4085,37 @@
           <a:p>
             <a:pPr lvl="0"/>
             <a:r>
-              <a:rPr lang="en-US" smtClean="0"/>
+              <a:rPr lang="en-US"/>
               <a:t>Click to edit Master text styles</a:t>
             </a:r>
           </a:p>
           <a:p>
             <a:pPr lvl="1"/>
             <a:r>
-              <a:rPr lang="en-US" smtClean="0"/>
+              <a:rPr lang="en-US"/>
               <a:t>Second level</a:t>
             </a:r>
           </a:p>
           <a:p>
             <a:pPr lvl="2"/>
             <a:r>
-              <a:rPr lang="en-US" smtClean="0"/>
+              <a:rPr lang="en-US"/>
               <a:t>Third level</a:t>
             </a:r>
           </a:p>
           <a:p>
             <a:pPr lvl="3"/>
             <a:r>
-              <a:rPr lang="en-US" smtClean="0"/>
+              <a:rPr lang="en-US"/>
               <a:t>Fourth level</a:t>
             </a:r>
           </a:p>
           <a:p>
             <a:pPr lvl="4"/>
             <a:r>
-              <a:rPr lang="en-US" smtClean="0"/>
+              <a:rPr lang="en-US"/>
               <a:t>Fifth level</a:t>
             </a:r>
-            <a:endParaRPr lang="en-US"/>
           </a:p>
         </p:txBody>
       </p:sp>
@@ -4227,7 +4154,7 @@
           <a:p>
             <a:fld id="{02B3F677-983B-48DB-ADFD-63FE6CBC7FB2}" type="datetime1">
               <a:rPr lang="en-US" smtClean="0"/>
-              <a:t>11/17/2015</a:t>
+              <a:t>10/29/2016</a:t>
             </a:fld>
             <a:endParaRPr lang="en-US"/>
           </a:p>
@@ -4336,13 +4263,6 @@
     <p:sldLayoutId id="2147483674" r:id="rId14"/>
     <p:sldLayoutId id="2147483675" r:id="rId15"/>
   </p:sldLayoutIdLst>
-  <p:timing>
-    <p:tnLst>
-      <p:par>
-        <p:cTn id="1" dur="indefinite" restart="never" nodeType="tmRoot"/>
-      </p:par>
-    </p:tnLst>
-  </p:timing>
   <p:hf hdr="0" ftr="0" dt="0"/>
   <p:txStyles>
     <p:titleStyle>
@@ -4630,10 +4550,9 @@
           <a:lstStyle/>
           <a:p>
             <a:r>
-              <a:rPr lang="en-US" dirty="0" smtClean="0"/>
+              <a:rPr lang="en-US" dirty="0"/>
               <a:t>A Case Study: Space Invaders</a:t>
             </a:r>
-            <a:endParaRPr lang="en-US" dirty="0"/>
           </a:p>
         </p:txBody>
       </p:sp>
@@ -4653,38 +4572,29 @@
           <a:lstStyle/>
           <a:p>
             <a:r>
-              <a:rPr lang="en-US" dirty="0" smtClean="0"/>
+              <a:rPr lang="en-US" dirty="0"/>
               <a:t>CS 5010 Program Design Paradigms</a:t>
             </a:r>
           </a:p>
           <a:p>
             <a:r>
-              <a:rPr lang="en-US" dirty="0" smtClean="0"/>
+              <a:rPr lang="en-US" dirty="0"/>
               <a:t>"</a:t>
             </a:r>
             <a:r>
-              <a:rPr lang="en-US" dirty="0" err="1" smtClean="0"/>
+              <a:rPr lang="en-US" dirty="0" err="1"/>
               <a:t>Bootcamp</a:t>
             </a:r>
             <a:r>
-              <a:rPr lang="en-US" dirty="0" smtClean="0"/>
+              <a:rPr lang="en-US" dirty="0"/>
               <a:t>"</a:t>
             </a:r>
           </a:p>
           <a:p>
             <a:r>
-              <a:rPr lang="en-US" dirty="0" smtClean="0"/>
-              <a:t>Lesson </a:t>
-            </a:r>
-            <a:r>
-              <a:rPr lang="en-US" dirty="0"/>
-              <a:t>9</a:t>
-            </a:r>
-            <a:r>
-              <a:rPr lang="en-US" dirty="0" smtClean="0"/>
-              <a:t>.2</a:t>
-            </a:r>
-            <a:endParaRPr lang="en-US" dirty="0"/>
+              <a:rPr lang="en-US" dirty="0"/>
+              <a:t>Lesson 9.2</a:t>
+            </a:r>
           </a:p>
         </p:txBody>
       </p:sp>
@@ -4780,27 +4690,13 @@
             <a:p>
               <a:r>
                 <a:rPr lang="en-US" sz="1000" dirty="0"/>
-                <a:t>© Mitchell Wand, </a:t>
-              </a:r>
-              <a:r>
-                <a:rPr lang="en-US" sz="1000" dirty="0" smtClean="0"/>
-                <a:t>2012-2015</a:t>
+                <a:t>© Mitchell Wand, 2012-2015</a:t>
               </a:r>
             </a:p>
             <a:p>
               <a:r>
-                <a:rPr lang="en-US" sz="1000" dirty="0" smtClean="0"/>
+                <a:rPr lang="en-US" sz="1000" dirty="0"/>
                 <a:t>This work is licensed under a </a:t>
-              </a:r>
-              <a:r>
-                <a:rPr lang="en-US" altLang="en-US" sz="1000" dirty="0" smtClean="0">
-                  <a:solidFill>
-                    <a:srgbClr val="4374B7"/>
-                  </a:solidFill>
-                  <a:latin typeface="Helvetica Neue"/>
-                  <a:hlinkClick r:id="rId4"/>
-                </a:rPr>
-                <a:t>Creative </a:t>
               </a:r>
               <a:r>
                 <a:rPr lang="en-US" altLang="en-US" sz="1000" dirty="0">
@@ -4810,7 +4706,7 @@
                   <a:latin typeface="Helvetica Neue"/>
                   <a:hlinkClick r:id="rId4"/>
                 </a:rPr>
-                <a:t>Commons Attribution-</a:t>
+                <a:t>Creative Commons Attribution-</a:t>
               </a:r>
               <a:r>
                 <a:rPr lang="en-US" altLang="en-US" sz="1000" dirty="0" err="1">
@@ -4833,10 +4729,9 @@
                 <a:t> 4.0 International License</a:t>
               </a:r>
               <a:r>
-                <a:rPr lang="en-US" sz="1000" dirty="0" smtClean="0"/>
+                <a:rPr lang="en-US" sz="1000" dirty="0"/>
                 <a:t>.</a:t>
               </a:r>
-              <a:endParaRPr lang="en-US" sz="1000" dirty="0"/>
             </a:p>
           </p:txBody>
         </p:sp>
@@ -4846,13 +4741,6 @@
   <p:clrMapOvr>
     <a:masterClrMapping/>
   </p:clrMapOvr>
-  <p:timing>
-    <p:tnLst>
-      <p:par>
-        <p:cTn id="1" dur="indefinite" restart="never" nodeType="tmRoot"/>
-      </p:par>
-    </p:tnLst>
-  </p:timing>
 </p:sld>
 </file>
 
@@ -4889,10 +4777,9 @@
           <a:lstStyle/>
           <a:p>
             <a:r>
-              <a:rPr lang="en-US" dirty="0" smtClean="0"/>
+              <a:rPr lang="en-US" dirty="0"/>
               <a:t>Let’s only do this once…</a:t>
             </a:r>
-            <a:endParaRPr lang="en-US" dirty="0"/>
           </a:p>
         </p:txBody>
       </p:sp>
@@ -4914,57 +4801,57 @@
           <a:lstStyle/>
           <a:p>
             <a:r>
-              <a:rPr lang="en-US" dirty="0" smtClean="0"/>
+              <a:rPr lang="en-US" dirty="0"/>
               <a:t>We’ll put three methods in our interface:</a:t>
             </a:r>
           </a:p>
           <a:p>
             <a:pPr lvl="1"/>
             <a:r>
-              <a:rPr lang="en-US" b="1" dirty="0" smtClean="0"/>
+              <a:rPr lang="en-US" b="1" dirty="0"/>
               <a:t>after-button-down</a:t>
             </a:r>
           </a:p>
           <a:p>
             <a:pPr lvl="1"/>
             <a:r>
-              <a:rPr lang="en-US" b="1" dirty="0" smtClean="0"/>
+              <a:rPr lang="en-US" b="1" dirty="0"/>
               <a:t>after-button-up</a:t>
             </a:r>
           </a:p>
           <a:p>
             <a:pPr lvl="1"/>
             <a:r>
-              <a:rPr lang="en-US" b="1" dirty="0" smtClean="0"/>
+              <a:rPr lang="en-US" b="1" dirty="0"/>
               <a:t>after-drag</a:t>
             </a:r>
           </a:p>
           <a:p>
             <a:r>
-              <a:rPr lang="en-US" dirty="0" smtClean="0"/>
+              <a:rPr lang="en-US" dirty="0"/>
               <a:t>It will be the responsibility of </a:t>
             </a:r>
             <a:r>
-              <a:rPr lang="en-US" b="1" dirty="0" smtClean="0"/>
+              <a:rPr lang="en-US" b="1" dirty="0"/>
               <a:t>world-after-mouse-event</a:t>
             </a:r>
             <a:r>
-              <a:rPr lang="en-US" dirty="0" smtClean="0"/>
+              <a:rPr lang="en-US" dirty="0"/>
               <a:t> to do cases on the mouse event and send the appropriate message to each widget.</a:t>
             </a:r>
           </a:p>
           <a:p>
             <a:pPr lvl="3"/>
             <a:r>
-              <a:rPr lang="en-US" sz="2600" dirty="0" smtClean="0"/>
+              <a:rPr lang="en-US" sz="2600" dirty="0"/>
               <a:t>this is sometimes called “</a:t>
             </a:r>
             <a:r>
-              <a:rPr lang="en-US" sz="2600" dirty="0" err="1" smtClean="0"/>
+              <a:rPr lang="en-US" sz="2600" dirty="0" err="1"/>
               <a:t>demultiplexing</a:t>
             </a:r>
             <a:r>
-              <a:rPr lang="en-US" sz="2600" dirty="0" smtClean="0"/>
+              <a:rPr lang="en-US" sz="2600" dirty="0"/>
               <a:t>”.</a:t>
             </a:r>
           </a:p>
@@ -4977,10 +4864,9 @@
               <a:buNone/>
             </a:pPr>
             <a:r>
-              <a:rPr lang="en-US" dirty="0" smtClean="0"/>
+              <a:rPr lang="en-US" dirty="0"/>
               <a:t>	</a:t>
             </a:r>
-            <a:endParaRPr lang="en-US" dirty="0"/>
           </a:p>
         </p:txBody>
       </p:sp>
@@ -5053,18 +4939,17 @@
           <a:lstStyle/>
           <a:p>
             <a:r>
-              <a:rPr lang="en-US" dirty="0" smtClean="0"/>
+              <a:rPr lang="en-US" dirty="0"/>
               <a:t>Our </a:t>
             </a:r>
             <a:r>
-              <a:rPr lang="en-US" b="1" dirty="0" smtClean="0"/>
+              <a:rPr lang="en-US" b="1" dirty="0"/>
               <a:t>Widget&lt;%&gt; </a:t>
             </a:r>
             <a:r>
-              <a:rPr lang="en-US" dirty="0" smtClean="0"/>
+              <a:rPr lang="en-US" dirty="0"/>
               <a:t>interface</a:t>
             </a:r>
-            <a:endParaRPr lang="en-US" dirty="0"/>
           </a:p>
         </p:txBody>
       </p:sp>
@@ -5087,29 +4972,13 @@
           <a:p>
             <a:r>
               <a:rPr lang="en-US" dirty="0"/>
-              <a:t>;; Every object that lives in the </a:t>
-            </a:r>
-            <a:r>
-              <a:rPr lang="en-US" dirty="0" smtClean="0"/>
-              <a:t>world</a:t>
-            </a:r>
-          </a:p>
-          <a:p>
-            <a:r>
-              <a:rPr lang="en-US" dirty="0" smtClean="0"/>
-              <a:t>;; </a:t>
-            </a:r>
-            <a:r>
-              <a:rPr lang="en-US" dirty="0"/>
-              <a:t>must implement the Widget</a:t>
-            </a:r>
-            <a:r>
-              <a:rPr lang="en-US" dirty="0" smtClean="0"/>
-              <a:t>&lt;%&gt; interface</a:t>
-            </a:r>
-            <a:r>
-              <a:rPr lang="en-US" dirty="0"/>
-              <a:t>.</a:t>
+              <a:t>;; Every object that lives in the world</a:t>
+            </a:r>
+          </a:p>
+          <a:p>
+            <a:r>
+              <a:rPr lang="en-US" dirty="0"/>
+              <a:t>;; must implement the Widget&lt;%&gt; interface.</a:t>
             </a:r>
           </a:p>
           <a:p>
@@ -5145,31 +5014,14 @@
           <a:p>
             <a:r>
               <a:rPr lang="en-US" dirty="0"/>
-              <a:t>    ; RETURNS: the state of this </a:t>
-            </a:r>
-            <a:r>
-              <a:rPr lang="en-US" dirty="0" smtClean="0"/>
-              <a:t>object</a:t>
-            </a:r>
-          </a:p>
-          <a:p>
-            <a:r>
-              <a:rPr lang="en-US" dirty="0"/>
-              <a:t> </a:t>
-            </a:r>
-            <a:r>
-              <a:rPr lang="en-US" dirty="0" smtClean="0"/>
-              <a:t>   ; </a:t>
-            </a:r>
-            <a:r>
-              <a:rPr lang="en-US" dirty="0"/>
-              <a:t>that should </a:t>
-            </a:r>
-            <a:r>
-              <a:rPr lang="en-US" dirty="0" smtClean="0"/>
-              <a:t>follow after a tick</a:t>
-            </a:r>
-            <a:endParaRPr lang="en-US" dirty="0"/>
+              <a:t>    ; RETURNS: the state of this object</a:t>
+            </a:r>
+          </a:p>
+          <a:p>
+            <a:r>
+              <a:rPr lang="en-US" dirty="0"/>
+              <a:t>    ; that should follow after a tick</a:t>
+            </a:r>
           </a:p>
           <a:p>
             <a:r>
@@ -5203,43 +5055,19 @@
           <a:p>
             <a:r>
               <a:rPr lang="en-US" dirty="0"/>
-              <a:t>    ; RETURNS: the state of this </a:t>
-            </a:r>
-            <a:r>
-              <a:rPr lang="en-US" dirty="0" smtClean="0"/>
-              <a:t>object</a:t>
-            </a:r>
-          </a:p>
-          <a:p>
-            <a:r>
-              <a:rPr lang="en-US" dirty="0"/>
-              <a:t> </a:t>
-            </a:r>
-            <a:r>
-              <a:rPr lang="en-US" dirty="0" smtClean="0"/>
-              <a:t>   ; </a:t>
-            </a:r>
-            <a:r>
-              <a:rPr lang="en-US" dirty="0"/>
-              <a:t>that should follow </a:t>
-            </a:r>
-            <a:r>
-              <a:rPr lang="en-US" dirty="0" smtClean="0"/>
-              <a:t>the specified</a:t>
-            </a:r>
-          </a:p>
-          <a:p>
-            <a:r>
-              <a:rPr lang="en-US" dirty="0"/>
-              <a:t> </a:t>
-            </a:r>
-            <a:r>
-              <a:rPr lang="en-US" dirty="0" smtClean="0"/>
-              <a:t>   ; </a:t>
-            </a:r>
-            <a:r>
-              <a:rPr lang="en-US" dirty="0"/>
-              <a:t>mouse event at the given location.</a:t>
+              <a:t>    ; RETURNS: the state of this object</a:t>
+            </a:r>
+          </a:p>
+          <a:p>
+            <a:r>
+              <a:rPr lang="en-US" dirty="0"/>
+              <a:t>    ; that should follow the specified</a:t>
+            </a:r>
+          </a:p>
+          <a:p>
+            <a:r>
+              <a:rPr lang="en-US" dirty="0"/>
+              <a:t>    ; mouse event at the given location.</a:t>
             </a:r>
           </a:p>
           <a:p>
@@ -5284,23 +5112,15 @@
           <a:p>
             <a:r>
               <a:rPr lang="en-US" dirty="0"/>
-              <a:t> </a:t>
-            </a:r>
-            <a:r>
-              <a:rPr lang="en-US" dirty="0" smtClean="0"/>
-              <a:t>   ; </a:t>
-            </a:r>
-            <a:r>
-              <a:rPr lang="en-US" dirty="0" err="1" smtClean="0"/>
+              <a:t>    ; </a:t>
+            </a:r>
+            <a:r>
+              <a:rPr lang="en-US" dirty="0" err="1"/>
               <a:t>KeyEvent</a:t>
             </a:r>
             <a:r>
-              <a:rPr lang="en-US" dirty="0" smtClean="0"/>
-              <a:t> </a:t>
-            </a:r>
-            <a:r>
-              <a:rPr lang="en-US" dirty="0"/>
-              <a:t>-&gt; Widget</a:t>
+              <a:rPr lang="en-US" dirty="0"/>
+              <a:t> -&gt; Widget</a:t>
             </a:r>
           </a:p>
           <a:p>
@@ -5308,71 +5128,37 @@
               <a:rPr lang="en-US" dirty="0"/>
               <a:t>    ; GIVEN: a key event </a:t>
             </a:r>
-            <a:endParaRPr lang="en-US" dirty="0" smtClean="0"/>
-          </a:p>
-          <a:p>
-            <a:r>
-              <a:rPr lang="en-US" dirty="0"/>
-              <a:t> </a:t>
-            </a:r>
-            <a:r>
-              <a:rPr lang="en-US" dirty="0" smtClean="0"/>
-              <a:t>   ; </a:t>
-            </a:r>
-            <a:r>
-              <a:rPr lang="en-US" dirty="0"/>
-              <a:t>RETURNS: the state of this </a:t>
-            </a:r>
-            <a:r>
-              <a:rPr lang="en-US" dirty="0" smtClean="0"/>
-              <a:t>object</a:t>
-            </a:r>
-          </a:p>
-          <a:p>
-            <a:r>
-              <a:rPr lang="en-US" dirty="0"/>
-              <a:t> </a:t>
-            </a:r>
-            <a:r>
-              <a:rPr lang="en-US" dirty="0" smtClean="0"/>
-              <a:t>   ; </a:t>
-            </a:r>
-            <a:r>
-              <a:rPr lang="en-US" dirty="0"/>
-              <a:t>that should follow </a:t>
-            </a:r>
-            <a:r>
-              <a:rPr lang="en-US" dirty="0" smtClean="0"/>
-              <a:t>after the given</a:t>
-            </a:r>
+          </a:p>
+          <a:p>
+            <a:r>
+              <a:rPr lang="en-US" dirty="0"/>
+              <a:t>    ; RETURNS: the state of this object</a:t>
+            </a:r>
+          </a:p>
+          <a:p>
+            <a:r>
+              <a:rPr lang="en-US" dirty="0"/>
+              <a:t>    ; that should follow after the given</a:t>
+            </a:r>
+          </a:p>
+          <a:p>
+            <a:r>
+              <a:rPr lang="en-US" dirty="0"/>
+              <a:t>    ; key event</a:t>
+            </a:r>
+          </a:p>
+          <a:p>
+            <a:r>
+              <a:rPr lang="en-US" dirty="0"/>
+              <a:t>    after-key-event     </a:t>
+            </a:r>
+          </a:p>
+          <a:p>
             <a:endParaRPr lang="en-US" dirty="0"/>
           </a:p>
           <a:p>
             <a:r>
               <a:rPr lang="en-US" dirty="0"/>
-              <a:t>    ; </a:t>
-            </a:r>
-            <a:r>
-              <a:rPr lang="en-US" dirty="0" smtClean="0"/>
-              <a:t>key </a:t>
-            </a:r>
-            <a:r>
-              <a:rPr lang="en-US" dirty="0"/>
-              <a:t>event</a:t>
-            </a:r>
-          </a:p>
-          <a:p>
-            <a:r>
-              <a:rPr lang="en-US" dirty="0"/>
-              <a:t>    after-key-event     </a:t>
-            </a:r>
-          </a:p>
-          <a:p>
-            <a:endParaRPr lang="en-US" dirty="0"/>
-          </a:p>
-          <a:p>
-            <a:r>
-              <a:rPr lang="en-US" dirty="0"/>
               <a:t>    ; Scene -&gt; Scene</a:t>
             </a:r>
           </a:p>
@@ -5385,38 +5171,20 @@
           <a:p>
             <a:r>
               <a:rPr lang="en-US" dirty="0"/>
-              <a:t>    ; RETURNS: a scene like the given one</a:t>
-            </a:r>
-            <a:r>
-              <a:rPr lang="en-US" dirty="0" smtClean="0"/>
-              <a:t>,</a:t>
-            </a:r>
-          </a:p>
-          <a:p>
-            <a:r>
-              <a:rPr lang="en-US" dirty="0"/>
-              <a:t> </a:t>
-            </a:r>
-            <a:r>
-              <a:rPr lang="en-US" dirty="0" smtClean="0"/>
-              <a:t>   ; </a:t>
-            </a:r>
-            <a:r>
-              <a:rPr lang="en-US" dirty="0"/>
-              <a:t>but with this </a:t>
-            </a:r>
-            <a:r>
-              <a:rPr lang="en-US" dirty="0" smtClean="0"/>
-              <a:t>object painted on it.</a:t>
-            </a:r>
-            <a:endParaRPr lang="en-US" dirty="0"/>
-          </a:p>
-          <a:p>
-            <a:r>
-              <a:rPr lang="en-US" dirty="0" smtClean="0"/>
+              <a:t>    ; RETURNS: a scene like the given one,</a:t>
+            </a:r>
+          </a:p>
+          <a:p>
+            <a:r>
+              <a:rPr lang="en-US" dirty="0"/>
+              <a:t>    ; but with this object painted on it.</a:t>
+            </a:r>
+          </a:p>
+          <a:p>
+            <a:r>
+              <a:rPr lang="en-US" dirty="0"/>
               <a:t>    add-to-scene</a:t>
             </a:r>
-            <a:endParaRPr lang="en-US" dirty="0"/>
           </a:p>
           <a:p>
             <a:r>
@@ -5502,18 +5270,11 @@
           <a:lstStyle/>
           <a:p>
             <a:r>
-              <a:rPr lang="en-US" b="1" dirty="0" smtClean="0">
-                <a:latin typeface="Consolas" panose="020B0609020204030204" pitchFamily="49" charset="0"/>
-                <a:cs typeface="Consolas" panose="020B0609020204030204" pitchFamily="49" charset="0"/>
-              </a:rPr>
-              <a:t>    ; </a:t>
-            </a:r>
-            <a:r>
               <a:rPr lang="en-US" b="1" dirty="0">
                 <a:latin typeface="Consolas" panose="020B0609020204030204" pitchFamily="49" charset="0"/>
                 <a:cs typeface="Consolas" panose="020B0609020204030204" pitchFamily="49" charset="0"/>
               </a:rPr>
-              <a:t>Integer </a:t>
+              <a:t>    ; Integer </a:t>
             </a:r>
             <a:r>
               <a:rPr lang="en-US" b="1" dirty="0" err="1">
@@ -5614,10 +5375,9 @@
           <a:lstStyle/>
           <a:p>
             <a:r>
-              <a:rPr lang="en-US" dirty="0" smtClean="0"/>
+              <a:rPr lang="en-US" dirty="0"/>
               <a:t>Some vocabulary</a:t>
             </a:r>
-            <a:endParaRPr lang="en-US" dirty="0"/>
           </a:p>
         </p:txBody>
       </p:sp>
@@ -5634,12 +5394,12 @@
         <p:spPr/>
         <p:txBody>
           <a:bodyPr>
-            <a:normAutofit fontScale="85000" lnSpcReduction="10000"/>
+            <a:normAutofit fontScale="70000" lnSpcReduction="20000"/>
           </a:bodyPr>
           <a:lstStyle/>
           <a:p>
             <a:r>
-              <a:rPr lang="en-US" sz="2000" dirty="0" smtClean="0"/>
+              <a:rPr lang="en-US" sz="2000" dirty="0"/>
               <a:t>We wrote:</a:t>
             </a:r>
           </a:p>
@@ -5647,26 +5407,47 @@
             <a:endParaRPr lang="en-US" sz="2000" dirty="0"/>
           </a:p>
           <a:p>
-            <a:endParaRPr lang="en-US" sz="2000" dirty="0" smtClean="0"/>
-          </a:p>
-          <a:p>
             <a:endParaRPr lang="en-US" sz="2000" dirty="0"/>
           </a:p>
           <a:p>
-            <a:endParaRPr lang="en-US" sz="2000" dirty="0" smtClean="0"/>
-          </a:p>
-          <a:p>
-            <a:endParaRPr lang="en-US" sz="2000" dirty="0" smtClean="0"/>
-          </a:p>
-          <a:p>
-            <a:endParaRPr lang="en-US" sz="2000" dirty="0" smtClean="0"/>
-          </a:p>
-          <a:p>
-            <a:endParaRPr lang="en-US" sz="2000" dirty="0" smtClean="0"/>
-          </a:p>
-          <a:p>
-            <a:r>
-              <a:rPr lang="en-US" sz="2000" dirty="0" smtClean="0">
+            <a:endParaRPr lang="en-US" sz="2000" dirty="0"/>
+          </a:p>
+          <a:p>
+            <a:endParaRPr lang="en-US" sz="2000" dirty="0"/>
+          </a:p>
+          <a:p>
+            <a:endParaRPr lang="en-US" sz="2000" dirty="0"/>
+          </a:p>
+          <a:p>
+            <a:endParaRPr lang="en-US" sz="2000" dirty="0"/>
+          </a:p>
+          <a:p>
+            <a:endParaRPr lang="en-US" sz="2000" dirty="0"/>
+          </a:p>
+          <a:p>
+            <a:endParaRPr lang="en-US" sz="2400" dirty="0">
+              <a:solidFill>
+                <a:srgbClr val="FF0000"/>
+              </a:solidFill>
+            </a:endParaRPr>
+          </a:p>
+          <a:p>
+            <a:endParaRPr lang="en-US" sz="2400" dirty="0">
+              <a:solidFill>
+                <a:srgbClr val="FF0000"/>
+              </a:solidFill>
+            </a:endParaRPr>
+          </a:p>
+          <a:p>
+            <a:endParaRPr lang="en-US" sz="2400" dirty="0">
+              <a:solidFill>
+                <a:srgbClr val="FF0000"/>
+              </a:solidFill>
+            </a:endParaRPr>
+          </a:p>
+          <a:p>
+            <a:r>
+              <a:rPr lang="en-US" sz="2400" dirty="0">
                 <a:solidFill>
                   <a:srgbClr val="FF0000"/>
                 </a:solidFill>
@@ -5674,21 +5455,21 @@
               <a:t>this object </a:t>
             </a:r>
             <a:r>
-              <a:rPr lang="en-US" sz="2000" dirty="0" smtClean="0"/>
+              <a:rPr lang="en-US" sz="2400" dirty="0"/>
               <a:t>: </a:t>
             </a:r>
             <a:r>
-              <a:rPr lang="en-US" sz="2000" b="1" dirty="0" smtClean="0"/>
+              <a:rPr lang="en-US" sz="2400" b="1" dirty="0"/>
               <a:t>this</a:t>
             </a:r>
             <a:r>
-              <a:rPr lang="en-US" sz="2000" dirty="0" smtClean="0"/>
+              <a:rPr lang="en-US" sz="2400" dirty="0"/>
               <a:t> always refers to the object that receives the message</a:t>
             </a:r>
           </a:p>
           <a:p>
             <a:r>
-              <a:rPr lang="en-US" sz="2000" dirty="0" smtClean="0">
+              <a:rPr lang="en-US" sz="2400" dirty="0">
                 <a:solidFill>
                   <a:srgbClr val="FF0000"/>
                 </a:solidFill>
@@ -5696,13 +5477,13 @@
               <a:t>the specified </a:t>
             </a:r>
             <a:r>
-              <a:rPr lang="en-US" sz="2000" dirty="0" smtClean="0"/>
+              <a:rPr lang="en-US" sz="2400" dirty="0"/>
               <a:t>mouse event: “specified” refers to which of the three functions in this group we are talking about (e.g., after-button-down talks about what should follow a button-down event)</a:t>
             </a:r>
           </a:p>
           <a:p>
             <a:r>
-              <a:rPr lang="en-US" sz="2000" dirty="0" smtClean="0">
+              <a:rPr lang="en-US" sz="2400" dirty="0">
                 <a:solidFill>
                   <a:srgbClr val="FF0000"/>
                 </a:solidFill>
@@ -5710,24 +5491,23 @@
               <a:t>the given </a:t>
             </a:r>
             <a:r>
-              <a:rPr lang="en-US" sz="2000" dirty="0" smtClean="0"/>
+              <a:rPr lang="en-US" sz="2400" dirty="0"/>
               <a:t>location: “given” always refers to the arguments of the method call,  e.g. (send </a:t>
             </a:r>
             <a:r>
-              <a:rPr lang="en-US" sz="2000" dirty="0" err="1" smtClean="0"/>
+              <a:rPr lang="en-US" sz="2400" dirty="0" err="1"/>
               <a:t>obj</a:t>
             </a:r>
             <a:r>
-              <a:rPr lang="en-US" sz="2000" dirty="0" smtClean="0"/>
+              <a:rPr lang="en-US" sz="2400" dirty="0"/>
               <a:t> after-button-down 10 20) refers to a button-down event at (10, 20)</a:t>
             </a:r>
           </a:p>
           <a:p>
             <a:r>
-              <a:rPr lang="en-US" sz="2000" dirty="0" smtClean="0"/>
+              <a:rPr lang="en-US" sz="2400" dirty="0"/>
               <a:t>We will use this terminology consistently in our purpose statements when referring to different quantities.</a:t>
             </a:r>
-            <a:endParaRPr lang="en-US" sz="2000" dirty="0"/>
           </a:p>
         </p:txBody>
       </p:sp>
@@ -5800,10 +5580,9 @@
           <a:lstStyle/>
           <a:p>
             <a:r>
-              <a:rPr lang="en-US" dirty="0" smtClean="0"/>
+              <a:rPr lang="en-US" dirty="0"/>
               <a:t>Let’s look at the code for the world</a:t>
             </a:r>
-            <a:endParaRPr lang="en-US" dirty="0"/>
           </a:p>
         </p:txBody>
       </p:sp>
@@ -5852,21 +5631,13 @@
           <a:p>
             <a:r>
               <a:rPr lang="en-US" dirty="0"/>
-              <a:t>;; A Widget is an object whose </a:t>
-            </a:r>
-            <a:r>
-              <a:rPr lang="en-US" dirty="0" smtClean="0"/>
-              <a:t>class</a:t>
-            </a:r>
-          </a:p>
-          <a:p>
-            <a:r>
-              <a:rPr lang="en-US" dirty="0" smtClean="0"/>
-              <a:t>;; </a:t>
-            </a:r>
-            <a:r>
-              <a:rPr lang="en-US" dirty="0"/>
-              <a:t>implements Widget&lt;%&gt;</a:t>
+              <a:t>;; A Widget is an object whose class</a:t>
+            </a:r>
+          </a:p>
+          <a:p>
+            <a:r>
+              <a:rPr lang="en-US" dirty="0"/>
+              <a:t>;; implements Widget&lt;%&gt;</a:t>
             </a:r>
           </a:p>
           <a:p>
@@ -5885,20 +5656,11 @@
               <a:rPr lang="en-US" dirty="0"/>
               <a:t> world-state </a:t>
             </a:r>
-            <a:endParaRPr lang="en-US" dirty="0" smtClean="0"/>
-          </a:p>
-          <a:p>
-            <a:r>
-              <a:rPr lang="en-US" dirty="0"/>
-              <a:t> </a:t>
-            </a:r>
-            <a:r>
-              <a:rPr lang="en-US" dirty="0" smtClean="0"/>
-              <a:t>  (</a:t>
-            </a:r>
-            <a:r>
-              <a:rPr lang="en-US" dirty="0"/>
-              <a:t>objects time))</a:t>
+          </a:p>
+          <a:p>
+            <a:r>
+              <a:rPr lang="en-US" dirty="0"/>
+              <a:t>   (objects time))</a:t>
             </a:r>
           </a:p>
           <a:p>
@@ -5917,35 +5679,25 @@
               <a:rPr lang="en-US" dirty="0"/>
               <a:t> is a </a:t>
             </a:r>
-            <a:endParaRPr lang="en-US" dirty="0" smtClean="0"/>
-          </a:p>
-          <a:p>
-            <a:r>
-              <a:rPr lang="en-US" dirty="0" smtClean="0"/>
-              <a:t>;; (</a:t>
-            </a:r>
-            <a:r>
-              <a:rPr lang="en-US" dirty="0"/>
-              <a:t>make-world-state </a:t>
-            </a:r>
-            <a:endParaRPr lang="en-US" dirty="0" smtClean="0"/>
-          </a:p>
-          <a:p>
-            <a:r>
-              <a:rPr lang="en-US" dirty="0" smtClean="0"/>
+          </a:p>
+          <a:p>
+            <a:r>
+              <a:rPr lang="en-US" dirty="0"/>
+              <a:t>;; (make-world-state </a:t>
+            </a:r>
+          </a:p>
+          <a:p>
+            <a:r>
+              <a:rPr lang="en-US" dirty="0"/>
               <a:t>;;    </a:t>
             </a:r>
             <a:r>
-              <a:rPr lang="en-US" dirty="0" err="1" smtClean="0"/>
+              <a:rPr lang="en-US" dirty="0" err="1"/>
               <a:t>ListOfWidget</a:t>
             </a:r>
             <a:r>
-              <a:rPr lang="en-US" dirty="0" smtClean="0"/>
-              <a:t> </a:t>
-            </a:r>
-            <a:r>
-              <a:rPr lang="en-US" dirty="0"/>
-              <a:t>Time)</a:t>
+              <a:rPr lang="en-US" dirty="0"/>
+              <a:t> Time)</a:t>
             </a:r>
           </a:p>
           <a:p>
@@ -5962,35 +5714,19 @@
             </a:r>
             <a:r>
               <a:rPr lang="en-US" dirty="0"/>
-              <a:t> t</a:t>
-            </a:r>
-            <a:r>
-              <a:rPr lang="en-US" dirty="0" smtClean="0"/>
-              <a:t>)</a:t>
-            </a:r>
-          </a:p>
-          <a:p>
-            <a:r>
-              <a:rPr lang="en-US" dirty="0" smtClean="0"/>
-              <a:t>;;  </a:t>
-            </a:r>
-            <a:r>
-              <a:rPr lang="en-US" dirty="0"/>
-              <a:t>represents a world </a:t>
-            </a:r>
-            <a:r>
-              <a:rPr lang="en-US" dirty="0" smtClean="0"/>
-              <a:t>containing</a:t>
-            </a:r>
-          </a:p>
-          <a:p>
-            <a:r>
-              <a:rPr lang="en-US" dirty="0" smtClean="0"/>
-              <a:t>;;  the widgets </a:t>
-            </a:r>
-            <a:r>
-              <a:rPr lang="en-US" dirty="0"/>
-              <a:t>in </a:t>
+              <a:t> t)</a:t>
+            </a:r>
+          </a:p>
+          <a:p>
+            <a:r>
+              <a:rPr lang="en-US" dirty="0"/>
+              <a:t>;;  represents a world containing</a:t>
+            </a:r>
+          </a:p>
+          <a:p>
+            <a:r>
+              <a:rPr lang="en-US" dirty="0"/>
+              <a:t>;;  the widgets in </a:t>
             </a:r>
             <a:r>
               <a:rPr lang="en-US" dirty="0" err="1"/>
@@ -6000,16 +5736,11 @@
               <a:rPr lang="en-US" dirty="0"/>
               <a:t> at time t </a:t>
             </a:r>
-            <a:endParaRPr lang="en-US" dirty="0" smtClean="0"/>
-          </a:p>
-          <a:p>
-            <a:r>
-              <a:rPr lang="en-US" dirty="0" smtClean="0"/>
-              <a:t>;;  (</a:t>
-            </a:r>
-            <a:r>
-              <a:rPr lang="en-US" dirty="0"/>
-              <a:t>in ticks).</a:t>
+          </a:p>
+          <a:p>
+            <a:r>
+              <a:rPr lang="en-US" dirty="0"/>
+              <a:t>;;  (in ticks).</a:t>
             </a:r>
           </a:p>
         </p:txBody>
@@ -6053,59 +5784,38 @@
           <a:p>
             <a:r>
               <a:rPr lang="en-US" dirty="0"/>
-              <a:t>; EFFECT: runs an initial world </a:t>
-            </a:r>
-            <a:r>
-              <a:rPr lang="en-US" dirty="0" smtClean="0"/>
-              <a:t>at</a:t>
-            </a:r>
-          </a:p>
-          <a:p>
-            <a:r>
-              <a:rPr lang="en-US" dirty="0"/>
-              <a:t>;</a:t>
-            </a:r>
-            <a:r>
-              <a:rPr lang="en-US" dirty="0" smtClean="0"/>
-              <a:t> </a:t>
-            </a:r>
-            <a:r>
-              <a:rPr lang="en-US" dirty="0"/>
-              <a:t>the given frame rate</a:t>
-            </a:r>
-          </a:p>
-          <a:p>
-            <a:r>
-              <a:rPr lang="en-US" dirty="0"/>
-              <a:t>; RETURNS: the final state of </a:t>
-            </a:r>
-            <a:r>
-              <a:rPr lang="en-US" dirty="0" smtClean="0"/>
-              <a:t>the</a:t>
-            </a:r>
-          </a:p>
-          <a:p>
-            <a:r>
-              <a:rPr lang="en-US" dirty="0"/>
-              <a:t>;</a:t>
-            </a:r>
-            <a:r>
-              <a:rPr lang="en-US" dirty="0" smtClean="0"/>
-              <a:t> world</a:t>
-            </a:r>
-          </a:p>
-          <a:p>
-            <a:r>
-              <a:rPr lang="en-US" dirty="0" smtClean="0"/>
+              <a:t>; EFFECT: runs an initial world at</a:t>
+            </a:r>
+          </a:p>
+          <a:p>
+            <a:r>
+              <a:rPr lang="en-US" dirty="0"/>
+              <a:t>; the given frame rate</a:t>
+            </a:r>
+          </a:p>
+          <a:p>
+            <a:r>
+              <a:rPr lang="en-US" dirty="0"/>
+              <a:t>; RETURNS: the final state of the</a:t>
+            </a:r>
+          </a:p>
+          <a:p>
+            <a:r>
+              <a:rPr lang="en-US" dirty="0"/>
+              <a:t>; world</a:t>
+            </a:r>
+          </a:p>
+          <a:p>
+            <a:r>
+              <a:rPr lang="en-US" dirty="0"/>
               <a:t>; STRATEGY: deliver events to the </a:t>
             </a:r>
           </a:p>
           <a:p>
             <a:r>
-              <a:rPr lang="en-US" dirty="0" smtClean="0"/>
+              <a:rPr lang="en-US" dirty="0"/>
               <a:t>;  event handler functions</a:t>
             </a:r>
-            <a:endParaRPr lang="en-US" dirty="0"/>
           </a:p>
           <a:p>
             <a:r>
@@ -6142,20 +5852,11 @@
               <a:rPr lang="en-US" dirty="0"/>
               <a:t>    (on-mouse </a:t>
             </a:r>
-            <a:endParaRPr lang="en-US" dirty="0" smtClean="0"/>
-          </a:p>
-          <a:p>
-            <a:r>
-              <a:rPr lang="en-US" dirty="0"/>
-              <a:t> </a:t>
-            </a:r>
-            <a:r>
-              <a:rPr lang="en-US" dirty="0" smtClean="0"/>
-              <a:t>     world-after-mouse-event</a:t>
-            </a:r>
-            <a:r>
-              <a:rPr lang="en-US" dirty="0"/>
-              <a:t>)))</a:t>
+          </a:p>
+          <a:p>
+            <a:r>
+              <a:rPr lang="en-US" dirty="0"/>
+              <a:t>      world-after-mouse-event)))</a:t>
             </a:r>
           </a:p>
         </p:txBody>
@@ -6198,12 +5899,14 @@
             <a:avLst/>
           </a:prstGeom>
           <a:solidFill>
-            <a:schemeClr val="accent3">
-              <a:lumMod val="40000"/>
-              <a:lumOff val="60000"/>
+            <a:schemeClr val="accent1">
+              <a:lumMod val="20000"/>
+              <a:lumOff val="80000"/>
             </a:schemeClr>
           </a:solidFill>
-          <a:ln/>
+          <a:ln>
+            <a:noFill/>
+          </a:ln>
         </p:spPr>
         <p:style>
           <a:lnRef idx="2">
@@ -6230,7 +5933,7 @@
           <a:p>
             <a:pPr algn="ctr"/>
             <a:r>
-              <a:rPr lang="en-US" dirty="0" smtClean="0">
+              <a:rPr lang="en-US" dirty="0">
                 <a:solidFill>
                   <a:schemeClr val="tx1"/>
                 </a:solidFill>
@@ -6238,7 +5941,7 @@
               <a:t>Nothing exciting here.  We put a time component in the </a:t>
             </a:r>
             <a:r>
-              <a:rPr lang="en-US" dirty="0" err="1" smtClean="0">
+              <a:rPr lang="en-US" dirty="0" err="1">
                 <a:solidFill>
                   <a:schemeClr val="tx1"/>
                 </a:solidFill>
@@ -6246,7 +5949,7 @@
               <a:t>worldstate</a:t>
             </a:r>
             <a:r>
-              <a:rPr lang="en-US" dirty="0" smtClean="0">
+              <a:rPr lang="en-US" dirty="0">
                 <a:solidFill>
                   <a:schemeClr val="tx1"/>
                 </a:solidFill>
@@ -6254,7 +5957,7 @@
               <a:t> to illustrate that the </a:t>
             </a:r>
             <a:r>
-              <a:rPr lang="en-US" dirty="0" err="1" smtClean="0">
+              <a:rPr lang="en-US" dirty="0" err="1">
                 <a:solidFill>
                   <a:schemeClr val="tx1"/>
                 </a:solidFill>
@@ -6262,18 +5965,13 @@
               <a:t>worldstate</a:t>
             </a:r>
             <a:r>
-              <a:rPr lang="en-US" dirty="0" smtClean="0">
+              <a:rPr lang="en-US" dirty="0">
                 <a:solidFill>
                   <a:schemeClr val="tx1"/>
                 </a:solidFill>
               </a:rPr>
               <a:t> might  have more things in it than just the list of widgets.</a:t>
             </a:r>
-            <a:endParaRPr lang="en-US" dirty="0">
-              <a:solidFill>
-                <a:schemeClr val="tx1"/>
-              </a:solidFill>
-            </a:endParaRPr>
           </a:p>
         </p:txBody>
       </p:sp>
@@ -6323,10 +6021,9 @@
           <a:lstStyle/>
           <a:p>
             <a:r>
-              <a:rPr lang="en-US" dirty="0" smtClean="0"/>
+              <a:rPr lang="en-US" dirty="0"/>
               <a:t>world-after-tick</a:t>
             </a:r>
-            <a:endParaRPr lang="en-US" dirty="0"/>
           </a:p>
         </p:txBody>
       </p:sp>
@@ -6368,23 +6065,7 @@
           <a:p>
             <a:r>
               <a:rPr lang="en-US" dirty="0"/>
-              <a:t>;; Use </a:t>
-            </a:r>
-            <a:r>
-              <a:rPr lang="en-US" dirty="0" smtClean="0"/>
-              <a:t>HOF </a:t>
-            </a:r>
-            <a:r>
-              <a:rPr lang="en-US" dirty="0"/>
-              <a:t>map on the </a:t>
-            </a:r>
-            <a:r>
-              <a:rPr lang="en-US" dirty="0" smtClean="0"/>
-              <a:t>Widgets </a:t>
-            </a:r>
-            <a:r>
-              <a:rPr lang="en-US" dirty="0"/>
-              <a:t>in w</a:t>
+              <a:t>;; Use HOF map on the Widgets in w</a:t>
             </a:r>
           </a:p>
           <a:p>
@@ -6507,12 +6188,14 @@
             <a:avLst/>
           </a:prstGeom>
           <a:solidFill>
-            <a:schemeClr val="accent3">
-              <a:lumMod val="40000"/>
-              <a:lumOff val="60000"/>
+            <a:schemeClr val="accent1">
+              <a:lumMod val="20000"/>
+              <a:lumOff val="80000"/>
             </a:schemeClr>
           </a:solidFill>
-          <a:ln/>
+          <a:ln>
+            <a:noFill/>
+          </a:ln>
         </p:spPr>
         <p:style>
           <a:lnRef idx="2">
@@ -6539,7 +6222,7 @@
           <a:p>
             <a:pPr algn="ctr"/>
             <a:r>
-              <a:rPr lang="en-US" dirty="0" smtClean="0">
+              <a:rPr lang="en-US" dirty="0">
                 <a:solidFill>
                   <a:schemeClr val="tx1"/>
                 </a:solidFill>
@@ -6547,7 +6230,7 @@
               <a:t>On a tick, the world sends an </a:t>
             </a:r>
             <a:r>
-              <a:rPr lang="en-US" b="1" dirty="0" smtClean="0">
+              <a:rPr lang="en-US" b="1" dirty="0">
                 <a:solidFill>
                   <a:schemeClr val="tx1"/>
                 </a:solidFill>
@@ -6555,7 +6238,7 @@
               <a:t>after-tick</a:t>
             </a:r>
             <a:r>
-              <a:rPr lang="en-US" dirty="0" smtClean="0">
+              <a:rPr lang="en-US" dirty="0">
                 <a:solidFill>
                   <a:schemeClr val="tx1"/>
                 </a:solidFill>
@@ -6563,7 +6246,7 @@
               <a:t> message to each of the widgets, and assembles the results with </a:t>
             </a:r>
             <a:r>
-              <a:rPr lang="en-US" b="1" dirty="0" smtClean="0">
+              <a:rPr lang="en-US" b="1" dirty="0">
                 <a:solidFill>
                   <a:schemeClr val="tx1"/>
                 </a:solidFill>
@@ -6571,7 +6254,7 @@
               <a:t>map</a:t>
             </a:r>
             <a:r>
-              <a:rPr lang="en-US" dirty="0" smtClean="0">
+              <a:rPr lang="en-US" dirty="0">
                 <a:solidFill>
                   <a:schemeClr val="tx1"/>
                 </a:solidFill>
@@ -6582,18 +6265,13 @@
           <a:p>
             <a:pPr algn="ctr"/>
             <a:r>
-              <a:rPr lang="en-US" dirty="0" smtClean="0">
+              <a:rPr lang="en-US" dirty="0">
                 <a:solidFill>
                   <a:schemeClr val="tx1"/>
                 </a:solidFill>
               </a:rPr>
               <a:t>It also increments its timer.</a:t>
             </a:r>
-            <a:endParaRPr lang="en-US" dirty="0">
-              <a:solidFill>
-                <a:schemeClr val="tx1"/>
-              </a:solidFill>
-            </a:endParaRPr>
           </a:p>
         </p:txBody>
       </p:sp>
@@ -6612,12 +6290,14 @@
             <a:avLst/>
           </a:prstGeom>
           <a:solidFill>
-            <a:schemeClr val="accent3">
-              <a:lumMod val="40000"/>
-              <a:lumOff val="60000"/>
+            <a:schemeClr val="accent1">
+              <a:lumMod val="20000"/>
+              <a:lumOff val="80000"/>
             </a:schemeClr>
           </a:solidFill>
-          <a:ln/>
+          <a:ln>
+            <a:noFill/>
+          </a:ln>
         </p:spPr>
         <p:style>
           <a:lnRef idx="2">
@@ -6649,18 +6329,10 @@
                   <a:schemeClr val="tx1"/>
                 </a:solidFill>
               </a:rPr>
-              <a:t>I</a:t>
-            </a:r>
-            <a:r>
-              <a:rPr lang="en-US" dirty="0" smtClean="0">
-                <a:solidFill>
-                  <a:schemeClr val="tx1"/>
-                </a:solidFill>
-              </a:rPr>
-              <a:t> used </a:t>
-            </a:r>
-            <a:r>
-              <a:rPr lang="en-US" b="1" dirty="0" smtClean="0">
+              <a:t>I used </a:t>
+            </a:r>
+            <a:r>
+              <a:rPr lang="en-US" b="1" dirty="0">
                 <a:solidFill>
                   <a:schemeClr val="tx1"/>
                 </a:solidFill>
@@ -6668,7 +6340,7 @@
               <a:t>let</a:t>
             </a:r>
             <a:r>
-              <a:rPr lang="en-US" dirty="0" smtClean="0">
+              <a:rPr lang="en-US" dirty="0">
                 <a:solidFill>
                   <a:schemeClr val="tx1"/>
                 </a:solidFill>
@@ -6676,7 +6348,7 @@
               <a:t> instead of </a:t>
             </a:r>
             <a:r>
-              <a:rPr lang="en-US" b="1" dirty="0" smtClean="0">
+              <a:rPr lang="en-US" b="1" dirty="0">
                 <a:solidFill>
                   <a:schemeClr val="tx1"/>
                 </a:solidFill>
@@ -6684,18 +6356,13 @@
               <a:t>local</a:t>
             </a:r>
             <a:r>
-              <a:rPr lang="en-US" dirty="0" smtClean="0">
+              <a:rPr lang="en-US" dirty="0">
                 <a:solidFill>
                   <a:schemeClr val="tx1"/>
                 </a:solidFill>
               </a:rPr>
               <a:t>. You can use either one.</a:t>
             </a:r>
-            <a:endParaRPr lang="en-US" dirty="0">
-              <a:solidFill>
-                <a:schemeClr val="tx1"/>
-              </a:solidFill>
-            </a:endParaRPr>
           </a:p>
         </p:txBody>
       </p:sp>
@@ -6780,10 +6447,9 @@
           <a:lstStyle/>
           <a:p>
             <a:r>
-              <a:rPr lang="en-US" dirty="0" smtClean="0"/>
+              <a:rPr lang="en-US" dirty="0"/>
               <a:t>world-to-scene</a:t>
             </a:r>
-            <a:endParaRPr lang="en-US" dirty="0"/>
           </a:p>
         </p:txBody>
       </p:sp>
@@ -6830,11 +6496,7 @@
             </a:pPr>
             <a:r>
               <a:rPr lang="en-US" sz="2400" dirty="0"/>
-              <a:t>;; Use </a:t>
-            </a:r>
-            <a:r>
-              <a:rPr lang="en-US" sz="2400" dirty="0" smtClean="0"/>
-              <a:t>HOF </a:t>
+              <a:t>;; Use HOF </a:t>
             </a:r>
             <a:r>
               <a:rPr lang="en-US" sz="2400" dirty="0" err="1"/>
@@ -6842,15 +6504,7 @@
             </a:r>
             <a:r>
               <a:rPr lang="en-US" sz="2400" dirty="0"/>
-              <a:t> on the </a:t>
-            </a:r>
-            <a:r>
-              <a:rPr lang="en-US" sz="2400" dirty="0" smtClean="0"/>
-              <a:t>Widgets </a:t>
-            </a:r>
-            <a:r>
-              <a:rPr lang="en-US" sz="2400" dirty="0"/>
-              <a:t>in w</a:t>
+              <a:t> on the Widgets in w</a:t>
             </a:r>
           </a:p>
           <a:p>
@@ -6992,19 +6646,21 @@
         </p:nvSpPr>
         <p:spPr>
           <a:xfrm>
-            <a:off x="4186238" y="5086350"/>
-            <a:ext cx="4200525" cy="1039813"/>
+            <a:off x="3626066" y="5201444"/>
+            <a:ext cx="4200525" cy="845130"/>
           </a:xfrm>
           <a:prstGeom prst="rect">
             <a:avLst/>
           </a:prstGeom>
           <a:solidFill>
-            <a:schemeClr val="accent3">
-              <a:lumMod val="40000"/>
-              <a:lumOff val="60000"/>
+            <a:schemeClr val="accent1">
+              <a:lumMod val="20000"/>
+              <a:lumOff val="80000"/>
             </a:schemeClr>
           </a:solidFill>
-          <a:ln/>
+          <a:ln>
+            <a:noFill/>
+          </a:ln>
         </p:spPr>
         <p:style>
           <a:lnRef idx="2">
@@ -7029,9 +6685,8 @@
           </a:bodyPr>
           <a:lstStyle/>
           <a:p>
-            <a:pPr algn="ctr"/>
-            <a:r>
-              <a:rPr lang="en-US" b="1" dirty="0" smtClean="0">
+            <a:r>
+              <a:rPr lang="en-US" b="1" dirty="0">
                 <a:solidFill>
                   <a:schemeClr val="tx1"/>
                 </a:solidFill>
@@ -7039,7 +6694,7 @@
               <a:t>world-to-scene</a:t>
             </a:r>
             <a:r>
-              <a:rPr lang="en-US" dirty="0" smtClean="0">
+              <a:rPr lang="en-US" dirty="0">
                 <a:solidFill>
                   <a:schemeClr val="tx1"/>
                 </a:solidFill>
@@ -7047,7 +6702,7 @@
               <a:t> is similar, except it does a </a:t>
             </a:r>
             <a:r>
-              <a:rPr lang="en-US" b="1" dirty="0" err="1" smtClean="0">
+              <a:rPr lang="en-US" b="1" dirty="0" err="1">
                 <a:solidFill>
                   <a:schemeClr val="tx1"/>
                 </a:solidFill>
@@ -7060,21 +6715,8 @@
                   <a:schemeClr val="tx1"/>
                 </a:solidFill>
               </a:rPr>
-              <a:t> </a:t>
-            </a:r>
-            <a:r>
-              <a:rPr lang="en-US" dirty="0" smtClean="0">
-                <a:solidFill>
-                  <a:schemeClr val="tx1"/>
-                </a:solidFill>
-              </a:rPr>
-              <a:t>to assemble the scene.</a:t>
-            </a:r>
-            <a:endParaRPr lang="en-US" dirty="0">
-              <a:solidFill>
-                <a:schemeClr val="tx1"/>
-              </a:solidFill>
-            </a:endParaRPr>
+              <a:t> to assemble the scene.</a:t>
+            </a:r>
           </a:p>
         </p:txBody>
       </p:sp>
@@ -7124,10 +6766,9 @@
           <a:lstStyle/>
           <a:p>
             <a:r>
-              <a:rPr lang="en-US" dirty="0" smtClean="0"/>
+              <a:rPr lang="en-US" dirty="0"/>
               <a:t>world-to-mouse-event</a:t>
             </a:r>
-            <a:endParaRPr lang="en-US" dirty="0"/>
           </a:p>
         </p:txBody>
       </p:sp>
@@ -7152,11 +6793,10 @@
               <a:rPr lang="en-US" dirty="0"/>
               <a:t>;; world-after-mouse-event </a:t>
             </a:r>
-            <a:endParaRPr lang="en-US" dirty="0" smtClean="0"/>
-          </a:p>
-          <a:p>
-            <a:r>
-              <a:rPr lang="en-US" dirty="0" smtClean="0"/>
+          </a:p>
+          <a:p>
+            <a:r>
+              <a:rPr lang="en-US" dirty="0"/>
               <a:t>;;  : </a:t>
             </a:r>
             <a:r>
@@ -7326,12 +6966,14 @@
             <a:avLst/>
           </a:prstGeom>
           <a:solidFill>
-            <a:schemeClr val="accent3">
-              <a:lumMod val="40000"/>
-              <a:lumOff val="60000"/>
+            <a:schemeClr val="accent1">
+              <a:lumMod val="20000"/>
+              <a:lumOff val="80000"/>
             </a:schemeClr>
           </a:solidFill>
-          <a:ln/>
+          <a:ln>
+            <a:noFill/>
+          </a:ln>
         </p:spPr>
         <p:style>
           <a:lnRef idx="2">
@@ -7356,9 +6998,8 @@
           </a:bodyPr>
           <a:lstStyle/>
           <a:p>
-            <a:pPr algn="ctr"/>
-            <a:r>
-              <a:rPr lang="en-US" b="1" dirty="0" smtClean="0">
+            <a:r>
+              <a:rPr lang="en-US" b="1" dirty="0">
                 <a:solidFill>
                   <a:schemeClr val="tx1"/>
                 </a:solidFill>
@@ -7366,18 +7007,13 @@
               <a:t>world-after-mouse-event</a:t>
             </a:r>
             <a:r>
-              <a:rPr lang="en-US" dirty="0" smtClean="0">
+              <a:rPr lang="en-US" dirty="0">
                 <a:solidFill>
                   <a:schemeClr val="tx1"/>
                 </a:solidFill>
               </a:rPr>
               <a:t> decides which mouse event it is looking at, and calls the appropriate specialized function.  See how we follow the data definitions!</a:t>
             </a:r>
-            <a:endParaRPr lang="en-US" dirty="0">
-              <a:solidFill>
-                <a:schemeClr val="tx1"/>
-              </a:solidFill>
-            </a:endParaRPr>
           </a:p>
         </p:txBody>
       </p:sp>
@@ -7427,10 +7063,9 @@
           <a:lstStyle/>
           <a:p>
             <a:r>
-              <a:rPr lang="en-US" dirty="0" smtClean="0"/>
+              <a:rPr lang="en-US" dirty="0"/>
               <a:t>world-after-button-down</a:t>
             </a:r>
-            <a:endParaRPr lang="en-US" dirty="0"/>
           </a:p>
         </p:txBody>
       </p:sp>
@@ -7574,7 +7209,6 @@
               <a:rPr lang="en-US" sz="2400" dirty="0"/>
               <a:t>) </a:t>
             </a:r>
-            <a:endParaRPr lang="en-US" sz="2400" dirty="0" smtClean="0"/>
           </a:p>
           <a:p>
             <a:pPr>
@@ -7584,15 +7218,7 @@
             </a:pPr>
             <a:r>
               <a:rPr lang="en-US" sz="2400" dirty="0"/>
-              <a:t> </a:t>
-            </a:r>
-            <a:r>
-              <a:rPr lang="en-US" sz="2400" dirty="0" smtClean="0"/>
-              <a:t>        (</a:t>
-            </a:r>
-            <a:r>
-              <a:rPr lang="en-US" sz="2400" dirty="0"/>
-              <a:t>send </a:t>
+              <a:t>         (send </a:t>
             </a:r>
             <a:r>
               <a:rPr lang="en-US" sz="2400" dirty="0" err="1"/>
@@ -7666,19 +7292,21 @@
         </p:nvSpPr>
         <p:spPr>
           <a:xfrm>
-            <a:off x="3686175" y="5086350"/>
-            <a:ext cx="4200525" cy="1635125"/>
+            <a:off x="3900359" y="5303837"/>
+            <a:ext cx="4200525" cy="1235075"/>
           </a:xfrm>
           <a:prstGeom prst="rect">
             <a:avLst/>
           </a:prstGeom>
           <a:solidFill>
-            <a:schemeClr val="accent3">
-              <a:lumMod val="40000"/>
-              <a:lumOff val="60000"/>
+            <a:schemeClr val="accent1">
+              <a:lumMod val="20000"/>
+              <a:lumOff val="80000"/>
             </a:schemeClr>
           </a:solidFill>
-          <a:ln/>
+          <a:ln>
+            <a:noFill/>
+          </a:ln>
         </p:spPr>
         <p:style>
           <a:lnRef idx="2">
@@ -7703,9 +7331,8 @@
           </a:bodyPr>
           <a:lstStyle/>
           <a:p>
-            <a:pPr algn="ctr"/>
-            <a:r>
-              <a:rPr lang="en-US" b="1" dirty="0" smtClean="0">
+            <a:r>
+              <a:rPr lang="en-US" b="1" dirty="0">
                 <a:solidFill>
                   <a:schemeClr val="tx1"/>
                 </a:solidFill>
@@ -7713,7 +7340,7 @@
               <a:t>world-after-button-down</a:t>
             </a:r>
             <a:r>
-              <a:rPr lang="en-US" dirty="0" smtClean="0">
+              <a:rPr lang="en-US" dirty="0">
                 <a:solidFill>
                   <a:schemeClr val="tx1"/>
                 </a:solidFill>
@@ -7721,7 +7348,7 @@
               <a:t> follows the pattern of </a:t>
             </a:r>
             <a:r>
-              <a:rPr lang="en-US" b="1" dirty="0" smtClean="0">
+              <a:rPr lang="en-US" b="1" dirty="0">
                 <a:solidFill>
                   <a:schemeClr val="tx1"/>
                 </a:solidFill>
@@ -7729,7 +7356,7 @@
               <a:t>world-after-tick</a:t>
             </a:r>
             <a:r>
-              <a:rPr lang="en-US" dirty="0" smtClean="0">
+              <a:rPr lang="en-US" dirty="0">
                 <a:solidFill>
                   <a:schemeClr val="tx1"/>
                 </a:solidFill>
@@ -7738,9 +7365,8 @@
             </a:r>
           </a:p>
           <a:p>
-            <a:pPr algn="ctr"/>
-            <a:r>
-              <a:rPr lang="en-US" b="1" dirty="0" smtClean="0">
+            <a:r>
+              <a:rPr lang="en-US" b="1" dirty="0">
                 <a:solidFill>
                   <a:schemeClr val="tx1"/>
                 </a:solidFill>
@@ -7748,7 +7374,7 @@
               <a:t>world-after-button-up</a:t>
             </a:r>
             <a:r>
-              <a:rPr lang="en-US" dirty="0" smtClean="0">
+              <a:rPr lang="en-US" dirty="0">
                 <a:solidFill>
                   <a:schemeClr val="tx1"/>
                 </a:solidFill>
@@ -7756,7 +7382,7 @@
               <a:t> and </a:t>
             </a:r>
             <a:r>
-              <a:rPr lang="en-US" b="1" dirty="0" smtClean="0">
+              <a:rPr lang="en-US" b="1" dirty="0">
                 <a:solidFill>
                   <a:schemeClr val="tx1"/>
                 </a:solidFill>
@@ -7764,18 +7390,13 @@
               <a:t>world-after-drag</a:t>
             </a:r>
             <a:r>
-              <a:rPr lang="en-US" dirty="0" smtClean="0">
+              <a:rPr lang="en-US" dirty="0">
                 <a:solidFill>
                   <a:schemeClr val="tx1"/>
                 </a:solidFill>
               </a:rPr>
               <a:t> are similar.</a:t>
             </a:r>
-            <a:endParaRPr lang="en-US" dirty="0">
-              <a:solidFill>
-                <a:schemeClr val="tx1"/>
-              </a:solidFill>
-            </a:endParaRPr>
           </a:p>
         </p:txBody>
       </p:sp>
@@ -7825,10 +7446,9 @@
           <a:lstStyle/>
           <a:p>
             <a:r>
-              <a:rPr lang="en-US" dirty="0" smtClean="0"/>
+              <a:rPr lang="en-US" dirty="0"/>
               <a:t>world-after-key-event</a:t>
             </a:r>
-            <a:endParaRPr lang="en-US" dirty="0"/>
           </a:p>
         </p:txBody>
       </p:sp>
@@ -7972,13 +7592,8 @@
             </a:pPr>
             <a:r>
               <a:rPr lang="en-US" sz="1200" dirty="0"/>
-              <a:t>        (t (world-state-time w</a:t>
-            </a:r>
-            <a:r>
-              <a:rPr lang="en-US" sz="1200" dirty="0" smtClean="0"/>
-              <a:t>)))</a:t>
-            </a:r>
-            <a:endParaRPr lang="en-US" sz="1200" dirty="0"/>
+              <a:t>        (t (world-state-time w)))</a:t>
+            </a:r>
           </a:p>
           <a:p>
             <a:pPr>
@@ -8243,18 +7858,20 @@
         <p:spPr>
           <a:xfrm>
             <a:off x="5386388" y="3057525"/>
-            <a:ext cx="2786062" cy="2028825"/>
+            <a:ext cx="2786062" cy="2783102"/>
           </a:xfrm>
           <a:prstGeom prst="rect">
             <a:avLst/>
           </a:prstGeom>
           <a:solidFill>
-            <a:schemeClr val="accent3">
-              <a:lumMod val="40000"/>
-              <a:lumOff val="60000"/>
+            <a:schemeClr val="accent1">
+              <a:lumMod val="20000"/>
+              <a:lumOff val="80000"/>
             </a:schemeClr>
           </a:solidFill>
-          <a:ln/>
+          <a:ln>
+            <a:noFill/>
+          </a:ln>
         </p:spPr>
         <p:style>
           <a:lnRef idx="2">
@@ -8279,9 +7896,8 @@
           </a:bodyPr>
           <a:lstStyle/>
           <a:p>
-            <a:pPr algn="ctr"/>
-            <a:r>
-              <a:rPr lang="en-US" b="1" dirty="0" smtClean="0">
+            <a:r>
+              <a:rPr lang="en-US" b="1" dirty="0">
                 <a:solidFill>
                   <a:schemeClr val="tx1"/>
                 </a:solidFill>
@@ -8289,18 +7905,13 @@
               <a:t>world-after-key-event</a:t>
             </a:r>
             <a:r>
-              <a:rPr lang="en-US" dirty="0" smtClean="0">
+              <a:rPr lang="en-US" dirty="0">
                 <a:solidFill>
                   <a:schemeClr val="tx1"/>
                 </a:solidFill>
               </a:rPr>
-              <a:t> responds to “b” and “h” itself to add new widgets to the world.  Other key events are passed to the objects.</a:t>
-            </a:r>
-            <a:endParaRPr lang="en-US" dirty="0">
-              <a:solidFill>
-                <a:schemeClr val="tx1"/>
-              </a:solidFill>
-            </a:endParaRPr>
+              <a:t> responds to “b” and “h” itself to add new widgets to the world.  Other key events are passed to the objects.  In the next module, we'll consider a somewhat nicer architecture.</a:t>
+            </a:r>
           </a:p>
         </p:txBody>
       </p:sp>
@@ -8350,10 +7961,9 @@
           <a:lstStyle/>
           <a:p>
             <a:r>
-              <a:rPr lang="en-US" dirty="0" smtClean="0"/>
+              <a:rPr lang="en-US" dirty="0"/>
               <a:t>Next we’ll build some widgets</a:t>
             </a:r>
-            <a:endParaRPr lang="en-US" dirty="0"/>
           </a:p>
         </p:txBody>
       </p:sp>
@@ -8373,38 +7983,37 @@
           <a:lstStyle/>
           <a:p>
             <a:r>
-              <a:rPr lang="en-US" dirty="0" smtClean="0"/>
+              <a:rPr lang="en-US" dirty="0"/>
               <a:t>We have two classes of widgets:  Bombs and Helicopters</a:t>
             </a:r>
           </a:p>
           <a:p>
             <a:r>
-              <a:rPr lang="en-US" dirty="0" smtClean="0"/>
+              <a:rPr lang="en-US" dirty="0"/>
               <a:t>Bombs drop from the top of the screen.  They are not </a:t>
             </a:r>
             <a:r>
-              <a:rPr lang="en-US" dirty="0" err="1" smtClean="0"/>
+              <a:rPr lang="en-US" dirty="0" err="1"/>
               <a:t>draggable</a:t>
             </a:r>
             <a:r>
-              <a:rPr lang="en-US" dirty="0" smtClean="0"/>
+              <a:rPr lang="en-US" dirty="0"/>
               <a:t>.</a:t>
             </a:r>
           </a:p>
           <a:p>
             <a:r>
-              <a:rPr lang="en-US" dirty="0" smtClean="0"/>
+              <a:rPr lang="en-US" dirty="0"/>
               <a:t>Helicopters rise from the bottom of the screen. They are selectable and </a:t>
             </a:r>
             <a:r>
-              <a:rPr lang="en-US" dirty="0" err="1" smtClean="0"/>
+              <a:rPr lang="en-US" dirty="0" err="1"/>
               <a:t>draggable</a:t>
             </a:r>
             <a:r>
-              <a:rPr lang="en-US" dirty="0" smtClean="0"/>
+              <a:rPr lang="en-US" dirty="0"/>
               <a:t>, like the rectangles in our screensavers.</a:t>
             </a:r>
-            <a:endParaRPr lang="en-US" dirty="0"/>
           </a:p>
         </p:txBody>
       </p:sp>
@@ -8477,10 +8086,9 @@
           <a:lstStyle/>
           <a:p>
             <a:r>
-              <a:rPr lang="en-US" dirty="0" smtClean="0"/>
+              <a:rPr lang="en-US" dirty="0"/>
               <a:t>Goals of this lesson</a:t>
             </a:r>
-            <a:endParaRPr lang="en-US" dirty="0"/>
           </a:p>
         </p:txBody>
       </p:sp>
@@ -8502,7 +8110,7 @@
           <a:lstStyle/>
           <a:p>
             <a:r>
-              <a:rPr lang="en-US" dirty="0" smtClean="0"/>
+              <a:rPr lang="en-US" dirty="0"/>
               <a:t>Use the idea of an interface to write a small  interactive system</a:t>
             </a:r>
           </a:p>
@@ -8537,13 +8145,6 @@
   <p:clrMapOvr>
     <a:masterClrMapping/>
   </p:clrMapOvr>
-  <p:timing>
-    <p:tnLst>
-      <p:par>
-        <p:cTn id="1" dur="indefinite" restart="never" nodeType="tmRoot"/>
-      </p:par>
-    </p:tnLst>
-  </p:timing>
 </p:sld>
 </file>
 
@@ -8580,10 +8181,9 @@
           <a:lstStyle/>
           <a:p>
             <a:r>
-              <a:rPr lang="en-US" dirty="0" smtClean="0"/>
+              <a:rPr lang="en-US" dirty="0"/>
               <a:t>We’ll start with Bomb%</a:t>
             </a:r>
-            <a:endParaRPr lang="en-US" dirty="0"/>
           </a:p>
         </p:txBody>
       </p:sp>
@@ -8816,60 +8416,52 @@
             </a:pPr>
             <a:r>
               <a:rPr lang="en-US" sz="1000" dirty="0"/>
+              <a:t>    ;; the bomb's speed, in pixels/tick</a:t>
+            </a:r>
+          </a:p>
+          <a:p>
+            <a:pPr>
+              <a:spcBef>
+                <a:spcPts val="0"/>
+              </a:spcBef>
+            </a:pPr>
+            <a:r>
+              <a:rPr lang="en-US" sz="1000" dirty="0"/>
+              <a:t>    (field [BOMB-SPEED 8])</a:t>
+            </a:r>
+          </a:p>
+          <a:p>
+            <a:pPr>
+              <a:spcBef>
+                <a:spcPts val="0"/>
+              </a:spcBef>
+            </a:pPr>
+            <a:r>
+              <a:rPr lang="en-US" sz="1000" dirty="0"/>
+              <a:t>   </a:t>
+            </a:r>
+          </a:p>
+          <a:p>
+            <a:pPr>
+              <a:spcBef>
+                <a:spcPts val="0"/>
+              </a:spcBef>
+            </a:pPr>
+            <a:r>
+              <a:rPr lang="en-US" sz="1000" dirty="0"/>
+              <a:t>    (super-new)</a:t>
+            </a:r>
+          </a:p>
+          <a:p>
+            <a:pPr>
+              <a:spcBef>
+                <a:spcPts val="0"/>
+              </a:spcBef>
+            </a:pPr>
+            <a:r>
+              <a:rPr lang="en-US" sz="1000" dirty="0"/>
               <a:t>    </a:t>
             </a:r>
-            <a:r>
-              <a:rPr lang="en-US" sz="1000" dirty="0" smtClean="0"/>
-              <a:t>;; </a:t>
-            </a:r>
-            <a:r>
-              <a:rPr lang="en-US" sz="1000" dirty="0"/>
-              <a:t>the bomb's speed, in pixels/tick</a:t>
-            </a:r>
-          </a:p>
-          <a:p>
-            <a:pPr>
-              <a:spcBef>
-                <a:spcPts val="0"/>
-              </a:spcBef>
-            </a:pPr>
-            <a:r>
-              <a:rPr lang="en-US" sz="1000" dirty="0"/>
-              <a:t>    (field [BOMB-SPEED 8])</a:t>
-            </a:r>
-          </a:p>
-          <a:p>
-            <a:pPr>
-              <a:spcBef>
-                <a:spcPts val="0"/>
-              </a:spcBef>
-            </a:pPr>
-            <a:r>
-              <a:rPr lang="en-US" sz="1000" dirty="0"/>
-              <a:t>   </a:t>
-            </a:r>
-          </a:p>
-          <a:p>
-            <a:pPr>
-              <a:spcBef>
-                <a:spcPts val="0"/>
-              </a:spcBef>
-            </a:pPr>
-            <a:r>
-              <a:rPr lang="en-US" sz="1000" dirty="0"/>
-              <a:t>    (super-new)</a:t>
-            </a:r>
-          </a:p>
-          <a:p>
-            <a:pPr>
-              <a:spcBef>
-                <a:spcPts val="0"/>
-              </a:spcBef>
-            </a:pPr>
-            <a:r>
-              <a:rPr lang="en-US" sz="1000" dirty="0"/>
-              <a:t>    </a:t>
-            </a:r>
           </a:p>
           <a:p>
             <a:pPr>
@@ -8890,57 +8482,29 @@
             </a:pPr>
             <a:r>
               <a:rPr lang="en-US" sz="1000" dirty="0"/>
-              <a:t>    ;; RETURNS: A bomb like this one, but as it </a:t>
-            </a:r>
-            <a:r>
-              <a:rPr lang="en-US" sz="1000" dirty="0" smtClean="0"/>
-              <a:t>should</a:t>
-            </a:r>
-          </a:p>
-          <a:p>
-            <a:pPr>
-              <a:spcBef>
-                <a:spcPts val="0"/>
-              </a:spcBef>
-            </a:pPr>
-            <a:r>
-              <a:rPr lang="en-US" sz="1000" dirty="0"/>
-              <a:t> </a:t>
-            </a:r>
-            <a:r>
-              <a:rPr lang="en-US" sz="1000" dirty="0" smtClean="0"/>
-              <a:t>   ;; </a:t>
-            </a:r>
-            <a:r>
-              <a:rPr lang="en-US" sz="1000" dirty="0"/>
-              <a:t>be after </a:t>
-            </a:r>
-            <a:r>
-              <a:rPr lang="en-US" sz="1000" dirty="0" smtClean="0"/>
-              <a:t>a </a:t>
-            </a:r>
-            <a:r>
-              <a:rPr lang="en-US" sz="1000" dirty="0"/>
-              <a:t>tick</a:t>
-            </a:r>
-          </a:p>
-          <a:p>
-            <a:pPr>
-              <a:spcBef>
-                <a:spcPts val="0"/>
-              </a:spcBef>
-            </a:pPr>
-            <a:r>
-              <a:rPr lang="en-US" sz="1000" dirty="0"/>
-              <a:t>    ;; DETAILS: the </a:t>
-            </a:r>
-            <a:r>
-              <a:rPr lang="en-US" sz="1000" dirty="0" smtClean="0"/>
-              <a:t>bomb </a:t>
-            </a:r>
-            <a:r>
-              <a:rPr lang="en-US" sz="1000" dirty="0"/>
-              <a:t>moves vertically by BOMB-SPEED</a:t>
+              <a:t>    ;; RETURNS: A bomb like this one, but as it should</a:t>
+            </a:r>
+          </a:p>
+          <a:p>
+            <a:pPr>
+              <a:spcBef>
+                <a:spcPts val="0"/>
+              </a:spcBef>
+            </a:pPr>
+            <a:r>
+              <a:rPr lang="en-US" sz="1000" dirty="0"/>
+              <a:t>    ;; be after a tick</a:t>
+            </a:r>
+          </a:p>
+          <a:p>
+            <a:pPr>
+              <a:spcBef>
+                <a:spcPts val="0"/>
+              </a:spcBef>
+            </a:pPr>
+            <a:r>
+              <a:rPr lang="en-US" sz="1000" dirty="0"/>
+              <a:t>    ;; DETAILS: the bomb moves vertically by BOMB-SPEED</a:t>
             </a:r>
           </a:p>
           <a:p>
@@ -9002,57 +8566,29 @@
             </a:pPr>
             <a:r>
               <a:rPr lang="en-US" sz="1000" dirty="0"/>
-              <a:t> </a:t>
-            </a:r>
-            <a:r>
-              <a:rPr lang="en-US" sz="1000" dirty="0" smtClean="0"/>
-              <a:t>   ;; </a:t>
-            </a:r>
-            <a:r>
-              <a:rPr lang="en-US" sz="1000" dirty="0"/>
-              <a:t>to-scene : Scene -&gt; Scene</a:t>
-            </a:r>
-          </a:p>
-          <a:p>
-            <a:pPr>
-              <a:spcBef>
-                <a:spcPts val="0"/>
-              </a:spcBef>
-            </a:pPr>
-            <a:r>
-              <a:rPr lang="en-US" sz="1000" dirty="0"/>
-              <a:t>    ;; RETURNS: a scene like the given one, but </a:t>
-            </a:r>
-            <a:r>
-              <a:rPr lang="en-US" sz="1000" dirty="0" smtClean="0"/>
-              <a:t>with</a:t>
-            </a:r>
-          </a:p>
-          <a:p>
-            <a:pPr>
-              <a:spcBef>
-                <a:spcPts val="0"/>
-              </a:spcBef>
-            </a:pPr>
-            <a:r>
-              <a:rPr lang="en-US" sz="1000" dirty="0"/>
-              <a:t> </a:t>
-            </a:r>
-            <a:r>
-              <a:rPr lang="en-US" sz="1000" dirty="0" smtClean="0"/>
-              <a:t>   ;; </a:t>
-            </a:r>
-            <a:r>
-              <a:rPr lang="en-US" sz="1000" dirty="0"/>
-              <a:t>this </a:t>
-            </a:r>
-            <a:r>
-              <a:rPr lang="en-US" sz="1000" dirty="0" smtClean="0"/>
-              <a:t>bomb painted </a:t>
-            </a:r>
-            <a:r>
-              <a:rPr lang="en-US" sz="1000" dirty="0"/>
-              <a:t>on it.</a:t>
+              <a:t>    ;; to-scene : Scene -&gt; Scene</a:t>
+            </a:r>
+          </a:p>
+          <a:p>
+            <a:pPr>
+              <a:spcBef>
+                <a:spcPts val="0"/>
+              </a:spcBef>
+            </a:pPr>
+            <a:r>
+              <a:rPr lang="en-US" sz="1000" dirty="0"/>
+              <a:t>    ;; RETURNS: a scene like the given one, but with</a:t>
+            </a:r>
+          </a:p>
+          <a:p>
+            <a:pPr>
+              <a:spcBef>
+                <a:spcPts val="0"/>
+              </a:spcBef>
+            </a:pPr>
+            <a:r>
+              <a:rPr lang="en-US" sz="1000" dirty="0"/>
+              <a:t>    ;; this bomb painted on it.</a:t>
             </a:r>
           </a:p>
           <a:p>
@@ -9093,39 +8629,30 @@
             </a:pPr>
             <a:r>
               <a:rPr lang="en-US" sz="1000" dirty="0"/>
-              <a:t>    ;; the bomb doesn't have any other </a:t>
-            </a:r>
-            <a:r>
-              <a:rPr lang="en-US" sz="1000" dirty="0" smtClean="0"/>
-              <a:t>behaviors, so it</a:t>
-            </a:r>
-          </a:p>
-          <a:p>
-            <a:pPr>
-              <a:spcBef>
-                <a:spcPts val="0"/>
-              </a:spcBef>
-            </a:pPr>
-            <a:r>
-              <a:rPr lang="en-US" sz="1000" dirty="0"/>
-              <a:t> </a:t>
-            </a:r>
-            <a:r>
-              <a:rPr lang="en-US" sz="1000" dirty="0" smtClean="0"/>
-              <a:t>   ;; responds to each of these messages by returning</a:t>
-            </a:r>
-          </a:p>
-          <a:p>
-            <a:pPr>
-              <a:spcBef>
-                <a:spcPts val="0"/>
-              </a:spcBef>
-            </a:pPr>
-            <a:r>
-              <a:rPr lang="en-US" sz="1000" dirty="0" smtClean="0"/>
+              <a:t>    ;; the bomb doesn't have any other behaviors, so it</a:t>
+            </a:r>
+          </a:p>
+          <a:p>
+            <a:pPr>
+              <a:spcBef>
+                <a:spcPts val="0"/>
+              </a:spcBef>
+            </a:pPr>
+            <a:r>
+              <a:rPr lang="en-US" sz="1000" dirty="0"/>
+              <a:t>    ;; responds to each of these messages by returning</a:t>
+            </a:r>
+          </a:p>
+          <a:p>
+            <a:pPr>
+              <a:spcBef>
+                <a:spcPts val="0"/>
+              </a:spcBef>
+            </a:pPr>
+            <a:r>
+              <a:rPr lang="en-US" sz="1000" dirty="0"/>
               <a:t>    ;; itself, unchanged.</a:t>
             </a:r>
-            <a:endParaRPr lang="en-US" sz="1000" dirty="0"/>
           </a:p>
           <a:p>
             <a:pPr>
@@ -9198,15 +8725,7 @@
             </a:pPr>
             <a:r>
               <a:rPr lang="en-US" sz="1000" dirty="0"/>
-              <a:t>    ;; test methods, to </a:t>
-            </a:r>
-            <a:r>
-              <a:rPr lang="en-US" sz="1000" dirty="0" smtClean="0"/>
-              <a:t>test; </a:t>
-            </a:r>
-            <a:r>
-              <a:rPr lang="en-US" sz="1000" dirty="0"/>
-              <a:t>the bomb state.</a:t>
+              <a:t>    ;; test methods, to test; the bomb state.</a:t>
             </a:r>
           </a:p>
           <a:p>
@@ -9314,12 +8833,14 @@
             <a:avLst/>
           </a:prstGeom>
           <a:solidFill>
-            <a:schemeClr val="accent3">
-              <a:lumMod val="40000"/>
-              <a:lumOff val="60000"/>
+            <a:schemeClr val="accent1">
+              <a:lumMod val="20000"/>
+              <a:lumOff val="80000"/>
             </a:schemeClr>
           </a:solidFill>
-          <a:ln/>
+          <a:ln>
+            <a:noFill/>
+          </a:ln>
         </p:spPr>
         <p:style>
           <a:lnRef idx="2">
@@ -9346,7 +8867,7 @@
           <a:p>
             <a:pPr algn="ctr"/>
             <a:r>
-              <a:rPr lang="en-US" sz="1200" b="1" dirty="0" smtClean="0">
+              <a:rPr lang="en-US" sz="1200" b="1" dirty="0">
                 <a:solidFill>
                   <a:schemeClr val="tx1"/>
                 </a:solidFill>
@@ -9354,7 +8875,7 @@
               <a:t>after-tick</a:t>
             </a:r>
             <a:r>
-              <a:rPr lang="en-US" sz="1200" dirty="0" smtClean="0">
+              <a:rPr lang="en-US" sz="1200" dirty="0">
                 <a:solidFill>
                   <a:schemeClr val="tx1"/>
                 </a:solidFill>
@@ -9362,7 +8883,7 @@
               <a:t> returns a new bomb in the right location.  Since </a:t>
             </a:r>
             <a:r>
-              <a:rPr lang="en-US" sz="1200" b="1" dirty="0" smtClean="0">
+              <a:rPr lang="en-US" sz="1200" b="1" dirty="0">
                 <a:solidFill>
                   <a:schemeClr val="tx1"/>
                 </a:solidFill>
@@ -9370,7 +8891,7 @@
               <a:t>Bomb% </a:t>
             </a:r>
             <a:r>
-              <a:rPr lang="en-US" sz="1200" dirty="0" smtClean="0">
+              <a:rPr lang="en-US" sz="1200" dirty="0">
                 <a:solidFill>
                   <a:schemeClr val="tx1"/>
                 </a:solidFill>
@@ -9378,7 +8899,7 @@
               <a:t>implements </a:t>
             </a:r>
             <a:r>
-              <a:rPr lang="en-US" sz="1200" b="1" dirty="0" smtClean="0">
+              <a:rPr lang="en-US" sz="1200" b="1" dirty="0">
                 <a:solidFill>
                   <a:schemeClr val="tx1"/>
                 </a:solidFill>
@@ -9386,7 +8907,7 @@
               <a:t>Widget&lt;%&gt;</a:t>
             </a:r>
             <a:r>
-              <a:rPr lang="en-US" sz="1200" dirty="0" smtClean="0">
+              <a:rPr lang="en-US" sz="1200" dirty="0">
                 <a:solidFill>
                   <a:schemeClr val="tx1"/>
                 </a:solidFill>
@@ -9394,7 +8915,7 @@
               <a:t>, the value returned is a Widget, so this method satisfies the contract given for it in the </a:t>
             </a:r>
             <a:r>
-              <a:rPr lang="en-US" sz="1200" b="1" dirty="0" smtClean="0">
+              <a:rPr lang="en-US" sz="1200" b="1" dirty="0">
                 <a:solidFill>
                   <a:schemeClr val="tx1"/>
                 </a:solidFill>
@@ -9402,18 +8923,13 @@
               <a:t>Widget&lt;%&gt; </a:t>
             </a:r>
             <a:r>
-              <a:rPr lang="en-US" sz="1200" dirty="0" smtClean="0">
+              <a:rPr lang="en-US" sz="1200" dirty="0">
                 <a:solidFill>
                   <a:schemeClr val="tx1"/>
                 </a:solidFill>
               </a:rPr>
               <a:t>interface.</a:t>
             </a:r>
-            <a:endParaRPr lang="en-US" sz="1200" dirty="0">
-              <a:solidFill>
-                <a:schemeClr val="tx1"/>
-              </a:solidFill>
-            </a:endParaRPr>
           </a:p>
         </p:txBody>
       </p:sp>
@@ -9467,12 +8983,14 @@
             <a:avLst/>
           </a:prstGeom>
           <a:solidFill>
-            <a:schemeClr val="accent3">
-              <a:lumMod val="40000"/>
-              <a:lumOff val="60000"/>
+            <a:schemeClr val="accent1">
+              <a:lumMod val="20000"/>
+              <a:lumOff val="80000"/>
             </a:schemeClr>
           </a:solidFill>
-          <a:ln/>
+          <a:ln>
+            <a:noFill/>
+          </a:ln>
         </p:spPr>
         <p:style>
           <a:lnRef idx="2">
@@ -9499,7 +9017,7 @@
           <a:p>
             <a:pPr algn="ctr"/>
             <a:r>
-              <a:rPr lang="en-US" sz="1200" b="1" dirty="0" err="1" smtClean="0">
+              <a:rPr lang="en-US" sz="1200" b="1" dirty="0" err="1">
                 <a:solidFill>
                   <a:schemeClr val="tx1"/>
                 </a:solidFill>
@@ -9507,7 +9025,7 @@
               <a:t>for-test:x</a:t>
             </a:r>
             <a:r>
-              <a:rPr lang="en-US" sz="1200" dirty="0" smtClean="0">
+              <a:rPr lang="en-US" sz="1200" dirty="0">
                 <a:solidFill>
                   <a:schemeClr val="tx1"/>
                 </a:solidFill>
@@ -9515,7 +9033,7 @@
               <a:t> and </a:t>
             </a:r>
             <a:r>
-              <a:rPr lang="en-US" sz="1200" b="1" dirty="0" err="1" smtClean="0">
+              <a:rPr lang="en-US" sz="1200" b="1" dirty="0" err="1">
                 <a:solidFill>
                   <a:schemeClr val="tx1"/>
                 </a:solidFill>
@@ -9523,7 +9041,7 @@
               <a:t>for-test:y</a:t>
             </a:r>
             <a:r>
-              <a:rPr lang="en-US" sz="1200" dirty="0" smtClean="0">
+              <a:rPr lang="en-US" sz="1200" dirty="0">
                 <a:solidFill>
                   <a:schemeClr val="tx1"/>
                 </a:solidFill>
@@ -9531,7 +9049,7 @@
               <a:t> are NOT in the  </a:t>
             </a:r>
             <a:r>
-              <a:rPr lang="en-US" sz="1200" b="1" dirty="0" smtClean="0">
+              <a:rPr lang="en-US" sz="1200" b="1" dirty="0">
                 <a:solidFill>
                   <a:schemeClr val="tx1"/>
                 </a:solidFill>
@@ -9539,18 +9057,13 @@
               <a:t>Widget&lt;%&gt;  </a:t>
             </a:r>
             <a:r>
-              <a:rPr lang="en-US" sz="1200" dirty="0" smtClean="0">
+              <a:rPr lang="en-US" sz="1200" dirty="0">
                 <a:solidFill>
                   <a:schemeClr val="tx1"/>
                 </a:solidFill>
               </a:rPr>
               <a:t>interface.  They are added  here for testing purposes ONLY.</a:t>
             </a:r>
-            <a:endParaRPr lang="en-US" sz="1200" dirty="0">
-              <a:solidFill>
-                <a:schemeClr val="tx1"/>
-              </a:solidFill>
-            </a:endParaRPr>
           </a:p>
         </p:txBody>
       </p:sp>
@@ -9571,6 +9084,7 @@
             <a:avLst/>
           </a:prstGeom>
           <a:ln>
+            <a:noFill/>
             <a:tailEnd type="triangle"/>
           </a:ln>
         </p:spPr>
@@ -9635,10 +9149,9 @@
           <a:lstStyle/>
           <a:p>
             <a:r>
-              <a:rPr lang="en-US" dirty="0" smtClean="0"/>
+              <a:rPr lang="en-US" dirty="0"/>
               <a:t>…and on to Heli%</a:t>
             </a:r>
-            <a:endParaRPr lang="en-US" dirty="0"/>
           </a:p>
         </p:txBody>
       </p:sp>
@@ -9677,72 +9190,40 @@
             </a:pPr>
             <a:r>
               <a:rPr lang="en-US" sz="1000" dirty="0"/>
-              <a:t>;;                  </a:t>
-            </a:r>
-            <a:r>
-              <a:rPr lang="en-US" sz="1000" dirty="0" smtClean="0"/>
-              <a:t>      [</a:t>
-            </a:r>
-            <a:r>
-              <a:rPr lang="en-US" sz="1000" dirty="0"/>
-              <a:t>selected? Boolean</a:t>
-            </a:r>
-            <a:r>
-              <a:rPr lang="en-US" sz="1000" dirty="0" smtClean="0"/>
-              <a:t>]</a:t>
-            </a:r>
-          </a:p>
-          <a:p>
-            <a:pPr>
-              <a:spcBef>
-                <a:spcPts val="0"/>
-              </a:spcBef>
-            </a:pPr>
-            <a:r>
-              <a:rPr lang="en-US" sz="1000" dirty="0" smtClean="0"/>
-              <a:t>;;                        [saved-mx </a:t>
-            </a:r>
-            <a:r>
-              <a:rPr lang="en-US" sz="1000" dirty="0"/>
-              <a:t>Integer</a:t>
-            </a:r>
-            <a:r>
-              <a:rPr lang="en-US" sz="1000" dirty="0" smtClean="0"/>
-              <a:t>]</a:t>
-            </a:r>
-          </a:p>
-          <a:p>
-            <a:pPr>
-              <a:spcBef>
-                <a:spcPts val="0"/>
-              </a:spcBef>
-            </a:pPr>
-            <a:r>
-              <a:rPr lang="en-US" sz="1000" dirty="0" smtClean="0"/>
-              <a:t>;;                        [saved-my </a:t>
-            </a:r>
-            <a:r>
-              <a:rPr lang="en-US" sz="1000" dirty="0"/>
-              <a:t>Integer</a:t>
-            </a:r>
-            <a:r>
-              <a:rPr lang="en-US" sz="1000" dirty="0" smtClean="0"/>
-              <a:t>])</a:t>
-            </a:r>
-          </a:p>
-          <a:p>
-            <a:pPr>
-              <a:spcBef>
-                <a:spcPts val="0"/>
-              </a:spcBef>
-            </a:pPr>
-            <a:r>
-              <a:rPr lang="en-US" sz="1000" dirty="0" smtClean="0"/>
-              <a:t>;; </a:t>
-            </a:r>
-            <a:r>
-              <a:rPr lang="en-US" sz="1000" dirty="0"/>
-              <a:t>A Heli represents a </a:t>
+              <a:t>;;                        [selected? Boolean]</a:t>
+            </a:r>
+          </a:p>
+          <a:p>
+            <a:pPr>
+              <a:spcBef>
+                <a:spcPts val="0"/>
+              </a:spcBef>
+            </a:pPr>
+            <a:r>
+              <a:rPr lang="en-US" sz="1000" dirty="0"/>
+              <a:t>;;                        [saved-mx Integer]</a:t>
+            </a:r>
+          </a:p>
+          <a:p>
+            <a:pPr>
+              <a:spcBef>
+                <a:spcPts val="0"/>
+              </a:spcBef>
+            </a:pPr>
+            <a:r>
+              <a:rPr lang="en-US" sz="1000" dirty="0"/>
+              <a:t>;;                        [saved-my Integer])</a:t>
+            </a:r>
+          </a:p>
+          <a:p>
+            <a:pPr>
+              <a:spcBef>
+                <a:spcPts val="0"/>
+              </a:spcBef>
+            </a:pPr>
+            <a:r>
+              <a:rPr lang="en-US" sz="1000" dirty="0"/>
+              <a:t>;; A Heli represents a </a:t>
             </a:r>
             <a:r>
               <a:rPr lang="en-US" sz="1000" dirty="0" err="1"/>
@@ -9799,30 +9280,18 @@
             </a:r>
             <a:r>
               <a:rPr lang="en-US" sz="1000" dirty="0"/>
-              <a:t>-fields are the values that may </a:t>
-            </a:r>
-            <a:r>
-              <a:rPr lang="en-US" sz="1000" dirty="0" smtClean="0"/>
-              <a:t>vary</a:t>
-            </a:r>
-          </a:p>
-          <a:p>
-            <a:pPr>
-              <a:spcBef>
-                <a:spcPts val="0"/>
-              </a:spcBef>
-            </a:pPr>
-            <a:r>
-              <a:rPr lang="en-US" sz="1000" dirty="0"/>
-              <a:t> </a:t>
-            </a:r>
-            <a:r>
-              <a:rPr lang="en-US" sz="1000" dirty="0" smtClean="0"/>
-              <a:t>   ;; </a:t>
-            </a:r>
-            <a:r>
-              <a:rPr lang="en-US" sz="1000" dirty="0"/>
-              <a:t>from one </a:t>
+              <a:t>-fields are the values that may vary</a:t>
+            </a:r>
+          </a:p>
+          <a:p>
+            <a:pPr>
+              <a:spcBef>
+                <a:spcPts val="0"/>
+              </a:spcBef>
+            </a:pPr>
+            <a:r>
+              <a:rPr lang="en-US" sz="1000" dirty="0"/>
+              <a:t>    ;; from one </a:t>
             </a:r>
             <a:r>
               <a:rPr lang="en-US" sz="1000" dirty="0" err="1"/>
@@ -9830,15 +9299,7 @@
             </a:r>
             <a:r>
               <a:rPr lang="en-US" sz="1000" dirty="0"/>
-              <a:t> </a:t>
-            </a:r>
-            <a:r>
-              <a:rPr lang="en-US" sz="1000" dirty="0" smtClean="0"/>
-              <a:t>to </a:t>
-            </a:r>
-            <a:r>
-              <a:rPr lang="en-US" sz="1000" dirty="0"/>
-              <a:t>the next.</a:t>
+              <a:t> to the next.</a:t>
             </a:r>
           </a:p>
           <a:p>
@@ -9972,7 +9433,7 @@
               <a:t>heli</a:t>
             </a:r>
             <a:r>
-              <a:rPr lang="en-US" sz="1000" dirty="0" smtClean="0"/>
+              <a:rPr lang="en-US" sz="1000" dirty="0"/>
               <a:t>,</a:t>
             </a:r>
           </a:p>
@@ -9984,19 +9445,7 @@
             </a:pPr>
             <a:r>
               <a:rPr lang="en-US" sz="1000" dirty="0"/>
-              <a:t> </a:t>
-            </a:r>
-            <a:r>
-              <a:rPr lang="en-US" sz="1000" dirty="0" smtClean="0"/>
-              <a:t>   ;; </a:t>
-            </a:r>
-            <a:r>
-              <a:rPr lang="en-US" sz="1000" dirty="0"/>
-              <a:t>relative to </a:t>
-            </a:r>
-            <a:r>
-              <a:rPr lang="en-US" sz="1000" dirty="0" smtClean="0"/>
-              <a:t>the </a:t>
+              <a:t>    ;; relative to the </a:t>
             </a:r>
             <a:r>
               <a:rPr lang="en-US" sz="1000" dirty="0" err="1"/>
@@ -10071,15 +9520,7 @@
             </a:pPr>
             <a:r>
               <a:rPr lang="en-US" sz="1000" dirty="0"/>
-              <a:t>  </a:t>
-            </a:r>
-            <a:r>
-              <a:rPr lang="en-US" sz="1000" dirty="0" smtClean="0"/>
-              <a:t>  </a:t>
-            </a:r>
-            <a:r>
-              <a:rPr lang="en-US" sz="1000" dirty="0"/>
-              <a:t>;; private data for objects of this class.</a:t>
+              <a:t>    ;; private data for objects of this class.</a:t>
             </a:r>
           </a:p>
           <a:p>
@@ -10146,12 +9587,8 @@
               </a:spcBef>
             </a:pPr>
             <a:r>
-              <a:rPr lang="en-US" sz="1000" dirty="0" smtClean="0"/>
-              <a:t>    ; </a:t>
-            </a:r>
-            <a:r>
-              <a:rPr lang="en-US" sz="1000" dirty="0"/>
-              <a:t>image for displaying the </a:t>
+              <a:rPr lang="en-US" sz="1000" dirty="0"/>
+              <a:t>    ; image for displaying the </a:t>
             </a:r>
             <a:r>
               <a:rPr lang="en-US" sz="1000" dirty="0" err="1"/>
@@ -10186,28 +9623,19 @@
             </a:r>
             <a:r>
               <a:rPr lang="en-US" sz="1000" dirty="0"/>
-              <a:t> speed, in </a:t>
-            </a:r>
-            <a:r>
-              <a:rPr lang="en-US" sz="1000" dirty="0" smtClean="0"/>
-              <a:t>pixels/tick.</a:t>
-            </a:r>
-          </a:p>
-          <a:p>
-            <a:pPr>
-              <a:spcBef>
-                <a:spcPts val="0"/>
-              </a:spcBef>
-            </a:pPr>
-            <a:r>
-              <a:rPr lang="en-US" sz="1000" dirty="0"/>
-              <a:t> </a:t>
-            </a:r>
-            <a:r>
-              <a:rPr lang="en-US" sz="1000" dirty="0" smtClean="0"/>
-              <a:t>   ; negative means that it moves upwards.</a:t>
-            </a:r>
-            <a:endParaRPr lang="en-US" sz="1000" dirty="0"/>
+              <a:t> speed, in pixels/tick.</a:t>
+            </a:r>
+          </a:p>
+          <a:p>
+            <a:pPr>
+              <a:spcBef>
+                <a:spcPts val="0"/>
+              </a:spcBef>
+            </a:pPr>
+            <a:r>
+              <a:rPr lang="en-US" sz="1000" dirty="0"/>
+              <a:t>    ; negative means that it moves upwards.</a:t>
+            </a:r>
           </a:p>
           <a:p>
             <a:pPr>
@@ -10261,15 +9689,7 @@
             </a:pPr>
             <a:r>
               <a:rPr lang="en-US" sz="1000" dirty="0"/>
-              <a:t>    ;; after-tick : </a:t>
-            </a:r>
-            <a:r>
-              <a:rPr lang="en-US" sz="1000" dirty="0" smtClean="0"/>
-              <a:t>-&gt; </a:t>
-            </a:r>
-            <a:r>
-              <a:rPr lang="en-US" sz="1000" dirty="0"/>
-              <a:t>Heli</a:t>
+              <a:t>    ;; after-tick : -&gt; Heli</a:t>
             </a:r>
           </a:p>
           <a:p>
@@ -10288,54 +9708,29 @@
             </a:r>
             <a:r>
               <a:rPr lang="en-US" sz="1000" dirty="0"/>
-              <a:t> like this one, but as it </a:t>
-            </a:r>
-            <a:r>
-              <a:rPr lang="en-US" sz="1000" dirty="0" smtClean="0"/>
-              <a:t>should</a:t>
-            </a:r>
-          </a:p>
-          <a:p>
-            <a:pPr>
-              <a:spcBef>
-                <a:spcPts val="0"/>
-              </a:spcBef>
-            </a:pPr>
-            <a:r>
-              <a:rPr lang="en-US" sz="1000" dirty="0"/>
-              <a:t> </a:t>
-            </a:r>
-            <a:r>
-              <a:rPr lang="en-US" sz="1000" dirty="0" smtClean="0"/>
-              <a:t>   ;; </a:t>
-            </a:r>
-            <a:r>
-              <a:rPr lang="en-US" sz="1000" dirty="0"/>
-              <a:t>be after a </a:t>
-            </a:r>
-            <a:r>
-              <a:rPr lang="en-US" sz="1000" dirty="0" smtClean="0"/>
-              <a:t>tick.</a:t>
-            </a:r>
-            <a:endParaRPr lang="en-US" sz="1000" dirty="0"/>
-          </a:p>
-          <a:p>
-            <a:pPr>
-              <a:spcBef>
-                <a:spcPts val="0"/>
-              </a:spcBef>
-            </a:pPr>
-            <a:r>
-              <a:rPr lang="en-US" sz="1000" dirty="0"/>
-              <a:t>    ;; </a:t>
-            </a:r>
-            <a:r>
-              <a:rPr lang="en-US" sz="1000" dirty="0" smtClean="0"/>
-              <a:t>DETAILS: a </a:t>
-            </a:r>
-            <a:r>
-              <a:rPr lang="en-US" sz="1000" dirty="0"/>
-              <a:t>selected </a:t>
+              <a:t> like this one, but as it should</a:t>
+            </a:r>
+          </a:p>
+          <a:p>
+            <a:pPr>
+              <a:spcBef>
+                <a:spcPts val="0"/>
+              </a:spcBef>
+            </a:pPr>
+            <a:r>
+              <a:rPr lang="en-US" sz="1000" dirty="0"/>
+              <a:t>    ;; be after a tick.</a:t>
+            </a:r>
+          </a:p>
+          <a:p>
+            <a:pPr>
+              <a:spcBef>
+                <a:spcPts val="0"/>
+              </a:spcBef>
+            </a:pPr>
+            <a:r>
+              <a:rPr lang="en-US" sz="1000" dirty="0"/>
+              <a:t>    ;; DETAILS: a selected </a:t>
             </a:r>
             <a:r>
               <a:rPr lang="en-US" sz="1000" dirty="0" err="1"/>
@@ -10343,36 +9738,27 @@
             </a:r>
             <a:r>
               <a:rPr lang="en-US" sz="1000" dirty="0"/>
-              <a:t> doesn't move</a:t>
-            </a:r>
-            <a:r>
-              <a:rPr lang="en-US" sz="1000" dirty="0" smtClean="0"/>
-              <a:t>. An</a:t>
-            </a:r>
-          </a:p>
-          <a:p>
-            <a:pPr>
-              <a:spcBef>
-                <a:spcPts val="0"/>
-              </a:spcBef>
-            </a:pPr>
-            <a:r>
-              <a:rPr lang="en-US" sz="1000" dirty="0"/>
-              <a:t> </a:t>
-            </a:r>
-            <a:r>
-              <a:rPr lang="en-US" sz="1000" dirty="0" smtClean="0"/>
-              <a:t>   ;; unselected </a:t>
-            </a:r>
-            <a:r>
-              <a:rPr lang="en-US" sz="1000" dirty="0" err="1" smtClean="0"/>
+              <a:t> doesn't move. An</a:t>
+            </a:r>
+          </a:p>
+          <a:p>
+            <a:pPr>
+              <a:spcBef>
+                <a:spcPts val="0"/>
+              </a:spcBef>
+            </a:pPr>
+            <a:r>
+              <a:rPr lang="en-US" sz="1000" dirty="0"/>
+              <a:t>    ;; unselected </a:t>
+            </a:r>
+            <a:r>
+              <a:rPr lang="en-US" sz="1000" dirty="0" err="1"/>
               <a:t>heli</a:t>
             </a:r>
             <a:r>
-              <a:rPr lang="en-US" sz="1000" dirty="0" smtClean="0"/>
+              <a:rPr lang="en-US" sz="1000" dirty="0"/>
               <a:t> moves vertically by HELISPEED.</a:t>
             </a:r>
-            <a:endParaRPr lang="en-US" sz="1000" dirty="0"/>
           </a:p>
           <a:p>
             <a:pPr>
@@ -10494,7 +9880,6 @@
               <a:rPr lang="en-US" sz="1000" dirty="0"/>
               <a:t>    </a:t>
             </a:r>
-            <a:endParaRPr lang="en-US" sz="1000" dirty="0" smtClean="0"/>
           </a:p>
         </p:txBody>
       </p:sp>
@@ -10536,12 +9921,14 @@
             <a:avLst/>
           </a:prstGeom>
           <a:solidFill>
-            <a:schemeClr val="accent3">
-              <a:lumMod val="40000"/>
-              <a:lumOff val="60000"/>
+            <a:schemeClr val="accent1">
+              <a:lumMod val="20000"/>
+              <a:lumOff val="80000"/>
             </a:schemeClr>
           </a:solidFill>
-          <a:ln/>
+          <a:ln>
+            <a:noFill/>
+          </a:ln>
         </p:spPr>
         <p:style>
           <a:lnRef idx="2">
@@ -10566,9 +9953,8 @@
           </a:bodyPr>
           <a:lstStyle/>
           <a:p>
-            <a:pPr algn="ctr"/>
-            <a:r>
-              <a:rPr lang="en-US" sz="1200" dirty="0" smtClean="0">
+            <a:r>
+              <a:rPr lang="en-US" sz="1400" dirty="0">
                 <a:solidFill>
                   <a:schemeClr val="tx1"/>
                 </a:solidFill>
@@ -10576,7 +9962,7 @@
               <a:t>Note how we’ve put an interpretation on each of the fields of the object.   This is just like what we did when we put an interpretation on each of the fields of a </a:t>
             </a:r>
             <a:r>
-              <a:rPr lang="en-US" sz="1200" b="1" dirty="0" err="1" smtClean="0">
+              <a:rPr lang="en-US" sz="1400" b="1" dirty="0" err="1">
                 <a:solidFill>
                   <a:schemeClr val="tx1"/>
                 </a:solidFill>
@@ -10584,18 +9970,13 @@
               <a:t>struct</a:t>
             </a:r>
             <a:r>
-              <a:rPr lang="en-US" sz="1200" dirty="0" smtClean="0">
+              <a:rPr lang="en-US" sz="1400" dirty="0">
                 <a:solidFill>
                   <a:schemeClr val="tx1"/>
                 </a:solidFill>
               </a:rPr>
               <a:t>.</a:t>
             </a:r>
-            <a:endParaRPr lang="en-US" sz="1200" dirty="0">
-              <a:solidFill>
-                <a:schemeClr val="tx1"/>
-              </a:solidFill>
-            </a:endParaRPr>
           </a:p>
         </p:txBody>
       </p:sp>
@@ -10645,10 +10026,9 @@
           <a:lstStyle/>
           <a:p>
             <a:r>
-              <a:rPr lang="en-US" dirty="0" smtClean="0"/>
+              <a:rPr lang="en-US" dirty="0"/>
               <a:t>Heli% (2)</a:t>
             </a:r>
-            <a:endParaRPr lang="en-US" dirty="0"/>
           </a:p>
         </p:txBody>
       </p:sp>
@@ -10675,10 +10055,9 @@
               </a:spcBef>
             </a:pPr>
             <a:r>
-              <a:rPr lang="en-US" sz="1000" dirty="0" smtClean="0"/>
+              <a:rPr lang="en-US" sz="1000" dirty="0"/>
               <a:t>   </a:t>
             </a:r>
-            <a:endParaRPr lang="en-US" sz="1000" dirty="0"/>
           </a:p>
           <a:p>
             <a:pPr>
@@ -10710,65 +10089,41 @@
               <a:t>    ;; RETURNS: A </a:t>
             </a:r>
             <a:r>
-              <a:rPr lang="en-US" sz="1000" dirty="0" err="1" smtClean="0"/>
-              <a:t>heli</a:t>
-            </a:r>
-            <a:r>
-              <a:rPr lang="en-US" sz="1000" dirty="0" smtClean="0"/>
-              <a:t> like </a:t>
-            </a:r>
-            <a:r>
-              <a:rPr lang="en-US" sz="1000" dirty="0"/>
-              <a:t>this one, but as it </a:t>
-            </a:r>
-            <a:r>
-              <a:rPr lang="en-US" sz="1000" dirty="0" smtClean="0"/>
-              <a:t>should</a:t>
-            </a:r>
-          </a:p>
-          <a:p>
-            <a:pPr>
-              <a:spcBef>
-                <a:spcPts val="0"/>
-              </a:spcBef>
-            </a:pPr>
-            <a:r>
-              <a:rPr lang="en-US" sz="1000" dirty="0"/>
-              <a:t> </a:t>
-            </a:r>
-            <a:r>
-              <a:rPr lang="en-US" sz="1000" dirty="0" smtClean="0"/>
-              <a:t>   ;; </a:t>
-            </a:r>
-            <a:r>
-              <a:rPr lang="en-US" sz="1000" dirty="0"/>
-              <a:t>be after </a:t>
-            </a:r>
-            <a:r>
-              <a:rPr lang="en-US" sz="1000" dirty="0" smtClean="0"/>
-              <a:t>the given </a:t>
-            </a:r>
-            <a:r>
-              <a:rPr lang="en-US" sz="1000" dirty="0"/>
-              <a:t>key event.</a:t>
-            </a:r>
-          </a:p>
-          <a:p>
-            <a:pPr>
-              <a:spcBef>
-                <a:spcPts val="0"/>
-              </a:spcBef>
-            </a:pPr>
-            <a:r>
-              <a:rPr lang="en-US" sz="1000" dirty="0"/>
-              <a:t>    ;; DETAILS: a </a:t>
-            </a:r>
-            <a:r>
               <a:rPr lang="en-US" sz="1000" dirty="0" err="1"/>
               <a:t>heli</a:t>
             </a:r>
             <a:r>
               <a:rPr lang="en-US" sz="1000" dirty="0"/>
+              <a:t> like this one, but as it should</a:t>
+            </a:r>
+          </a:p>
+          <a:p>
+            <a:pPr>
+              <a:spcBef>
+                <a:spcPts val="0"/>
+              </a:spcBef>
+            </a:pPr>
+            <a:r>
+              <a:rPr lang="en-US" sz="1000" dirty="0"/>
+              <a:t>    ;; be after the given key event.</a:t>
+            </a:r>
+          </a:p>
+          <a:p>
+            <a:pPr>
+              <a:spcBef>
+                <a:spcPts val="0"/>
+              </a:spcBef>
+            </a:pPr>
+            <a:r>
+              <a:rPr lang="en-US" sz="1000" dirty="0"/>
+              <a:t>    ;; DETAILS: a </a:t>
+            </a:r>
+            <a:r>
+              <a:rPr lang="en-US" sz="1000" dirty="0" err="1"/>
+              <a:t>heli</a:t>
+            </a:r>
+            <a:r>
+              <a:rPr lang="en-US" sz="1000" dirty="0"/>
               <a:t> ignores key events</a:t>
             </a:r>
           </a:p>
@@ -10821,15 +10176,7 @@
             </a:pPr>
             <a:r>
               <a:rPr lang="en-US" sz="1000" dirty="0"/>
-              <a:t>    </a:t>
-            </a:r>
-            <a:r>
-              <a:rPr lang="en-US" sz="1000" dirty="0" smtClean="0"/>
-              <a:t>;; </a:t>
-            </a:r>
-            <a:r>
-              <a:rPr lang="en-US" sz="1000" dirty="0"/>
-              <a:t>after-button-down : Integer </a:t>
+              <a:t>    ;; after-button-down : Integer </a:t>
             </a:r>
             <a:r>
               <a:rPr lang="en-US" sz="1000" dirty="0" err="1"/>
@@ -10848,38 +10195,18 @@
             </a:pPr>
             <a:r>
               <a:rPr lang="en-US" sz="1000" dirty="0"/>
-              <a:t>    </a:t>
-            </a:r>
-            <a:r>
-              <a:rPr lang="en-US" sz="1000" dirty="0" smtClean="0"/>
-              <a:t>;; </a:t>
-            </a:r>
-            <a:r>
-              <a:rPr lang="en-US" sz="1000" dirty="0"/>
-              <a:t>GIVEN: the location of a button-down </a:t>
-            </a:r>
-            <a:r>
-              <a:rPr lang="en-US" sz="1000" dirty="0" smtClean="0"/>
-              <a:t>event</a:t>
-            </a:r>
-          </a:p>
-          <a:p>
-            <a:pPr>
-              <a:spcBef>
-                <a:spcPts val="0"/>
-              </a:spcBef>
-            </a:pPr>
-            <a:r>
-              <a:rPr lang="en-US" sz="1000" dirty="0"/>
-              <a:t> </a:t>
-            </a:r>
-            <a:r>
-              <a:rPr lang="en-US" sz="1000" dirty="0" smtClean="0"/>
-              <a:t>   ;; </a:t>
-            </a:r>
-            <a:r>
-              <a:rPr lang="en-US" sz="1000" dirty="0"/>
-              <a:t>RETURNS: A </a:t>
+              <a:t>    ;; GIVEN: the location of a button-down event</a:t>
+            </a:r>
+          </a:p>
+          <a:p>
+            <a:pPr>
+              <a:spcBef>
+                <a:spcPts val="0"/>
+              </a:spcBef>
+            </a:pPr>
+            <a:r>
+              <a:rPr lang="en-US" sz="1000" dirty="0"/>
+              <a:t>    ;; RETURNS: A </a:t>
             </a:r>
             <a:r>
               <a:rPr lang="en-US" sz="1000" dirty="0" err="1"/>
@@ -10898,69 +10225,40 @@
             </a:pPr>
             <a:r>
               <a:rPr lang="en-US" sz="1000" dirty="0"/>
-              <a:t>    ;; be after </a:t>
-            </a:r>
-            <a:r>
-              <a:rPr lang="en-US" sz="1000" dirty="0" smtClean="0"/>
-              <a:t>a button-down event at the given</a:t>
-            </a:r>
-          </a:p>
-          <a:p>
-            <a:pPr>
-              <a:spcBef>
-                <a:spcPts val="0"/>
-              </a:spcBef>
-            </a:pPr>
-            <a:r>
-              <a:rPr lang="en-US" sz="1000" dirty="0"/>
-              <a:t> </a:t>
-            </a:r>
-            <a:r>
-              <a:rPr lang="en-US" sz="1000" dirty="0" smtClean="0"/>
-              <a:t>   ;; location.</a:t>
-            </a:r>
-            <a:endParaRPr lang="en-US" sz="1000" dirty="0"/>
-          </a:p>
-          <a:p>
-            <a:pPr>
-              <a:spcBef>
-                <a:spcPts val="0"/>
-              </a:spcBef>
-            </a:pPr>
-            <a:r>
-              <a:rPr lang="en-US" sz="1000" dirty="0"/>
-              <a:t>    </a:t>
-            </a:r>
-            <a:r>
-              <a:rPr lang="en-US" sz="1000" dirty="0" smtClean="0"/>
-              <a:t>;; </a:t>
-            </a:r>
-            <a:r>
-              <a:rPr lang="en-US" sz="1000" dirty="0"/>
-              <a:t>STRATEGY: Cases on whether the event is in </a:t>
-            </a:r>
-            <a:r>
-              <a:rPr lang="en-US" sz="1000" dirty="0" smtClean="0"/>
-              <a:t>the</a:t>
-            </a:r>
-          </a:p>
-          <a:p>
-            <a:pPr>
-              <a:spcBef>
-                <a:spcPts val="0"/>
-              </a:spcBef>
-            </a:pPr>
-            <a:r>
-              <a:rPr lang="en-US" sz="1000" dirty="0"/>
-              <a:t> </a:t>
-            </a:r>
-            <a:r>
-              <a:rPr lang="en-US" sz="1000" dirty="0" smtClean="0"/>
-              <a:t>   ;; </a:t>
-            </a:r>
-            <a:r>
-              <a:rPr lang="en-US" sz="1000" dirty="0"/>
-              <a:t>helicopter</a:t>
+              <a:t>    ;; be after a button-down event at the given</a:t>
+            </a:r>
+          </a:p>
+          <a:p>
+            <a:pPr>
+              <a:spcBef>
+                <a:spcPts val="0"/>
+              </a:spcBef>
+            </a:pPr>
+            <a:r>
+              <a:rPr lang="en-US" sz="1000" dirty="0"/>
+              <a:t>    ;; location.</a:t>
+            </a:r>
+          </a:p>
+          <a:p>
+            <a:pPr>
+              <a:spcBef>
+                <a:spcPts val="0"/>
+              </a:spcBef>
+            </a:pPr>
+            <a:r>
+              <a:rPr lang="en-US" sz="1000" dirty="0"/>
+              <a:t>    ;; STRATEGY: Cases on whether the event is in the</a:t>
+            </a:r>
+          </a:p>
+          <a:p>
+            <a:pPr>
+              <a:spcBef>
+                <a:spcPts val="0"/>
+              </a:spcBef>
+            </a:pPr>
+            <a:r>
+              <a:rPr lang="en-US" sz="1000" dirty="0"/>
+              <a:t>    ;; helicopter</a:t>
             </a:r>
           </a:p>
           <a:p>
@@ -11093,15 +10391,7 @@
             </a:pPr>
             <a:r>
               <a:rPr lang="en-US" sz="1000" dirty="0"/>
-              <a:t> </a:t>
-            </a:r>
-            <a:r>
-              <a:rPr lang="en-US" sz="1000" dirty="0" smtClean="0"/>
-              <a:t>   ;; </a:t>
-            </a:r>
-            <a:r>
-              <a:rPr lang="en-US" sz="1000" dirty="0"/>
-              <a:t>after-button-up : Integer </a:t>
+              <a:t>    ;; after-button-up : Integer </a:t>
             </a:r>
             <a:r>
               <a:rPr lang="en-US" sz="1000" dirty="0" err="1"/>
@@ -11120,38 +10410,18 @@
             </a:pPr>
             <a:r>
               <a:rPr lang="en-US" sz="1000" dirty="0"/>
-              <a:t>    </a:t>
-            </a:r>
-            <a:r>
-              <a:rPr lang="en-US" sz="1000" dirty="0" smtClean="0"/>
-              <a:t>;; </a:t>
-            </a:r>
-            <a:r>
-              <a:rPr lang="en-US" sz="1000" dirty="0"/>
-              <a:t>GIVEN: the location of a button-up </a:t>
-            </a:r>
-            <a:r>
-              <a:rPr lang="en-US" sz="1000" dirty="0" smtClean="0"/>
-              <a:t>event</a:t>
-            </a:r>
-          </a:p>
-          <a:p>
-            <a:pPr>
-              <a:spcBef>
-                <a:spcPts val="0"/>
-              </a:spcBef>
-            </a:pPr>
-            <a:r>
-              <a:rPr lang="en-US" sz="1000" dirty="0"/>
-              <a:t> </a:t>
-            </a:r>
-            <a:r>
-              <a:rPr lang="en-US" sz="1000" dirty="0" smtClean="0"/>
-              <a:t>   ;; </a:t>
-            </a:r>
-            <a:r>
-              <a:rPr lang="en-US" sz="1000" dirty="0"/>
-              <a:t>RETURNS: A </a:t>
+              <a:t>    ;; GIVEN: the location of a button-up event</a:t>
+            </a:r>
+          </a:p>
+          <a:p>
+            <a:pPr>
+              <a:spcBef>
+                <a:spcPts val="0"/>
+              </a:spcBef>
+            </a:pPr>
+            <a:r>
+              <a:rPr lang="en-US" sz="1000" dirty="0"/>
+              <a:t>    ;; RETURNS: A </a:t>
             </a:r>
             <a:r>
               <a:rPr lang="en-US" sz="1000" dirty="0" err="1"/>
@@ -11170,49 +10440,29 @@
             </a:pPr>
             <a:r>
               <a:rPr lang="en-US" sz="1000" dirty="0"/>
-              <a:t>    ;; be after a </a:t>
-            </a:r>
-            <a:r>
-              <a:rPr lang="en-US" sz="1000" dirty="0" smtClean="0"/>
-              <a:t>button-up </a:t>
-            </a:r>
-            <a:r>
-              <a:rPr lang="en-US" sz="1000" dirty="0"/>
-              <a:t>event at the given</a:t>
-            </a:r>
-          </a:p>
-          <a:p>
-            <a:pPr>
-              <a:spcBef>
-                <a:spcPts val="0"/>
-              </a:spcBef>
-            </a:pPr>
-            <a:r>
-              <a:rPr lang="en-US" sz="1000" dirty="0"/>
-              <a:t>    ;; location</a:t>
-            </a:r>
-            <a:r>
-              <a:rPr lang="en-US" sz="1000" dirty="0" smtClean="0"/>
-              <a:t>.</a:t>
-            </a:r>
-          </a:p>
-          <a:p>
-            <a:pPr>
-              <a:spcBef>
-                <a:spcPts val="0"/>
-              </a:spcBef>
-            </a:pPr>
-            <a:r>
-              <a:rPr lang="en-US" sz="1000" dirty="0"/>
-              <a:t> </a:t>
-            </a:r>
-            <a:r>
-              <a:rPr lang="en-US" sz="1000" dirty="0" smtClean="0"/>
-              <a:t>   ;; DETAILS: </a:t>
-            </a:r>
-            <a:r>
-              <a:rPr lang="en-US" sz="1000" dirty="0"/>
-              <a:t>If the </a:t>
+              <a:t>    ;; be after a button-up event at the given</a:t>
+            </a:r>
+          </a:p>
+          <a:p>
+            <a:pPr>
+              <a:spcBef>
+                <a:spcPts val="0"/>
+              </a:spcBef>
+            </a:pPr>
+            <a:r>
+              <a:rPr lang="en-US" sz="1000" dirty="0"/>
+              <a:t>    ;; location.</a:t>
+            </a:r>
+          </a:p>
+          <a:p>
+            <a:pPr>
+              <a:spcBef>
+                <a:spcPts val="0"/>
+              </a:spcBef>
+            </a:pPr>
+            <a:r>
+              <a:rPr lang="en-US" sz="1000" dirty="0"/>
+              <a:t>    ;; DETAILS: If the </a:t>
             </a:r>
             <a:r>
               <a:rPr lang="en-US" sz="1000" dirty="0" err="1"/>
@@ -11220,99 +10470,70 @@
             </a:r>
             <a:r>
               <a:rPr lang="en-US" sz="1000" dirty="0"/>
-              <a:t> is selected, then </a:t>
-            </a:r>
-            <a:r>
-              <a:rPr lang="en-US" sz="1000" dirty="0" smtClean="0"/>
-              <a:t>unselect</a:t>
-            </a:r>
-          </a:p>
-          <a:p>
-            <a:pPr>
-              <a:spcBef>
-                <a:spcPts val="0"/>
-              </a:spcBef>
-            </a:pPr>
-            <a:r>
-              <a:rPr lang="en-US" sz="1000" dirty="0"/>
-              <a:t> </a:t>
-            </a:r>
-            <a:r>
-              <a:rPr lang="en-US" sz="1000" dirty="0" smtClean="0"/>
-              <a:t>   ;; it, otherwise ignore.</a:t>
-            </a:r>
-          </a:p>
-          <a:p>
-            <a:pPr>
-              <a:spcBef>
-                <a:spcPts val="0"/>
-              </a:spcBef>
-            </a:pPr>
-            <a:r>
-              <a:rPr lang="en-US" sz="1000" dirty="0" smtClean="0"/>
-              <a:t>    ;; </a:t>
-            </a:r>
-            <a:r>
-              <a:rPr lang="en-US" sz="1000" dirty="0"/>
-              <a:t>STRATEGY: Cases on whether the event is in </a:t>
-            </a:r>
-            <a:r>
-              <a:rPr lang="en-US" sz="1000" dirty="0" smtClean="0"/>
-              <a:t>the</a:t>
-            </a:r>
-          </a:p>
-          <a:p>
-            <a:pPr>
-              <a:spcBef>
-                <a:spcPts val="0"/>
-              </a:spcBef>
-            </a:pPr>
-            <a:r>
-              <a:rPr lang="en-US" sz="1000" dirty="0"/>
-              <a:t> </a:t>
-            </a:r>
-            <a:r>
-              <a:rPr lang="en-US" sz="1000" dirty="0" smtClean="0"/>
-              <a:t>   ;; </a:t>
-            </a:r>
-            <a:r>
-              <a:rPr lang="en-US" sz="1000" dirty="0"/>
-              <a:t>helicopter.</a:t>
-            </a:r>
-          </a:p>
-          <a:p>
-            <a:pPr>
-              <a:spcBef>
-                <a:spcPts val="0"/>
-              </a:spcBef>
-            </a:pPr>
-            <a:r>
-              <a:rPr lang="en-US" sz="1000" dirty="0" smtClean="0"/>
-              <a:t>    </a:t>
-            </a:r>
-            <a:r>
-              <a:rPr lang="en-US" sz="1000" dirty="0"/>
-              <a:t>(define/public (after-button-up mx my</a:t>
-            </a:r>
-            <a:r>
-              <a:rPr lang="en-US" sz="1000" dirty="0" smtClean="0"/>
-              <a:t>)</a:t>
-            </a:r>
-          </a:p>
-          <a:p>
-            <a:pPr>
-              <a:spcBef>
-                <a:spcPts val="0"/>
-              </a:spcBef>
-            </a:pPr>
-            <a:r>
-              <a:rPr lang="en-US" sz="1000" dirty="0"/>
-              <a:t> </a:t>
-            </a:r>
-            <a:r>
-              <a:rPr lang="en-US" sz="1000" dirty="0" smtClean="0"/>
-              <a:t>     ...etc...)</a:t>
-            </a:r>
+              <a:t> is selected, then unselect</a:t>
+            </a:r>
+          </a:p>
+          <a:p>
+            <a:pPr>
+              <a:spcBef>
+                <a:spcPts val="0"/>
+              </a:spcBef>
+            </a:pPr>
+            <a:r>
+              <a:rPr lang="en-US" sz="1000" dirty="0"/>
+              <a:t>    ;; it, otherwise ignore.</a:t>
+            </a:r>
+          </a:p>
+          <a:p>
+            <a:pPr>
+              <a:spcBef>
+                <a:spcPts val="0"/>
+              </a:spcBef>
+            </a:pPr>
+            <a:r>
+              <a:rPr lang="en-US" sz="1000" dirty="0"/>
+              <a:t>    ;; STRATEGY: Cases on whether the event is in the</a:t>
+            </a:r>
+          </a:p>
+          <a:p>
+            <a:pPr>
+              <a:spcBef>
+                <a:spcPts val="0"/>
+              </a:spcBef>
+            </a:pPr>
+            <a:r>
+              <a:rPr lang="en-US" sz="1000" dirty="0"/>
+              <a:t>    ;; helicopter.</a:t>
+            </a:r>
+          </a:p>
+          <a:p>
+            <a:pPr>
+              <a:spcBef>
+                <a:spcPts val="0"/>
+              </a:spcBef>
+            </a:pPr>
+            <a:r>
+              <a:rPr lang="en-US" sz="1000" dirty="0"/>
+              <a:t>    (define/public (after-button-up mx my)</a:t>
+            </a:r>
+          </a:p>
+          <a:p>
+            <a:pPr>
+              <a:spcBef>
+                <a:spcPts val="0"/>
+              </a:spcBef>
+            </a:pPr>
+            <a:r>
+              <a:rPr lang="en-US" sz="1000" dirty="0"/>
+              <a:t>      ...etc...)</a:t>
+            </a:r>
+          </a:p>
+          <a:p>
+            <a:pPr>
+              <a:spcBef>
+                <a:spcPts val="0"/>
+              </a:spcBef>
+            </a:pPr>
             <a:endParaRPr lang="en-US" sz="1000" dirty="0"/>
           </a:p>
           <a:p>
@@ -11329,25 +10550,9 @@
                 <a:spcPts val="0"/>
               </a:spcBef>
             </a:pPr>
-            <a:endParaRPr lang="en-US" sz="1000" dirty="0"/>
-          </a:p>
-          <a:p>
-            <a:pPr>
-              <a:spcBef>
-                <a:spcPts val="0"/>
-              </a:spcBef>
-            </a:pPr>
-            <a:r>
-              <a:rPr lang="en-US" sz="1000" dirty="0"/>
-              <a:t>    </a:t>
-            </a:r>
-            <a:r>
-              <a:rPr lang="en-US" sz="1000" dirty="0" smtClean="0"/>
-              <a:t>;; </a:t>
-            </a:r>
-            <a:r>
-              <a:rPr lang="en-US" sz="1000" dirty="0"/>
-              <a:t>after-drag : Integer </a:t>
+            <a:r>
+              <a:rPr lang="en-US" sz="1000" dirty="0"/>
+              <a:t>    ;; after-drag : Integer </a:t>
             </a:r>
             <a:r>
               <a:rPr lang="en-US" sz="1000" dirty="0" err="1"/>
@@ -11366,54 +10571,48 @@
             </a:pPr>
             <a:r>
               <a:rPr lang="en-US" sz="1000" dirty="0"/>
-              <a:t>    </a:t>
-            </a:r>
-            <a:r>
-              <a:rPr lang="en-US" sz="1000" dirty="0" smtClean="0"/>
-              <a:t>;; </a:t>
-            </a:r>
-            <a:r>
-              <a:rPr lang="en-US" sz="1000" dirty="0"/>
-              <a:t>GIVEN: the location of a drag </a:t>
-            </a:r>
-            <a:r>
-              <a:rPr lang="en-US" sz="1000" dirty="0" smtClean="0"/>
-              <a:t>event</a:t>
-            </a:r>
-          </a:p>
-          <a:p>
-            <a:pPr>
-              <a:spcBef>
-                <a:spcPts val="0"/>
-              </a:spcBef>
-            </a:pPr>
-            <a:r>
-              <a:rPr lang="en-US" sz="1000" dirty="0"/>
-              <a:t> </a:t>
-            </a:r>
-            <a:r>
-              <a:rPr lang="en-US" sz="1000" dirty="0" smtClean="0"/>
-              <a:t>   ;; ...etc...</a:t>
-            </a:r>
-          </a:p>
-          <a:p>
-            <a:pPr>
-              <a:spcBef>
-                <a:spcPts val="0"/>
-              </a:spcBef>
-            </a:pPr>
-            <a:r>
-              <a:rPr lang="en-US" sz="1000" dirty="0" smtClean="0"/>
-              <a:t>    </a:t>
-            </a:r>
-            <a:r>
-              <a:rPr lang="en-US" sz="1000" dirty="0"/>
-              <a:t>(define/public (after-drag mx my</a:t>
-            </a:r>
-            <a:r>
-              <a:rPr lang="en-US" sz="1000" dirty="0" smtClean="0"/>
-              <a:t>) ...etc...)</a:t>
-            </a:r>
+              <a:t>    ;; GIVEN: the location of a drag event</a:t>
+            </a:r>
+          </a:p>
+          <a:p>
+            <a:pPr>
+              <a:spcBef>
+                <a:spcPts val="0"/>
+              </a:spcBef>
+            </a:pPr>
+            <a:r>
+              <a:rPr lang="en-US" sz="1000" dirty="0"/>
+              <a:t>    ;; ...etc...</a:t>
+            </a:r>
+          </a:p>
+          <a:p>
+            <a:pPr>
+              <a:spcBef>
+                <a:spcPts val="0"/>
+              </a:spcBef>
+            </a:pPr>
+            <a:r>
+              <a:rPr lang="en-US" sz="1000" dirty="0"/>
+              <a:t>    (define/public (after-drag mx my) ...etc...)</a:t>
+            </a:r>
+          </a:p>
+          <a:p>
+            <a:pPr>
+              <a:spcBef>
+                <a:spcPts val="0"/>
+              </a:spcBef>
+            </a:pPr>
+            <a:r>
+              <a:rPr lang="en-US" sz="1000" dirty="0"/>
+              <a:t>      </a:t>
+            </a:r>
+          </a:p>
+          <a:p>
+            <a:pPr>
+              <a:spcBef>
+                <a:spcPts val="0"/>
+              </a:spcBef>
+            </a:pPr>
             <a:endParaRPr lang="en-US" sz="1000" dirty="0"/>
           </a:p>
           <a:p>
@@ -11424,25 +10623,6 @@
             </a:pPr>
             <a:r>
               <a:rPr lang="en-US" sz="1000" dirty="0"/>
-              <a:t>      </a:t>
-            </a:r>
-          </a:p>
-          <a:p>
-            <a:pPr>
-              <a:spcBef>
-                <a:spcPts val="0"/>
-              </a:spcBef>
-            </a:pPr>
-            <a:endParaRPr lang="en-US" sz="1000" dirty="0"/>
-          </a:p>
-          <a:p>
-            <a:pPr>
-              <a:spcBef>
-                <a:spcPts val="0"/>
-              </a:spcBef>
-            </a:pPr>
-            <a:r>
-              <a:rPr lang="en-US" sz="1000" dirty="0"/>
               <a:t>    ;; to-scene : Scene -&gt; Scene</a:t>
             </a:r>
           </a:p>
@@ -11454,30 +10634,18 @@
             </a:pPr>
             <a:r>
               <a:rPr lang="en-US" sz="1000" dirty="0"/>
-              <a:t>    ;; RETURNS: a scene like the given one, but </a:t>
-            </a:r>
-            <a:r>
-              <a:rPr lang="en-US" sz="1000" dirty="0" smtClean="0"/>
-              <a:t>with</a:t>
-            </a:r>
-          </a:p>
-          <a:p>
-            <a:pPr>
-              <a:spcBef>
-                <a:spcPts val="0"/>
-              </a:spcBef>
-            </a:pPr>
-            <a:r>
-              <a:rPr lang="en-US" sz="1000" dirty="0"/>
-              <a:t> </a:t>
-            </a:r>
-            <a:r>
-              <a:rPr lang="en-US" sz="1000" dirty="0" smtClean="0"/>
-              <a:t>   ;; </a:t>
-            </a:r>
-            <a:r>
-              <a:rPr lang="en-US" sz="1000" dirty="0"/>
-              <a:t>this </a:t>
+              <a:t>    ;; RETURNS: a scene like the given one, but with</a:t>
+            </a:r>
+          </a:p>
+          <a:p>
+            <a:pPr>
+              <a:spcBef>
+                <a:spcPts val="0"/>
+              </a:spcBef>
+            </a:pPr>
+            <a:r>
+              <a:rPr lang="en-US" sz="1000" dirty="0"/>
+              <a:t>    ;; this </a:t>
             </a:r>
             <a:r>
               <a:rPr lang="en-US" sz="1000" dirty="0" err="1"/>
@@ -11485,15 +10653,7 @@
             </a:r>
             <a:r>
               <a:rPr lang="en-US" sz="1000" dirty="0"/>
-              <a:t> </a:t>
-            </a:r>
-            <a:r>
-              <a:rPr lang="en-US" sz="1000" dirty="0" smtClean="0"/>
-              <a:t>painted </a:t>
-            </a:r>
-            <a:r>
-              <a:rPr lang="en-US" sz="1000" dirty="0"/>
-              <a:t>on it.</a:t>
+              <a:t> painted on it.</a:t>
             </a:r>
           </a:p>
           <a:p>
@@ -11611,10 +10771,9 @@
           <a:lstStyle/>
           <a:p>
             <a:r>
-              <a:rPr lang="en-US" dirty="0" smtClean="0"/>
+              <a:rPr lang="en-US" dirty="0"/>
               <a:t>Heli% (3)</a:t>
             </a:r>
-            <a:endParaRPr lang="en-US" dirty="0"/>
           </a:p>
         </p:txBody>
       </p:sp>
@@ -11642,7 +10801,7 @@
             </a:pPr>
             <a:r>
               <a:rPr lang="en-US" sz="1000" dirty="0"/>
-              <a:t>;; in-</a:t>
+              <a:t>    ;; in-</a:t>
             </a:r>
             <a:r>
               <a:rPr lang="en-US" sz="1000" dirty="0" err="1"/>
@@ -11688,21 +10847,17 @@
             </a:r>
             <a:r>
               <a:rPr lang="en-US" sz="1000" dirty="0"/>
-              <a:t> the location is inside </a:t>
-            </a:r>
-            <a:r>
-              <a:rPr lang="en-US" sz="1000" dirty="0" smtClean="0"/>
-              <a:t>this</a:t>
-            </a:r>
-          </a:p>
-          <a:p>
-            <a:pPr>
-              <a:spcBef>
-                <a:spcPts val="0"/>
-              </a:spcBef>
-            </a:pPr>
-            <a:r>
-              <a:rPr lang="en-US" sz="1000" dirty="0" smtClean="0"/>
+              <a:t> the location is inside this</a:t>
+            </a:r>
+          </a:p>
+          <a:p>
+            <a:pPr>
+              <a:spcBef>
+                <a:spcPts val="0"/>
+              </a:spcBef>
+            </a:pPr>
+            <a:r>
+              <a:rPr lang="en-US" sz="1000" dirty="0"/>
               <a:t>    ;; </a:t>
             </a:r>
             <a:r>
@@ -11710,7 +10865,7 @@
               <a:t>heli</a:t>
             </a:r>
             <a:r>
-              <a:rPr lang="en-US" sz="1000" dirty="0" smtClean="0"/>
+              <a:rPr lang="en-US" sz="1000" dirty="0"/>
               <a:t>.</a:t>
             </a:r>
           </a:p>
@@ -11813,37 +10968,16 @@
               <a:rPr lang="en-US" sz="1000" dirty="0"/>
               <a:t> state.  </a:t>
             </a:r>
-            <a:endParaRPr lang="en-US" sz="1000" dirty="0" smtClean="0"/>
-          </a:p>
-          <a:p>
-            <a:pPr>
-              <a:spcBef>
-                <a:spcPts val="0"/>
-              </a:spcBef>
-            </a:pPr>
-            <a:r>
-              <a:rPr lang="en-US" sz="1000" dirty="0"/>
-              <a:t> </a:t>
-            </a:r>
-            <a:r>
-              <a:rPr lang="en-US" sz="1000" dirty="0" smtClean="0"/>
-              <a:t>   ;; Note </a:t>
-            </a:r>
-            <a:r>
-              <a:rPr lang="en-US" sz="1000" dirty="0"/>
-              <a:t>that we don't </a:t>
-            </a:r>
-            <a:r>
-              <a:rPr lang="en-US" sz="1000" dirty="0" smtClean="0"/>
-              <a:t>have a </a:t>
-            </a:r>
-            <a:r>
-              <a:rPr lang="en-US" sz="1000" dirty="0"/>
-              <a:t>probe for radius</a:t>
-            </a:r>
-            <a:r>
-              <a:rPr lang="en-US" sz="1000" dirty="0" smtClean="0"/>
-              <a:t>.</a:t>
+          </a:p>
+          <a:p>
+            <a:pPr>
+              <a:spcBef>
+                <a:spcPts val="0"/>
+              </a:spcBef>
+            </a:pPr>
+            <a:r>
+              <a:rPr lang="en-US" sz="1000" dirty="0"/>
+              <a:t>    ;; Note that we don't have a probe for radius.</a:t>
             </a:r>
           </a:p>
           <a:p>
@@ -11961,12 +11095,8 @@
               </a:spcBef>
             </a:pPr>
             <a:r>
-              <a:rPr lang="en-US" sz="1000" dirty="0" smtClean="0"/>
-              <a:t>    </a:t>
-            </a:r>
-            <a:r>
-              <a:rPr lang="en-US" sz="1000" dirty="0"/>
-              <a:t>;; -&gt; (list </a:t>
+              <a:rPr lang="en-US" sz="1000" dirty="0"/>
+              <a:t>    ;; -&gt; (list </a:t>
             </a:r>
             <a:r>
               <a:rPr lang="en-US" sz="1000" dirty="0" err="1"/>
@@ -12000,7 +11130,7 @@
               <a:t>for-test:heli-state</a:t>
             </a:r>
             <a:r>
-              <a:rPr lang="en-US" sz="1000" dirty="0" smtClean="0"/>
+              <a:rPr lang="en-US" sz="1000" dirty="0"/>
               <a:t>)</a:t>
             </a:r>
           </a:p>
@@ -12012,15 +11142,7 @@
             </a:pPr>
             <a:r>
               <a:rPr lang="en-US" sz="1000" dirty="0"/>
-              <a:t> </a:t>
-            </a:r>
-            <a:r>
-              <a:rPr lang="en-US" sz="1000" dirty="0" smtClean="0"/>
-              <a:t>     </a:t>
-            </a:r>
-            <a:r>
-              <a:rPr lang="en-US" sz="1000" dirty="0"/>
-              <a:t>(list x y selected?))</a:t>
+              <a:t>      (list x y selected?))</a:t>
             </a:r>
           </a:p>
           <a:p>
@@ -12148,10 +11270,9 @@
           <a:lstStyle/>
           <a:p>
             <a:r>
-              <a:rPr lang="en-US" dirty="0" smtClean="0"/>
+              <a:rPr lang="en-US" dirty="0"/>
               <a:t>Let’s  do it again</a:t>
             </a:r>
-            <a:endParaRPr lang="en-US" dirty="0"/>
           </a:p>
         </p:txBody>
       </p:sp>
@@ -12171,49 +11292,49 @@
           <a:lstStyle/>
           <a:p>
             <a:r>
-              <a:rPr lang="en-US" dirty="0" smtClean="0"/>
+              <a:rPr lang="en-US" dirty="0"/>
               <a:t>Let’s make the World into an object.</a:t>
             </a:r>
           </a:p>
           <a:p>
             <a:r>
-              <a:rPr lang="en-US" dirty="0" smtClean="0"/>
+              <a:rPr lang="en-US" dirty="0"/>
               <a:t>We’ll write a </a:t>
             </a:r>
             <a:r>
-              <a:rPr lang="en-US" dirty="0" err="1" smtClean="0"/>
+              <a:rPr lang="en-US" dirty="0" err="1"/>
               <a:t>WorldState</a:t>
             </a:r>
             <a:r>
-              <a:rPr lang="en-US" dirty="0" smtClean="0"/>
+              <a:rPr lang="en-US" dirty="0"/>
               <a:t>&lt;%&gt; interface and a class </a:t>
             </a:r>
             <a:r>
-              <a:rPr lang="en-US" dirty="0" err="1" smtClean="0"/>
+              <a:rPr lang="en-US" dirty="0" err="1"/>
               <a:t>WorldState</a:t>
             </a:r>
             <a:r>
-              <a:rPr lang="en-US" dirty="0" smtClean="0"/>
+              <a:rPr lang="en-US" dirty="0"/>
               <a:t>% that implements it.</a:t>
             </a:r>
           </a:p>
           <a:p>
             <a:r>
-              <a:rPr lang="en-US" dirty="0" smtClean="0"/>
+              <a:rPr lang="en-US" dirty="0"/>
               <a:t>We’ll create an initial world, which is an object of class </a:t>
             </a:r>
             <a:r>
-              <a:rPr lang="en-US" dirty="0" err="1" smtClean="0"/>
+              <a:rPr lang="en-US" dirty="0" err="1"/>
               <a:t>WorldState</a:t>
             </a:r>
             <a:r>
-              <a:rPr lang="en-US" dirty="0" smtClean="0"/>
+              <a:rPr lang="en-US" dirty="0"/>
               <a:t>%.</a:t>
             </a:r>
           </a:p>
           <a:p>
             <a:r>
-              <a:rPr lang="en-US" dirty="0" smtClean="0"/>
+              <a:rPr lang="en-US" dirty="0"/>
               <a:t>Our big-bang function will send messages to the world.</a:t>
             </a:r>
           </a:p>
@@ -12263,12 +11384,14 @@
             <a:avLst/>
           </a:prstGeom>
           <a:solidFill>
-            <a:schemeClr val="accent3">
-              <a:lumMod val="40000"/>
-              <a:lumOff val="60000"/>
+            <a:schemeClr val="accent1">
+              <a:lumMod val="20000"/>
+              <a:lumOff val="80000"/>
             </a:schemeClr>
           </a:solidFill>
-          <a:ln/>
+          <a:ln>
+            <a:noFill/>
+          </a:ln>
         </p:spPr>
         <p:style>
           <a:lnRef idx="2">
@@ -12295,7 +11418,7 @@
           <a:p>
             <a:pPr algn="ctr"/>
             <a:r>
-              <a:rPr lang="en-US" dirty="0" smtClean="0">
+              <a:rPr lang="en-US" dirty="0">
                 <a:solidFill>
                   <a:schemeClr val="tx1"/>
                 </a:solidFill>
@@ -12303,7 +11426,7 @@
               <a:t>Don’t get agitated about World vs </a:t>
             </a:r>
             <a:r>
-              <a:rPr lang="en-US" dirty="0" err="1" smtClean="0">
+              <a:rPr lang="en-US" dirty="0" err="1">
                 <a:solidFill>
                   <a:schemeClr val="tx1"/>
                 </a:solidFill>
@@ -12311,7 +11434,7 @@
               <a:t>WorldState</a:t>
             </a:r>
             <a:r>
-              <a:rPr lang="en-US" dirty="0" smtClean="0">
+              <a:rPr lang="en-US" dirty="0">
                 <a:solidFill>
                   <a:schemeClr val="tx1"/>
                 </a:solidFill>
@@ -12319,7 +11442,7 @@
               <a:t>. I’ve not been entirely consistent about this. </a:t>
             </a:r>
             <a:r>
-              <a:rPr lang="en-US" dirty="0" smtClean="0">
+              <a:rPr lang="en-US" dirty="0">
                 <a:solidFill>
                   <a:schemeClr val="tx1"/>
                 </a:solidFill>
@@ -12381,18 +11504,17 @@
           <a:lstStyle/>
           <a:p>
             <a:r>
-              <a:rPr lang="en-US" dirty="0" smtClean="0"/>
+              <a:rPr lang="en-US" dirty="0"/>
               <a:t>The </a:t>
             </a:r>
             <a:r>
-              <a:rPr lang="en-US" dirty="0" err="1" smtClean="0"/>
+              <a:rPr lang="en-US" dirty="0" err="1"/>
               <a:t>WorldState</a:t>
             </a:r>
             <a:r>
-              <a:rPr lang="en-US" dirty="0" smtClean="0"/>
+              <a:rPr lang="en-US" dirty="0"/>
               <a:t>&lt;%&gt; interface</a:t>
             </a:r>
-            <a:endParaRPr lang="en-US" dirty="0"/>
           </a:p>
         </p:txBody>
       </p:sp>
@@ -12845,10 +11967,9 @@
           <a:lstStyle/>
           <a:p>
             <a:r>
-              <a:rPr lang="en-US" dirty="0" smtClean="0"/>
+              <a:rPr lang="en-US" dirty="0"/>
               <a:t>System Architecture</a:t>
             </a:r>
-            <a:endParaRPr lang="en-US" dirty="0"/>
           </a:p>
         </p:txBody>
       </p:sp>
@@ -12916,18 +12037,13 @@
           <a:p>
             <a:pPr algn="ctr"/>
             <a:r>
-              <a:rPr lang="en-US" b="1" dirty="0" smtClean="0">
+              <a:rPr lang="en-US" b="1" dirty="0">
                 <a:solidFill>
                   <a:schemeClr val="tx1"/>
                 </a:solidFill>
               </a:rPr>
               <a:t>run</a:t>
             </a:r>
-            <a:endParaRPr lang="en-US" b="1" dirty="0">
-              <a:solidFill>
-                <a:schemeClr val="tx1"/>
-              </a:solidFill>
-            </a:endParaRPr>
           </a:p>
         </p:txBody>
       </p:sp>
@@ -13022,18 +12138,13 @@
           <a:p>
             <a:pPr algn="ctr"/>
             <a:r>
-              <a:rPr lang="en-US" dirty="0" smtClean="0">
+              <a:rPr lang="en-US" dirty="0">
                 <a:solidFill>
                   <a:schemeClr val="tx1"/>
                 </a:solidFill>
               </a:rPr>
               <a:t>after-tick</a:t>
             </a:r>
-            <a:endParaRPr lang="en-US" dirty="0">
-              <a:solidFill>
-                <a:schemeClr val="tx1"/>
-              </a:solidFill>
-            </a:endParaRPr>
           </a:p>
         </p:txBody>
       </p:sp>
@@ -13078,18 +12189,13 @@
           <a:p>
             <a:pPr algn="ctr"/>
             <a:r>
-              <a:rPr lang="en-US" dirty="0" smtClean="0">
+              <a:rPr lang="en-US" dirty="0">
                 <a:solidFill>
                   <a:schemeClr val="tx1"/>
                 </a:solidFill>
               </a:rPr>
               <a:t>after-key-event</a:t>
             </a:r>
-            <a:endParaRPr lang="en-US" dirty="0">
-              <a:solidFill>
-                <a:schemeClr val="tx1"/>
-              </a:solidFill>
-            </a:endParaRPr>
           </a:p>
         </p:txBody>
       </p:sp>
@@ -13134,18 +12240,13 @@
           <a:p>
             <a:pPr algn="ctr"/>
             <a:r>
-              <a:rPr lang="en-US" dirty="0" smtClean="0">
+              <a:rPr lang="en-US" dirty="0">
                 <a:solidFill>
                   <a:schemeClr val="tx1"/>
                 </a:solidFill>
               </a:rPr>
               <a:t>after-mouse-event</a:t>
             </a:r>
-            <a:endParaRPr lang="en-US" dirty="0">
-              <a:solidFill>
-                <a:schemeClr val="tx1"/>
-              </a:solidFill>
-            </a:endParaRPr>
           </a:p>
         </p:txBody>
       </p:sp>
@@ -13190,18 +12291,13 @@
           <a:p>
             <a:pPr algn="ctr"/>
             <a:r>
-              <a:rPr lang="en-US" dirty="0" smtClean="0">
+              <a:rPr lang="en-US" dirty="0">
                 <a:solidFill>
                   <a:schemeClr val="tx1"/>
                 </a:solidFill>
               </a:rPr>
               <a:t>to-scene</a:t>
             </a:r>
-            <a:endParaRPr lang="en-US" dirty="0">
-              <a:solidFill>
-                <a:schemeClr val="tx1"/>
-              </a:solidFill>
-            </a:endParaRPr>
           </a:p>
         </p:txBody>
       </p:sp>
@@ -13246,18 +12342,13 @@
           <a:p>
             <a:pPr algn="ctr"/>
             <a:r>
-              <a:rPr lang="en-US" dirty="0" smtClean="0">
+              <a:rPr lang="en-US" dirty="0">
                 <a:solidFill>
                   <a:schemeClr val="tx1"/>
                 </a:solidFill>
               </a:rPr>
               <a:t>widget</a:t>
             </a:r>
-            <a:endParaRPr lang="en-US" dirty="0">
-              <a:solidFill>
-                <a:schemeClr val="tx1"/>
-              </a:solidFill>
-            </a:endParaRPr>
           </a:p>
         </p:txBody>
       </p:sp>
@@ -13302,18 +12393,13 @@
           <a:p>
             <a:pPr algn="ctr"/>
             <a:r>
-              <a:rPr lang="en-US" dirty="0" smtClean="0">
+              <a:rPr lang="en-US" dirty="0">
                 <a:solidFill>
                   <a:schemeClr val="tx1"/>
                 </a:solidFill>
               </a:rPr>
               <a:t>widget</a:t>
             </a:r>
-            <a:endParaRPr lang="en-US" dirty="0">
-              <a:solidFill>
-                <a:schemeClr val="tx1"/>
-              </a:solidFill>
-            </a:endParaRPr>
           </a:p>
         </p:txBody>
       </p:sp>
@@ -13358,18 +12444,13 @@
           <a:p>
             <a:pPr algn="ctr"/>
             <a:r>
-              <a:rPr lang="en-US" dirty="0" smtClean="0">
+              <a:rPr lang="en-US" dirty="0">
                 <a:solidFill>
                   <a:schemeClr val="tx1"/>
                 </a:solidFill>
               </a:rPr>
               <a:t>widget</a:t>
             </a:r>
-            <a:endParaRPr lang="en-US" dirty="0">
-              <a:solidFill>
-                <a:schemeClr val="tx1"/>
-              </a:solidFill>
-            </a:endParaRPr>
           </a:p>
         </p:txBody>
       </p:sp>
@@ -13414,18 +12495,13 @@
           <a:p>
             <a:pPr algn="ctr"/>
             <a:r>
-              <a:rPr lang="en-US" dirty="0" smtClean="0">
+              <a:rPr lang="en-US" dirty="0">
                 <a:solidFill>
                   <a:schemeClr val="tx1"/>
                 </a:solidFill>
               </a:rPr>
               <a:t>widget</a:t>
             </a:r>
-            <a:endParaRPr lang="en-US" dirty="0">
-              <a:solidFill>
-                <a:schemeClr val="tx1"/>
-              </a:solidFill>
-            </a:endParaRPr>
           </a:p>
         </p:txBody>
       </p:sp>
@@ -13884,18 +12960,17 @@
           <a:p>
             <a:pPr algn="ctr"/>
             <a:r>
-              <a:rPr lang="en-US" dirty="0" smtClean="0"/>
+              <a:rPr lang="en-US" dirty="0"/>
               <a:t>method calls using </a:t>
             </a:r>
             <a:r>
-              <a:rPr lang="en-US" dirty="0" err="1" smtClean="0"/>
+              <a:rPr lang="en-US" dirty="0" err="1"/>
               <a:t>WorldState</a:t>
             </a:r>
             <a:r>
-              <a:rPr lang="en-US" dirty="0" smtClean="0"/>
+              <a:rPr lang="en-US" dirty="0"/>
               <a:t>&lt;%&gt; interface</a:t>
             </a:r>
-            <a:endParaRPr lang="en-US" dirty="0"/>
           </a:p>
         </p:txBody>
       </p:sp>
@@ -13922,10 +12997,9 @@
           <a:lstStyle/>
           <a:p>
             <a:r>
-              <a:rPr lang="en-US" sz="1200" dirty="0" smtClean="0"/>
+              <a:rPr lang="en-US" sz="1200" dirty="0"/>
               <a:t>etc.</a:t>
             </a:r>
-            <a:endParaRPr lang="en-US" sz="1200" dirty="0"/>
           </a:p>
         </p:txBody>
       </p:sp>
@@ -14004,10 +13078,9 @@
           <a:p>
             <a:pPr algn="ctr"/>
             <a:r>
-              <a:rPr lang="en-US" dirty="0" smtClean="0"/>
+              <a:rPr lang="en-US" dirty="0"/>
               <a:t>method calls using Widget&lt;%&gt; interface</a:t>
             </a:r>
-            <a:endParaRPr lang="en-US" dirty="0"/>
           </a:p>
         </p:txBody>
       </p:sp>
@@ -14057,18 +13130,17 @@
           <a:lstStyle/>
           <a:p>
             <a:r>
-              <a:rPr lang="en-US" dirty="0" smtClean="0"/>
+              <a:rPr lang="en-US" dirty="0"/>
               <a:t>The new </a:t>
             </a:r>
             <a:r>
-              <a:rPr lang="en-US" b="1" dirty="0" smtClean="0"/>
+              <a:rPr lang="en-US" b="1" dirty="0"/>
               <a:t>run</a:t>
             </a:r>
             <a:r>
-              <a:rPr lang="en-US" dirty="0" smtClean="0"/>
+              <a:rPr lang="en-US" dirty="0"/>
               <a:t> function</a:t>
             </a:r>
-            <a:endParaRPr lang="en-US" dirty="0"/>
           </a:p>
         </p:txBody>
       </p:sp>
@@ -14273,12 +13345,14 @@
             <a:avLst/>
           </a:prstGeom>
           <a:solidFill>
-            <a:schemeClr val="accent3">
-              <a:lumMod val="40000"/>
-              <a:lumOff val="60000"/>
+            <a:schemeClr val="accent1">
+              <a:lumMod val="20000"/>
+              <a:lumOff val="80000"/>
             </a:schemeClr>
           </a:solidFill>
-          <a:ln/>
+          <a:ln>
+            <a:noFill/>
+          </a:ln>
         </p:spPr>
         <p:style>
           <a:lnRef idx="2">
@@ -14305,7 +13379,7 @@
           <a:p>
             <a:pPr algn="ctr"/>
             <a:r>
-              <a:rPr lang="en-US" sz="2000" dirty="0" smtClean="0">
+              <a:rPr lang="en-US" sz="2000" dirty="0">
                 <a:solidFill>
                   <a:schemeClr val="tx1"/>
                 </a:solidFill>
@@ -14313,7 +13387,7 @@
               <a:t>Compare this to the </a:t>
             </a:r>
             <a:r>
-              <a:rPr lang="en-US" sz="2000" b="1" dirty="0" smtClean="0">
+              <a:rPr lang="en-US" sz="2000" b="1" dirty="0">
                 <a:solidFill>
                   <a:schemeClr val="tx1"/>
                 </a:solidFill>
@@ -14321,18 +13395,13 @@
               <a:t>run</a:t>
             </a:r>
             <a:r>
-              <a:rPr lang="en-US" sz="2000" dirty="0" smtClean="0">
+              <a:rPr lang="en-US" sz="2000" dirty="0">
                 <a:solidFill>
                   <a:schemeClr val="tx1"/>
                 </a:solidFill>
               </a:rPr>
               <a:t> function in slide 13.</a:t>
             </a:r>
-            <a:endParaRPr lang="en-US" sz="2000" dirty="0">
-              <a:solidFill>
-                <a:schemeClr val="tx1"/>
-              </a:solidFill>
-            </a:endParaRPr>
           </a:p>
         </p:txBody>
       </p:sp>
@@ -14382,18 +13451,17 @@
           <a:lstStyle/>
           <a:p>
             <a:r>
-              <a:rPr lang="en-US" dirty="0" smtClean="0"/>
+              <a:rPr lang="en-US" dirty="0"/>
               <a:t>The class </a:t>
             </a:r>
             <a:r>
-              <a:rPr lang="en-US" dirty="0" err="1" smtClean="0"/>
+              <a:rPr lang="en-US" dirty="0" err="1"/>
               <a:t>WorldState</a:t>
             </a:r>
             <a:r>
-              <a:rPr lang="en-US" dirty="0" smtClean="0"/>
+              <a:rPr lang="en-US" dirty="0"/>
               <a:t>%</a:t>
             </a:r>
-            <a:endParaRPr lang="en-US" dirty="0"/>
           </a:p>
         </p:txBody>
       </p:sp>
@@ -14426,16 +13494,11 @@
               <a:rPr lang="en-US" sz="1100" dirty="0"/>
               <a:t> is a </a:t>
             </a:r>
-            <a:endParaRPr lang="en-US" sz="1100" dirty="0" smtClean="0"/>
-          </a:p>
-          <a:p>
-            <a:r>
-              <a:rPr lang="en-US" sz="1100" dirty="0" smtClean="0"/>
-              <a:t>;;  (</a:t>
-            </a:r>
+          </a:p>
+          <a:p>
             <a:r>
               <a:rPr lang="en-US" sz="1100" dirty="0"/>
-              <a:t>make-world-state </a:t>
+              <a:t>;;  (make-world-state </a:t>
             </a:r>
             <a:r>
               <a:rPr lang="en-US" sz="1100" dirty="0" err="1"/>
@@ -14589,48 +13652,16 @@
           <a:p>
             <a:r>
               <a:rPr lang="en-US" sz="1100" dirty="0"/>
-              <a:t>    ;; Use </a:t>
-            </a:r>
-            <a:r>
-              <a:rPr lang="en-US" sz="1100" dirty="0" smtClean="0"/>
-              <a:t>HOF </a:t>
-            </a:r>
+              <a:t>    ;; Use HOF map on the Widgets in this World</a:t>
+            </a:r>
+          </a:p>
+          <a:p>
+            <a:endParaRPr lang="en-US" sz="1100" dirty="0"/>
+          </a:p>
+          <a:p>
             <a:r>
               <a:rPr lang="en-US" sz="1100" dirty="0"/>
-              <a:t>map on the </a:t>
-            </a:r>
-            <a:r>
-              <a:rPr lang="en-US" sz="1100" dirty="0" smtClean="0"/>
-              <a:t>Widget</a:t>
-            </a:r>
-            <a:r>
-              <a:rPr lang="en-US" sz="1100" dirty="0"/>
-              <a:t>s</a:t>
-            </a:r>
-            <a:r>
-              <a:rPr lang="en-US" sz="1100" dirty="0" smtClean="0"/>
-              <a:t> </a:t>
-            </a:r>
-            <a:r>
-              <a:rPr lang="en-US" sz="1100" dirty="0"/>
-              <a:t>in this </a:t>
-            </a:r>
-            <a:r>
-              <a:rPr lang="en-US" sz="1100" dirty="0" smtClean="0"/>
-              <a:t>World</a:t>
-            </a:r>
-          </a:p>
-          <a:p>
-            <a:endParaRPr lang="en-US" sz="1100" dirty="0"/>
-          </a:p>
-          <a:p>
-            <a:r>
-              <a:rPr lang="en-US" sz="1100" dirty="0" smtClean="0"/>
-              <a:t>    </a:t>
-            </a:r>
-            <a:r>
-              <a:rPr lang="en-US" sz="1100" dirty="0"/>
-              <a:t>(define/public (after-tick)</a:t>
+              <a:t>    (define/public (after-tick)</a:t>
             </a:r>
           </a:p>
           <a:p>
@@ -14711,25 +13742,13 @@
           <a:p>
             <a:r>
               <a:rPr lang="en-US" sz="1100" dirty="0"/>
-              <a:t> </a:t>
-            </a:r>
-            <a:r>
-              <a:rPr lang="en-US" sz="1100" dirty="0" smtClean="0"/>
-              <a:t>   ;; </a:t>
-            </a:r>
+              <a:t>    ;; to-scene : -&gt; Scene</a:t>
+            </a:r>
+          </a:p>
+          <a:p>
             <a:r>
               <a:rPr lang="en-US" sz="1100" dirty="0"/>
-              <a:t>to-scene : -&gt; Scene</a:t>
-            </a:r>
-          </a:p>
-          <a:p>
-            <a:r>
-              <a:rPr lang="en-US" sz="1100" dirty="0"/>
-              <a:t>    ;; Use </a:t>
-            </a:r>
-            <a:r>
-              <a:rPr lang="en-US" sz="1100" dirty="0" smtClean="0"/>
-              <a:t>HOF </a:t>
+              <a:t>    ;; Use HOF </a:t>
             </a:r>
             <a:r>
               <a:rPr lang="en-US" sz="1100" dirty="0" err="1"/>
@@ -14737,27 +13756,7 @@
             </a:r>
             <a:r>
               <a:rPr lang="en-US" sz="1100" dirty="0"/>
-              <a:t> on the </a:t>
-            </a:r>
-            <a:r>
-              <a:rPr lang="en-US" sz="1100" dirty="0" smtClean="0"/>
-              <a:t>Widget</a:t>
-            </a:r>
-            <a:r>
-              <a:rPr lang="en-US" sz="1100" dirty="0"/>
-              <a:t>s</a:t>
-            </a:r>
-            <a:r>
-              <a:rPr lang="en-US" sz="1100" dirty="0" smtClean="0"/>
-              <a:t> </a:t>
-            </a:r>
-            <a:r>
-              <a:rPr lang="en-US" sz="1100" dirty="0"/>
-              <a:t>in this </a:t>
-            </a:r>
-            <a:r>
-              <a:rPr lang="en-US" sz="1100" dirty="0" smtClean="0"/>
-              <a:t>World</a:t>
+              <a:t> on the Widgets in this World</a:t>
             </a:r>
           </a:p>
           <a:p>
@@ -14832,66 +13831,66 @@
             <a:endParaRPr lang="en-US" sz="1100" dirty="0"/>
           </a:p>
           <a:p>
-            <a:endParaRPr lang="en-US" sz="1100" dirty="0" smtClean="0"/>
-          </a:p>
-          <a:p>
-            <a:r>
-              <a:rPr lang="en-US" sz="1100" dirty="0" smtClean="0"/>
+            <a:endParaRPr lang="en-US" sz="1100" dirty="0"/>
+          </a:p>
+          <a:p>
+            <a:r>
+              <a:rPr lang="en-US" sz="1100" dirty="0"/>
               <a:t>    ;; after-key-event : </a:t>
             </a:r>
             <a:r>
-              <a:rPr lang="en-US" sz="1100" dirty="0" err="1" smtClean="0"/>
+              <a:rPr lang="en-US" sz="1100" dirty="0" err="1"/>
               <a:t>KeyEvent</a:t>
             </a:r>
             <a:r>
-              <a:rPr lang="en-US" sz="1100" dirty="0" smtClean="0"/>
+              <a:rPr lang="en-US" sz="1100" dirty="0"/>
               <a:t> -&gt; </a:t>
             </a:r>
             <a:r>
-              <a:rPr lang="en-US" sz="1100" dirty="0" err="1" smtClean="0"/>
+              <a:rPr lang="en-US" sz="1100" dirty="0" err="1"/>
               <a:t>WorldState</a:t>
             </a:r>
-            <a:endParaRPr lang="en-US" sz="1100" dirty="0" smtClean="0"/>
-          </a:p>
-          <a:p>
-            <a:r>
-              <a:rPr lang="en-US" sz="1100" dirty="0" smtClean="0"/>
+            <a:endParaRPr lang="en-US" sz="1100" dirty="0"/>
+          </a:p>
+          <a:p>
+            <a:r>
+              <a:rPr lang="en-US" sz="1100" dirty="0"/>
               <a:t>    ;; STRATEGY: Cases on </a:t>
             </a:r>
             <a:r>
-              <a:rPr lang="en-US" sz="1100" dirty="0" err="1" smtClean="0"/>
+              <a:rPr lang="en-US" sz="1100" dirty="0" err="1"/>
               <a:t>kev</a:t>
             </a:r>
-            <a:endParaRPr lang="en-US" sz="1100" dirty="0" smtClean="0"/>
-          </a:p>
-          <a:p>
-            <a:r>
-              <a:rPr lang="en-US" sz="1100" dirty="0" smtClean="0"/>
+            <a:endParaRPr lang="en-US" sz="1100" dirty="0"/>
+          </a:p>
+          <a:p>
+            <a:r>
+              <a:rPr lang="en-US" sz="1100" dirty="0"/>
               <a:t>    </a:t>
             </a:r>
           </a:p>
           <a:p>
             <a:r>
-              <a:rPr lang="en-US" sz="1100" dirty="0" smtClean="0"/>
+              <a:rPr lang="en-US" sz="1100" dirty="0"/>
               <a:t>    (define/public (after-key-event </a:t>
             </a:r>
             <a:r>
-              <a:rPr lang="en-US" sz="1100" dirty="0" err="1" smtClean="0"/>
+              <a:rPr lang="en-US" sz="1100" dirty="0" err="1"/>
               <a:t>kev</a:t>
             </a:r>
             <a:r>
-              <a:rPr lang="en-US" sz="1100" dirty="0" smtClean="0"/>
+              <a:rPr lang="en-US" sz="1100" dirty="0"/>
               <a:t>)</a:t>
             </a:r>
           </a:p>
           <a:p>
             <a:r>
-              <a:rPr lang="en-US" sz="1100" dirty="0" smtClean="0"/>
+              <a:rPr lang="en-US" sz="1100" dirty="0"/>
               <a:t>      ...)</a:t>
             </a:r>
           </a:p>
           <a:p>
-            <a:endParaRPr lang="en-US" sz="1100" dirty="0" smtClean="0"/>
+            <a:endParaRPr lang="en-US" sz="1100" dirty="0"/>
           </a:p>
           <a:p>
             <a:endParaRPr lang="en-US" sz="1100" dirty="0"/>
@@ -14936,12 +13935,14 @@
             <a:avLst/>
           </a:prstGeom>
           <a:solidFill>
-            <a:schemeClr val="accent3">
-              <a:lumMod val="40000"/>
-              <a:lumOff val="60000"/>
+            <a:schemeClr val="accent1">
+              <a:lumMod val="20000"/>
+              <a:lumOff val="80000"/>
             </a:schemeClr>
           </a:solidFill>
-          <a:ln/>
+          <a:ln>
+            <a:noFill/>
+          </a:ln>
         </p:spPr>
         <p:style>
           <a:lnRef idx="2">
@@ -14968,18 +13969,13 @@
           <a:p>
             <a:pPr algn="ctr"/>
             <a:r>
-              <a:rPr lang="en-US" dirty="0" smtClean="0">
+              <a:rPr lang="en-US" dirty="0">
                 <a:solidFill>
                   <a:schemeClr val="tx1"/>
                 </a:solidFill>
               </a:rPr>
               <a:t>We  define a function make-world-state so we can reuse the code from our previous version.</a:t>
             </a:r>
-            <a:endParaRPr lang="en-US" dirty="0">
-              <a:solidFill>
-                <a:schemeClr val="tx1"/>
-              </a:solidFill>
-            </a:endParaRPr>
           </a:p>
         </p:txBody>
       </p:sp>
@@ -15062,18 +14058,17 @@
           <a:lstStyle/>
           <a:p>
             <a:r>
-              <a:rPr lang="en-US" dirty="0" smtClean="0"/>
+              <a:rPr lang="en-US" dirty="0"/>
               <a:t>The class </a:t>
             </a:r>
             <a:r>
-              <a:rPr lang="en-US" dirty="0" err="1" smtClean="0"/>
+              <a:rPr lang="en-US" dirty="0" err="1"/>
               <a:t>WorldState</a:t>
             </a:r>
             <a:r>
-              <a:rPr lang="en-US" dirty="0" smtClean="0"/>
+              <a:rPr lang="en-US" dirty="0"/>
               <a:t>% (2)</a:t>
             </a:r>
-            <a:endParaRPr lang="en-US" dirty="0"/>
           </a:p>
         </p:txBody>
       </p:sp>
@@ -15096,40 +14091,23 @@
           <a:p>
             <a:r>
               <a:rPr lang="en-US" sz="1100" dirty="0"/>
-              <a:t> </a:t>
-            </a:r>
-            <a:r>
-              <a:rPr lang="en-US" sz="1100" dirty="0" smtClean="0"/>
-              <a:t>   ;; </a:t>
-            </a:r>
+              <a:t>    ;; world-after-mouse-event </a:t>
+            </a:r>
+          </a:p>
+          <a:p>
             <a:r>
               <a:rPr lang="en-US" sz="1100" dirty="0"/>
-              <a:t>world-after-mouse-event </a:t>
-            </a:r>
-            <a:endParaRPr lang="en-US" sz="1100" dirty="0" smtClean="0"/>
-          </a:p>
-          <a:p>
+              <a:t>    ;; : Nat </a:t>
+            </a:r>
+            <a:r>
+              <a:rPr lang="en-US" sz="1100" dirty="0" err="1"/>
+              <a:t>Nat</a:t>
+            </a:r>
             <a:r>
               <a:rPr lang="en-US" sz="1100" dirty="0"/>
               <a:t> </a:t>
             </a:r>
             <a:r>
-              <a:rPr lang="en-US" sz="1100" dirty="0" smtClean="0"/>
-              <a:t>   ;; : </a:t>
-            </a:r>
-            <a:r>
-              <a:rPr lang="en-US" sz="1100" dirty="0"/>
-              <a:t>Nat </a:t>
-            </a:r>
-            <a:r>
-              <a:rPr lang="en-US" sz="1100" dirty="0" err="1"/>
-              <a:t>Nat</a:t>
-            </a:r>
-            <a:r>
-              <a:rPr lang="en-US" sz="1100" dirty="0"/>
-              <a:t> </a:t>
-            </a:r>
-            <a:r>
               <a:rPr lang="en-US" sz="1100" dirty="0" err="1"/>
               <a:t>MouseEvent</a:t>
             </a:r>
@@ -15246,25 +14224,13 @@
           <a:p>
             <a:r>
               <a:rPr lang="en-US" sz="1100" dirty="0"/>
-              <a:t>    ;; the next few functions are local functions</a:t>
-            </a:r>
-            <a:r>
-              <a:rPr lang="en-US" sz="1100" dirty="0" smtClean="0"/>
-              <a:t>,</a:t>
+              <a:t>    ;; the next few functions are local functions,</a:t>
             </a:r>
           </a:p>
           <a:p>
             <a:r>
               <a:rPr lang="en-US" sz="1100" dirty="0"/>
-              <a:t> </a:t>
-            </a:r>
-            <a:r>
-              <a:rPr lang="en-US" sz="1100" dirty="0" smtClean="0"/>
-              <a:t>   ;; </a:t>
-            </a:r>
-            <a:r>
-              <a:rPr lang="en-US" sz="1100" dirty="0"/>
-              <a:t>not in the interface.</a:t>
+              <a:t>    ;; not in the interface.</a:t>
             </a:r>
           </a:p>
           <a:p>
@@ -15298,22 +14264,14 @@
               <a:t>obj</a:t>
             </a:r>
             <a:r>
-              <a:rPr lang="en-US" sz="1100" dirty="0" smtClean="0"/>
+              <a:rPr lang="en-US" sz="1100" dirty="0"/>
               <a:t>)</a:t>
             </a:r>
           </a:p>
           <a:p>
             <a:r>
               <a:rPr lang="en-US" sz="1100" dirty="0"/>
-              <a:t> </a:t>
-            </a:r>
-            <a:r>
-              <a:rPr lang="en-US" sz="1100" dirty="0" smtClean="0"/>
-              <a:t>          </a:t>
-            </a:r>
-            <a:r>
-              <a:rPr lang="en-US" sz="1100" dirty="0"/>
-              <a:t>(send </a:t>
+              <a:t>           (send </a:t>
             </a:r>
             <a:r>
               <a:rPr lang="en-US" sz="1100" dirty="0" err="1"/>
@@ -15405,20 +14363,11 @@
               <a:rPr lang="en-US" sz="1100" dirty="0"/>
               <a:t>) </a:t>
             </a:r>
-            <a:endParaRPr lang="en-US" sz="1100" dirty="0" smtClean="0"/>
           </a:p>
           <a:p>
             <a:r>
               <a:rPr lang="en-US" sz="1100" dirty="0"/>
-              <a:t> </a:t>
-            </a:r>
-            <a:r>
-              <a:rPr lang="en-US" sz="1100" dirty="0" smtClean="0"/>
-              <a:t>          (</a:t>
-            </a:r>
-            <a:r>
-              <a:rPr lang="en-US" sz="1100" dirty="0"/>
-              <a:t>send </a:t>
+              <a:t>           (send </a:t>
             </a:r>
             <a:r>
               <a:rPr lang="en-US" sz="1100" dirty="0" err="1"/>
@@ -15483,20 +14432,11 @@
               <a:rPr lang="en-US" sz="1100" dirty="0"/>
               <a:t>) </a:t>
             </a:r>
-            <a:endParaRPr lang="en-US" sz="1100" dirty="0" smtClean="0"/>
           </a:p>
           <a:p>
             <a:r>
               <a:rPr lang="en-US" sz="1100" dirty="0"/>
-              <a:t> </a:t>
-            </a:r>
-            <a:r>
-              <a:rPr lang="en-US" sz="1100" dirty="0" smtClean="0"/>
-              <a:t>          (</a:t>
-            </a:r>
-            <a:r>
-              <a:rPr lang="en-US" sz="1100" dirty="0"/>
-              <a:t>send </a:t>
+              <a:t>           (send </a:t>
             </a:r>
             <a:r>
               <a:rPr lang="en-US" sz="1100" dirty="0" err="1"/>
@@ -15610,10 +14550,9 @@
           <a:lstStyle/>
           <a:p>
             <a:r>
-              <a:rPr lang="en-US" dirty="0" smtClean="0"/>
+              <a:rPr lang="en-US" dirty="0"/>
               <a:t>Let’s see a demo!</a:t>
             </a:r>
-            <a:endParaRPr lang="en-US" dirty="0"/>
           </a:p>
         </p:txBody>
       </p:sp>
@@ -15797,10 +14736,9 @@
           <a:lstStyle/>
           <a:p>
             <a:r>
-              <a:rPr lang="en-US" dirty="0" smtClean="0"/>
+              <a:rPr lang="en-US" dirty="0"/>
               <a:t>Why do it this way?</a:t>
             </a:r>
-            <a:endParaRPr lang="en-US" dirty="0"/>
           </a:p>
         </p:txBody>
       </p:sp>
@@ -15820,16 +14758,15 @@
           <a:lstStyle/>
           <a:p>
             <a:r>
-              <a:rPr lang="en-US" dirty="0" smtClean="0"/>
+              <a:rPr lang="en-US" dirty="0"/>
               <a:t>The Widget&lt;%&gt; interface didn’t change, so we didn’t  need  any other changes in the code.</a:t>
             </a:r>
           </a:p>
           <a:p>
             <a:r>
-              <a:rPr lang="en-US" dirty="0" smtClean="0"/>
+              <a:rPr lang="en-US" dirty="0"/>
               <a:t>Not much difference in this example, but making the World into an object will become important next week.</a:t>
             </a:r>
-            <a:endParaRPr lang="en-US" dirty="0"/>
           </a:p>
         </p:txBody>
       </p:sp>
@@ -15902,41 +14839,40 @@
           <a:lstStyle/>
           <a:p>
             <a:r>
-              <a:rPr lang="en-US" dirty="0" smtClean="0"/>
+              <a:rPr lang="en-US" dirty="0"/>
               <a:t>Summary</a:t>
             </a:r>
+          </a:p>
+        </p:txBody>
+      </p:sp>
+      <p:sp>
+        <p:nvSpPr>
+          <p:cNvPr id="3" name="Content Placeholder 2"/>
+          <p:cNvSpPr>
+            <a:spLocks noGrp="1"/>
+          </p:cNvSpPr>
+          <p:nvPr>
+            <p:ph idx="1"/>
+          </p:nvPr>
+        </p:nvSpPr>
+        <p:spPr/>
+        <p:txBody>
+          <a:bodyPr/>
+          <a:lstStyle/>
+          <a:p>
+            <a:r>
+              <a:rPr lang="en-US" dirty="0"/>
+              <a:t>We’ve seen how an interface can be used to express an API that works for objects of several classes</a:t>
+            </a:r>
+          </a:p>
+          <a:p>
+            <a:r>
+              <a:rPr lang="en-US" dirty="0"/>
+              <a:t>We’ve seen two designs of a small example that illustrate the use of interfaces.</a:t>
+            </a:r>
+          </a:p>
+          <a:p>
             <a:endParaRPr lang="en-US" dirty="0"/>
-          </a:p>
-        </p:txBody>
-      </p:sp>
-      <p:sp>
-        <p:nvSpPr>
-          <p:cNvPr id="3" name="Content Placeholder 2"/>
-          <p:cNvSpPr>
-            <a:spLocks noGrp="1"/>
-          </p:cNvSpPr>
-          <p:nvPr>
-            <p:ph idx="1"/>
-          </p:nvPr>
-        </p:nvSpPr>
-        <p:spPr/>
-        <p:txBody>
-          <a:bodyPr/>
-          <a:lstStyle/>
-          <a:p>
-            <a:r>
-              <a:rPr lang="en-US" dirty="0" smtClean="0"/>
-              <a:t>We’ve seen how an interface can be used to express an API that works for objects of several classes</a:t>
-            </a:r>
-          </a:p>
-          <a:p>
-            <a:r>
-              <a:rPr lang="en-US" dirty="0" smtClean="0"/>
-              <a:t>We’ve seen two designs of a small example that illustrate the use of interfaces.</a:t>
-            </a:r>
-          </a:p>
-          <a:p>
-            <a:endParaRPr lang="en-US" dirty="0" smtClean="0"/>
           </a:p>
         </p:txBody>
       </p:sp>
@@ -15969,13 +14905,6 @@
   <p:clrMapOvr>
     <a:masterClrMapping/>
   </p:clrMapOvr>
-  <p:timing>
-    <p:tnLst>
-      <p:par>
-        <p:cTn id="1" dur="indefinite" restart="never" nodeType="tmRoot"/>
-      </p:par>
-    </p:tnLst>
-  </p:timing>
 </p:sld>
 </file>
 
@@ -16012,59 +14941,58 @@
           <a:lstStyle/>
           <a:p>
             <a:r>
-              <a:rPr lang="en-US" dirty="0" smtClean="0"/>
+              <a:rPr lang="en-US" dirty="0"/>
               <a:t>Next Steps</a:t>
             </a:r>
+          </a:p>
+        </p:txBody>
+      </p:sp>
+      <p:sp>
+        <p:nvSpPr>
+          <p:cNvPr id="3" name="Content Placeholder 2"/>
+          <p:cNvSpPr>
+            <a:spLocks noGrp="1"/>
+          </p:cNvSpPr>
+          <p:nvPr>
+            <p:ph idx="1"/>
+          </p:nvPr>
+        </p:nvSpPr>
+        <p:spPr/>
+        <p:txBody>
+          <a:bodyPr/>
+          <a:lstStyle/>
+          <a:p>
+            <a:r>
+              <a:rPr lang="en-US" dirty="0"/>
+              <a:t>Study the files in the Examples folder:</a:t>
+            </a:r>
+          </a:p>
+          <a:p>
+            <a:pPr lvl="1"/>
+            <a:r>
+              <a:rPr lang="en-US" dirty="0"/>
+              <a:t>09-2-1-space-invaders-1.rkt</a:t>
+            </a:r>
+          </a:p>
+          <a:p>
+            <a:pPr lvl="1"/>
+            <a:r>
+              <a:rPr lang="en-US"/>
+              <a:t>09-2-2-space-invaders-2.rkt</a:t>
+            </a:r>
             <a:endParaRPr lang="en-US" dirty="0"/>
           </a:p>
-        </p:txBody>
-      </p:sp>
-      <p:sp>
-        <p:nvSpPr>
-          <p:cNvPr id="3" name="Content Placeholder 2"/>
-          <p:cNvSpPr>
-            <a:spLocks noGrp="1"/>
-          </p:cNvSpPr>
-          <p:nvPr>
-            <p:ph idx="1"/>
-          </p:nvPr>
-        </p:nvSpPr>
-        <p:spPr/>
-        <p:txBody>
-          <a:bodyPr/>
-          <a:lstStyle/>
-          <a:p>
-            <a:r>
-              <a:rPr lang="en-US" dirty="0" smtClean="0"/>
-              <a:t>Study the files in the Examples folder:</a:t>
-            </a:r>
-          </a:p>
-          <a:p>
-            <a:pPr lvl="1"/>
-            <a:r>
-              <a:rPr lang="en-US" dirty="0" smtClean="0"/>
-              <a:t>09-2-space-invaders-1.rkt</a:t>
-            </a:r>
-          </a:p>
-          <a:p>
-            <a:pPr lvl="1"/>
-            <a:r>
-              <a:rPr lang="en-US" dirty="0" smtClean="0"/>
-              <a:t>09-2A-space-invaders-2.rkt</a:t>
-            </a:r>
-          </a:p>
-          <a:p>
-            <a:r>
-              <a:rPr lang="en-US" dirty="0" smtClean="0"/>
+          <a:p>
+            <a:r>
+              <a:rPr lang="en-US" dirty="0"/>
               <a:t>If you have questions about this lesson, ask them on the Discussion Board</a:t>
             </a:r>
           </a:p>
           <a:p>
             <a:r>
-              <a:rPr lang="en-US" dirty="0" smtClean="0"/>
+              <a:rPr lang="en-US" dirty="0"/>
               <a:t>Go on to the next lesson</a:t>
             </a:r>
-            <a:endParaRPr lang="en-US" dirty="0"/>
           </a:p>
         </p:txBody>
       </p:sp>
@@ -16101,13 +15029,6 @@
   <p:clrMapOvr>
     <a:masterClrMapping/>
   </p:clrMapOvr>
-  <p:timing>
-    <p:tnLst>
-      <p:par>
-        <p:cTn id="1" dur="indefinite" restart="never" nodeType="tmRoot"/>
-      </p:par>
-    </p:tnLst>
-  </p:timing>
 </p:sld>
 </file>
 
@@ -16144,10 +15065,9 @@
           <a:lstStyle/>
           <a:p>
             <a:r>
-              <a:rPr lang="en-US" dirty="0" smtClean="0"/>
+              <a:rPr lang="en-US" dirty="0"/>
               <a:t>Let’s design a system!</a:t>
             </a:r>
-            <a:endParaRPr lang="en-US" dirty="0"/>
           </a:p>
         </p:txBody>
       </p:sp>
@@ -16169,17 +15089,17 @@
           <a:lstStyle/>
           <a:p>
             <a:r>
-              <a:rPr lang="en-US" dirty="0" smtClean="0"/>
+              <a:rPr lang="en-US" dirty="0"/>
               <a:t>We will have some things living on a canvas.</a:t>
             </a:r>
           </a:p>
           <a:p>
             <a:r>
-              <a:rPr lang="en-US" dirty="0" smtClean="0"/>
+              <a:rPr lang="en-US" dirty="0"/>
               <a:t>We’ll call these things </a:t>
             </a:r>
             <a:r>
-              <a:rPr lang="en-US" i="1" dirty="0" smtClean="0">
+              <a:rPr lang="en-US" i="1" dirty="0">
                 <a:solidFill>
                   <a:srgbClr val="FF0000"/>
                 </a:solidFill>
@@ -16187,11 +15107,11 @@
               <a:t>widgets</a:t>
             </a:r>
             <a:r>
-              <a:rPr lang="en-US" i="1" dirty="0" smtClean="0"/>
+              <a:rPr lang="en-US" i="1" dirty="0"/>
               <a:t>.  </a:t>
             </a:r>
             <a:r>
-              <a:rPr lang="en-US" dirty="0" smtClean="0"/>
+              <a:rPr lang="en-US" dirty="0"/>
               <a:t>We’ll represent widgets as objects.</a:t>
             </a:r>
           </a:p>
@@ -16202,11 +15122,7 @@
             </a:r>
             <a:r>
               <a:rPr lang="en-US"/>
-              <a:t>to</a:t>
-            </a:r>
-            <a:r>
-              <a:rPr lang="en-US" smtClean="0"/>
-              <a:t>.</a:t>
+              <a:t>to.</a:t>
             </a:r>
             <a:endParaRPr lang="en-US" dirty="0"/>
           </a:p>
@@ -16281,10 +15197,9 @@
           <a:lstStyle/>
           <a:p>
             <a:r>
-              <a:rPr lang="en-US" dirty="0" smtClean="0"/>
+              <a:rPr lang="en-US" dirty="0"/>
               <a:t>System Design (2)</a:t>
             </a:r>
-            <a:endParaRPr lang="en-US" dirty="0"/>
           </a:p>
         </p:txBody>
       </p:sp>
@@ -16306,22 +15221,21 @@
           <a:lstStyle/>
           <a:p>
             <a:r>
-              <a:rPr lang="en-US" dirty="0" smtClean="0"/>
+              <a:rPr lang="en-US" dirty="0"/>
               <a:t>big-bang will call our world-after-XX functions</a:t>
             </a:r>
           </a:p>
           <a:p>
             <a:r>
-              <a:rPr lang="en-US" dirty="0" smtClean="0"/>
+              <a:rPr lang="en-US" dirty="0"/>
               <a:t>Each world-after-XX function will send an appropriate message to each widget.</a:t>
             </a:r>
           </a:p>
           <a:p>
             <a:r>
-              <a:rPr lang="en-US" dirty="0" smtClean="0"/>
+              <a:rPr lang="en-US" dirty="0"/>
               <a:t>We can use our previous experience with big-bang to guide us.</a:t>
             </a:r>
-            <a:endParaRPr lang="en-US" dirty="0"/>
           </a:p>
         </p:txBody>
       </p:sp>
@@ -16394,10 +15308,9 @@
           <a:lstStyle/>
           <a:p>
             <a:r>
-              <a:rPr lang="en-US" dirty="0" smtClean="0"/>
+              <a:rPr lang="en-US" dirty="0"/>
               <a:t>System Architecture</a:t>
             </a:r>
-            <a:endParaRPr lang="en-US" dirty="0"/>
           </a:p>
         </p:txBody>
       </p:sp>
@@ -16465,18 +15378,13 @@
           <a:p>
             <a:pPr algn="ctr"/>
             <a:r>
-              <a:rPr lang="en-US" b="1" dirty="0" smtClean="0">
+              <a:rPr lang="en-US" b="1" dirty="0">
                 <a:solidFill>
                   <a:schemeClr val="tx1"/>
                 </a:solidFill>
               </a:rPr>
               <a:t>run</a:t>
             </a:r>
-            <a:endParaRPr lang="en-US" b="1" dirty="0">
-              <a:solidFill>
-                <a:schemeClr val="tx1"/>
-              </a:solidFill>
-            </a:endParaRPr>
           </a:p>
         </p:txBody>
       </p:sp>
@@ -16571,18 +15479,13 @@
           <a:p>
             <a:pPr algn="ctr"/>
             <a:r>
-              <a:rPr lang="en-US" dirty="0" smtClean="0">
+              <a:rPr lang="en-US" dirty="0">
                 <a:solidFill>
                   <a:schemeClr val="tx1"/>
                 </a:solidFill>
               </a:rPr>
               <a:t>world-after-tick</a:t>
             </a:r>
-            <a:endParaRPr lang="en-US" dirty="0">
-              <a:solidFill>
-                <a:schemeClr val="tx1"/>
-              </a:solidFill>
-            </a:endParaRPr>
           </a:p>
         </p:txBody>
       </p:sp>
@@ -16627,18 +15530,13 @@
           <a:p>
             <a:pPr algn="ctr"/>
             <a:r>
-              <a:rPr lang="en-US" dirty="0" smtClean="0">
+              <a:rPr lang="en-US" dirty="0">
                 <a:solidFill>
                   <a:schemeClr val="tx1"/>
                 </a:solidFill>
               </a:rPr>
               <a:t>world-after-key-event</a:t>
             </a:r>
-            <a:endParaRPr lang="en-US" dirty="0">
-              <a:solidFill>
-                <a:schemeClr val="tx1"/>
-              </a:solidFill>
-            </a:endParaRPr>
           </a:p>
         </p:txBody>
       </p:sp>
@@ -16683,18 +15581,13 @@
           <a:p>
             <a:pPr algn="ctr"/>
             <a:r>
-              <a:rPr lang="en-US" dirty="0" smtClean="0">
+              <a:rPr lang="en-US" dirty="0">
                 <a:solidFill>
                   <a:schemeClr val="tx1"/>
                 </a:solidFill>
               </a:rPr>
               <a:t>world-after-mouse-event</a:t>
             </a:r>
-            <a:endParaRPr lang="en-US" dirty="0">
-              <a:solidFill>
-                <a:schemeClr val="tx1"/>
-              </a:solidFill>
-            </a:endParaRPr>
           </a:p>
         </p:txBody>
       </p:sp>
@@ -16739,18 +15632,13 @@
           <a:p>
             <a:pPr algn="ctr"/>
             <a:r>
-              <a:rPr lang="en-US" dirty="0" smtClean="0">
+              <a:rPr lang="en-US" dirty="0">
                 <a:solidFill>
                   <a:schemeClr val="tx1"/>
                 </a:solidFill>
               </a:rPr>
               <a:t>world-to-scene</a:t>
             </a:r>
-            <a:endParaRPr lang="en-US" dirty="0">
-              <a:solidFill>
-                <a:schemeClr val="tx1"/>
-              </a:solidFill>
-            </a:endParaRPr>
           </a:p>
         </p:txBody>
       </p:sp>
@@ -16795,18 +15683,13 @@
           <a:p>
             <a:pPr algn="ctr"/>
             <a:r>
-              <a:rPr lang="en-US" dirty="0" smtClean="0">
+              <a:rPr lang="en-US" dirty="0">
                 <a:solidFill>
                   <a:schemeClr val="tx1"/>
                 </a:solidFill>
               </a:rPr>
               <a:t>widget</a:t>
             </a:r>
-            <a:endParaRPr lang="en-US" dirty="0">
-              <a:solidFill>
-                <a:schemeClr val="tx1"/>
-              </a:solidFill>
-            </a:endParaRPr>
           </a:p>
         </p:txBody>
       </p:sp>
@@ -16851,18 +15734,13 @@
           <a:p>
             <a:pPr algn="ctr"/>
             <a:r>
-              <a:rPr lang="en-US" dirty="0" smtClean="0">
+              <a:rPr lang="en-US" dirty="0">
                 <a:solidFill>
                   <a:schemeClr val="tx1"/>
                 </a:solidFill>
               </a:rPr>
               <a:t>widget</a:t>
             </a:r>
-            <a:endParaRPr lang="en-US" dirty="0">
-              <a:solidFill>
-                <a:schemeClr val="tx1"/>
-              </a:solidFill>
-            </a:endParaRPr>
           </a:p>
         </p:txBody>
       </p:sp>
@@ -16907,18 +15785,13 @@
           <a:p>
             <a:pPr algn="ctr"/>
             <a:r>
-              <a:rPr lang="en-US" dirty="0" smtClean="0">
+              <a:rPr lang="en-US" dirty="0">
                 <a:solidFill>
                   <a:schemeClr val="tx1"/>
                 </a:solidFill>
               </a:rPr>
               <a:t>widget</a:t>
             </a:r>
-            <a:endParaRPr lang="en-US" dirty="0">
-              <a:solidFill>
-                <a:schemeClr val="tx1"/>
-              </a:solidFill>
-            </a:endParaRPr>
           </a:p>
         </p:txBody>
       </p:sp>
@@ -16963,18 +15836,13 @@
           <a:p>
             <a:pPr algn="ctr"/>
             <a:r>
-              <a:rPr lang="en-US" dirty="0" smtClean="0">
+              <a:rPr lang="en-US" dirty="0">
                 <a:solidFill>
                   <a:schemeClr val="tx1"/>
                 </a:solidFill>
               </a:rPr>
               <a:t>widget</a:t>
             </a:r>
-            <a:endParaRPr lang="en-US" dirty="0">
-              <a:solidFill>
-                <a:schemeClr val="tx1"/>
-              </a:solidFill>
-            </a:endParaRPr>
           </a:p>
         </p:txBody>
       </p:sp>
@@ -17433,17 +16301,16 @@
           <a:p>
             <a:pPr algn="ctr"/>
             <a:r>
-              <a:rPr lang="en-US" dirty="0" smtClean="0"/>
+              <a:rPr lang="en-US" dirty="0"/>
               <a:t>function</a:t>
             </a:r>
           </a:p>
           <a:p>
             <a:pPr algn="ctr"/>
             <a:r>
-              <a:rPr lang="en-US" dirty="0" smtClean="0"/>
+              <a:rPr lang="en-US" dirty="0"/>
               <a:t>calls</a:t>
             </a:r>
-            <a:endParaRPr lang="en-US" dirty="0"/>
           </a:p>
         </p:txBody>
       </p:sp>
@@ -17470,10 +16337,9 @@
           <a:lstStyle/>
           <a:p>
             <a:r>
-              <a:rPr lang="en-US" sz="1200" dirty="0" smtClean="0"/>
+              <a:rPr lang="en-US" sz="1200" dirty="0"/>
               <a:t>etc.</a:t>
             </a:r>
-            <a:endParaRPr lang="en-US" sz="1200" dirty="0"/>
           </a:p>
         </p:txBody>
       </p:sp>
@@ -17550,10 +16416,9 @@
             <a:p>
               <a:pPr algn="ctr"/>
               <a:r>
-                <a:rPr lang="en-US" dirty="0" smtClean="0"/>
+                <a:rPr lang="en-US" dirty="0"/>
                 <a:t>method calls using Widget&lt;%&gt; interface</a:t>
               </a:r>
-              <a:endParaRPr lang="en-US" dirty="0"/>
             </a:p>
           </p:txBody>
         </p:sp>
@@ -17693,10 +16558,9 @@
           <a:lstStyle/>
           <a:p>
             <a:r>
-              <a:rPr lang="en-US" dirty="0" smtClean="0"/>
+              <a:rPr lang="en-US" dirty="0"/>
               <a:t>What messages should a widget respond to?</a:t>
             </a:r>
-            <a:endParaRPr lang="en-US" dirty="0"/>
           </a:p>
         </p:txBody>
       </p:sp>
@@ -17716,59 +16580,59 @@
           <a:lstStyle/>
           <a:p>
             <a:r>
-              <a:rPr lang="en-US" dirty="0" smtClean="0"/>
+              <a:rPr lang="en-US" dirty="0"/>
               <a:t>Our big-bang functions will send each widget the appropriate message at each event.</a:t>
             </a:r>
           </a:p>
           <a:p>
             <a:r>
-              <a:rPr lang="en-US" dirty="0" smtClean="0"/>
+              <a:rPr lang="en-US" dirty="0"/>
               <a:t>Two easy ones:</a:t>
             </a:r>
           </a:p>
           <a:p>
             <a:pPr lvl="1"/>
             <a:r>
-              <a:rPr lang="en-US" b="1" dirty="0" smtClean="0"/>
+              <a:rPr lang="en-US" b="1" dirty="0"/>
               <a:t>(send widget1 after-tick) </a:t>
             </a:r>
             <a:r>
-              <a:rPr lang="en-US" dirty="0" smtClean="0"/>
+              <a:rPr lang="en-US" dirty="0"/>
               <a:t>should return the state of </a:t>
             </a:r>
             <a:r>
-              <a:rPr lang="en-US" b="1" dirty="0" smtClean="0"/>
+              <a:rPr lang="en-US" b="1" dirty="0"/>
               <a:t>widget1</a:t>
             </a:r>
             <a:r>
-              <a:rPr lang="en-US" dirty="0" smtClean="0"/>
+              <a:rPr lang="en-US" dirty="0"/>
               <a:t> after a tick    </a:t>
             </a:r>
           </a:p>
           <a:p>
             <a:pPr lvl="1"/>
             <a:r>
-              <a:rPr lang="en-US" b="1" dirty="0" smtClean="0"/>
+              <a:rPr lang="en-US" b="1" dirty="0"/>
               <a:t>(send widget1 after-key-event </a:t>
             </a:r>
             <a:r>
-              <a:rPr lang="en-US" b="1" dirty="0" err="1" smtClean="0"/>
+              <a:rPr lang="en-US" b="1" dirty="0" err="1"/>
               <a:t>kev</a:t>
             </a:r>
             <a:r>
-              <a:rPr lang="en-US" b="1" dirty="0" smtClean="0"/>
+              <a:rPr lang="en-US" b="1" dirty="0"/>
               <a:t>) </a:t>
             </a:r>
             <a:r>
-              <a:rPr lang="en-US" dirty="0" smtClean="0"/>
+              <a:rPr lang="en-US" dirty="0"/>
               <a:t>should return the state of </a:t>
             </a:r>
             <a:r>
-              <a:rPr lang="en-US" b="1" dirty="0" smtClean="0"/>
+              <a:rPr lang="en-US" b="1" dirty="0"/>
               <a:t>widget1</a:t>
             </a:r>
             <a:r>
-              <a:rPr lang="en-US" dirty="0" smtClean="0"/>
+              <a:rPr lang="en-US" dirty="0"/>
               <a:t> after the given key event</a:t>
             </a:r>
           </a:p>
@@ -17847,10 +16711,9 @@
           <a:lstStyle/>
           <a:p>
             <a:r>
-              <a:rPr lang="en-US" dirty="0" smtClean="0"/>
+              <a:rPr lang="en-US" dirty="0"/>
               <a:t>What about display?</a:t>
             </a:r>
-            <a:endParaRPr lang="en-US" dirty="0"/>
           </a:p>
         </p:txBody>
       </p:sp>
@@ -17870,51 +16733,50 @@
           <a:lstStyle/>
           <a:p>
             <a:r>
-              <a:rPr lang="en-US" dirty="0" smtClean="0"/>
+              <a:rPr lang="en-US" dirty="0"/>
               <a:t>We discovered that the right way to write display code was to write </a:t>
             </a:r>
             <a:r>
-              <a:rPr lang="en-US" b="1" dirty="0" smtClean="0"/>
+              <a:rPr lang="en-US" b="1" dirty="0"/>
               <a:t>add-to-scene </a:t>
             </a:r>
             <a:r>
-              <a:rPr lang="en-US" dirty="0" smtClean="0"/>
+              <a:rPr lang="en-US" dirty="0"/>
               <a:t>.</a:t>
             </a:r>
           </a:p>
           <a:p>
             <a:r>
-              <a:rPr lang="en-US" dirty="0" smtClean="0"/>
+              <a:rPr lang="en-US" dirty="0"/>
               <a:t>So we’ll say:</a:t>
             </a:r>
           </a:p>
           <a:p>
             <a:pPr lvl="1"/>
             <a:r>
-              <a:rPr lang="en-US" b="1" dirty="0" smtClean="0"/>
+              <a:rPr lang="en-US" b="1" dirty="0"/>
               <a:t>(send widget1 add-scene s)  </a:t>
             </a:r>
             <a:r>
-              <a:rPr lang="en-US" dirty="0" smtClean="0"/>
+              <a:rPr lang="en-US" dirty="0"/>
               <a:t>returns a Scene like </a:t>
             </a:r>
             <a:r>
-              <a:rPr lang="en-US" b="1" dirty="0" smtClean="0"/>
+              <a:rPr lang="en-US" b="1" dirty="0"/>
               <a:t>s</a:t>
             </a:r>
             <a:r>
-              <a:rPr lang="en-US" dirty="0" smtClean="0"/>
+              <a:rPr lang="en-US" dirty="0"/>
               <a:t>, but with </a:t>
             </a:r>
             <a:r>
-              <a:rPr lang="en-US" b="1" dirty="0" smtClean="0"/>
+              <a:rPr lang="en-US" b="1" dirty="0"/>
               <a:t>widget1</a:t>
             </a:r>
             <a:r>
-              <a:rPr lang="en-US" dirty="0" smtClean="0"/>
+              <a:rPr lang="en-US" dirty="0"/>
               <a:t> painted on it.</a:t>
             </a:r>
-            <a:endParaRPr lang="en-US" dirty="0"/>
           </a:p>
         </p:txBody>
       </p:sp>
@@ -17987,10 +16849,9 @@
           <a:lstStyle/>
           <a:p>
             <a:r>
-              <a:rPr lang="en-US" dirty="0" smtClean="0"/>
+              <a:rPr lang="en-US" dirty="0"/>
               <a:t>What about mouse events?</a:t>
             </a:r>
-            <a:endParaRPr lang="en-US" dirty="0"/>
           </a:p>
         </p:txBody>
       </p:sp>
@@ -18017,7 +16878,7 @@
           <a:lstStyle/>
           <a:p>
             <a:r>
-              <a:rPr lang="en-US" dirty="0" smtClean="0"/>
+              <a:rPr lang="en-US" dirty="0"/>
               <a:t>We wrote a bunch of things like</a:t>
             </a:r>
           </a:p>
@@ -18025,25 +16886,18 @@
             <a:pPr marL="0" indent="0">
               <a:buNone/>
             </a:pPr>
-            <a:endParaRPr lang="en-US" sz="2000" dirty="0" smtClean="0"/>
+            <a:endParaRPr lang="en-US" sz="2000" dirty="0"/>
           </a:p>
           <a:p>
             <a:pPr marL="0" indent="0">
               <a:buNone/>
             </a:pPr>
-            <a:r>
-              <a:rPr lang="en-US" sz="1800" b="1" dirty="0" smtClean="0">
-                <a:latin typeface="Consolas" panose="020B0609020204030204" pitchFamily="49" charset="0"/>
-                <a:cs typeface="Consolas" panose="020B0609020204030204" pitchFamily="49" charset="0"/>
-              </a:rPr>
-              <a:t>(</a:t>
-            </a:r>
             <a:r>
               <a:rPr lang="en-US" sz="1800" b="1" dirty="0">
                 <a:latin typeface="Consolas" panose="020B0609020204030204" pitchFamily="49" charset="0"/>
                 <a:cs typeface="Consolas" panose="020B0609020204030204" pitchFamily="49" charset="0"/>
               </a:rPr>
-              <a:t>define (</a:t>
+              <a:t>(define (</a:t>
             </a:r>
             <a:r>
               <a:rPr lang="en-US" sz="1800" b="1" dirty="0" err="1">
@@ -18109,35 +16963,21 @@
                 <a:latin typeface="Consolas" panose="020B0609020204030204" pitchFamily="49" charset="0"/>
                 <a:cs typeface="Consolas" panose="020B0609020204030204" pitchFamily="49" charset="0"/>
               </a:rPr>
-              <a:t> "button-down") </a:t>
-            </a:r>
-            <a:r>
-              <a:rPr lang="en-US" sz="1800" b="1" dirty="0" smtClean="0">
-                <a:latin typeface="Consolas" panose="020B0609020204030204" pitchFamily="49" charset="0"/>
-                <a:cs typeface="Consolas" panose="020B0609020204030204" pitchFamily="49" charset="0"/>
-              </a:rPr>
-              <a:t>(</a:t>
-            </a:r>
-            <a:r>
-              <a:rPr lang="en-US" sz="1800" b="1" dirty="0" err="1" smtClean="0">
+              <a:t> "button-down") (</a:t>
+            </a:r>
+            <a:r>
+              <a:rPr lang="en-US" sz="1800" b="1" dirty="0" err="1">
                 <a:latin typeface="Consolas" panose="020B0609020204030204" pitchFamily="49" charset="0"/>
                 <a:cs typeface="Consolas" panose="020B0609020204030204" pitchFamily="49" charset="0"/>
               </a:rPr>
               <a:t>rect</a:t>
             </a:r>
             <a:r>
-              <a:rPr lang="en-US" sz="1800" b="1" dirty="0" smtClean="0">
-                <a:latin typeface="Consolas" panose="020B0609020204030204" pitchFamily="49" charset="0"/>
-                <a:cs typeface="Consolas" panose="020B0609020204030204" pitchFamily="49" charset="0"/>
-              </a:rPr>
-              <a:t>-after-button-down </a:t>
-            </a:r>
-            <a:r>
               <a:rPr lang="en-US" sz="1800" b="1" dirty="0">
                 <a:latin typeface="Consolas" panose="020B0609020204030204" pitchFamily="49" charset="0"/>
                 <a:cs typeface="Consolas" panose="020B0609020204030204" pitchFamily="49" charset="0"/>
               </a:rPr>
-              <a:t>r mx my)]</a:t>
+              <a:t>-after-button-down r mx my)]</a:t>
             </a:r>
           </a:p>
           <a:p>
@@ -18229,14 +17069,7 @@
                 <a:latin typeface="Consolas" panose="020B0609020204030204" pitchFamily="49" charset="0"/>
                 <a:cs typeface="Consolas" panose="020B0609020204030204" pitchFamily="49" charset="0"/>
               </a:rPr>
-              <a:t>    [else r</a:t>
-            </a:r>
-            <a:r>
-              <a:rPr lang="en-US" sz="1800" b="1" dirty="0" smtClean="0">
-                <a:latin typeface="Consolas" panose="020B0609020204030204" pitchFamily="49" charset="0"/>
-                <a:cs typeface="Consolas" panose="020B0609020204030204" pitchFamily="49" charset="0"/>
-              </a:rPr>
-              <a:t>]))</a:t>
+              <a:t>    [else r]))</a:t>
             </a:r>
           </a:p>
         </p:txBody>

--- a/Slides/Lesson 9.2 A Case Study- Space Invaders.pptx
+++ b/Slides/Lesson 9.2 A Case Study- Space Invaders.pptx
@@ -242,7 +242,7 @@
           <a:p>
             <a:fld id="{36D53524-F9CC-4A8B-8CCD-2FA372311425}" type="datetimeFigureOut">
               <a:rPr lang="en-US" smtClean="0"/>
-              <a:t>10/29/2016</a:t>
+              <a:t>11/1/2016</a:t>
             </a:fld>
             <a:endParaRPr lang="en-US"/>
           </a:p>
@@ -772,7 +772,7 @@
           <a:p>
             <a:fld id="{2F1F79F5-7BEC-496A-AFC7-876E38F64D71}" type="datetime1">
               <a:rPr lang="en-US" smtClean="0"/>
-              <a:t>10/29/2016</a:t>
+              <a:t>11/1/2016</a:t>
             </a:fld>
             <a:endParaRPr lang="en-US"/>
           </a:p>
@@ -889,7 +889,7 @@
           <a:p>
             <a:fld id="{2F7B77F5-1464-4F6B-92A8-64FC8A508293}" type="datetime1">
               <a:rPr lang="en-US" smtClean="0"/>
-              <a:t>10/29/2016</a:t>
+              <a:t>11/1/2016</a:t>
             </a:fld>
             <a:endParaRPr lang="en-US"/>
           </a:p>
@@ -984,7 +984,7 @@
           <a:p>
             <a:fld id="{0A05703A-7669-4FEA-9056-25299B4D29D4}" type="datetime1">
               <a:rPr lang="en-US" smtClean="0"/>
-              <a:t>10/29/2016</a:t>
+              <a:t>11/1/2016</a:t>
             </a:fld>
             <a:endParaRPr lang="en-US"/>
           </a:p>
@@ -1259,7 +1259,7 @@
           <a:p>
             <a:fld id="{6E5077B5-BB57-49DB-88CA-226A139E5C01}" type="datetime1">
               <a:rPr lang="en-US" smtClean="0"/>
-              <a:t>10/29/2016</a:t>
+              <a:t>11/1/2016</a:t>
             </a:fld>
             <a:endParaRPr lang="en-US"/>
           </a:p>
@@ -1511,7 +1511,7 @@
           <a:p>
             <a:fld id="{C48D9447-CBD6-49A1-89FD-8512A8CF8999}" type="datetime1">
               <a:rPr lang="en-US" smtClean="0"/>
-              <a:t>10/29/2016</a:t>
+              <a:t>11/1/2016</a:t>
             </a:fld>
             <a:endParaRPr lang="en-US"/>
           </a:p>
@@ -1679,7 +1679,7 @@
           <a:p>
             <a:fld id="{A3639A2A-823D-48B7-9ACE-7FAF42870BA9}" type="datetime1">
               <a:rPr lang="en-US" smtClean="0"/>
-              <a:t>10/29/2016</a:t>
+              <a:t>11/1/2016</a:t>
             </a:fld>
             <a:endParaRPr lang="en-US"/>
           </a:p>
@@ -1857,7 +1857,7 @@
           <a:p>
             <a:fld id="{ED1B6996-82E9-463C-972C-7B56056E426C}" type="datetime1">
               <a:rPr lang="en-US" smtClean="0"/>
-              <a:t>10/29/2016</a:t>
+              <a:t>11/1/2016</a:t>
             </a:fld>
             <a:endParaRPr lang="en-US"/>
           </a:p>
@@ -2150,7 +2150,7 @@
           <a:p>
             <a:fld id="{5D1846AD-9252-4647-9435-4C2AC365653A}" type="datetime1">
               <a:rPr lang="en-US" smtClean="0"/>
-              <a:t>10/29/2016</a:t>
+              <a:t>11/1/2016</a:t>
             </a:fld>
             <a:endParaRPr lang="en-US"/>
           </a:p>
@@ -2324,7 +2324,7 @@
           <a:p>
             <a:fld id="{E22ED4DA-448D-4BB1-B935-CC112220207B}" type="datetime1">
               <a:rPr lang="en-US" smtClean="0"/>
-              <a:t>10/29/2016</a:t>
+              <a:t>11/1/2016</a:t>
             </a:fld>
             <a:endParaRPr lang="en-US"/>
           </a:p>
@@ -2497,7 +2497,7 @@
           <a:p>
             <a:fld id="{E22ED4DA-448D-4BB1-B935-CC112220207B}" type="datetime1">
               <a:rPr lang="en-US" smtClean="0"/>
-              <a:t>10/29/2016</a:t>
+              <a:t>11/1/2016</a:t>
             </a:fld>
             <a:endParaRPr lang="en-US"/>
           </a:p>
@@ -2757,7 +2757,7 @@
           <a:p>
             <a:fld id="{FF5D65A6-AB94-4435-B0B7-3743215FA46C}" type="datetime1">
               <a:rPr lang="en-US" smtClean="0"/>
-              <a:t>10/29/2016</a:t>
+              <a:t>11/1/2016</a:t>
             </a:fld>
             <a:endParaRPr lang="en-US"/>
           </a:p>
@@ -2933,7 +2933,7 @@
           <a:p>
             <a:fld id="{FF5D65A6-AB94-4435-B0B7-3743215FA46C}" type="datetime1">
               <a:rPr lang="en-US" smtClean="0"/>
-              <a:t>10/29/2016</a:t>
+              <a:t>11/1/2016</a:t>
             </a:fld>
             <a:endParaRPr lang="en-US"/>
           </a:p>
@@ -3227,7 +3227,7 @@
           <a:p>
             <a:fld id="{7C193DC4-6EF0-48C9-B29C-616106A645E1}" type="datetime1">
               <a:rPr lang="en-US" smtClean="0"/>
-              <a:t>10/29/2016</a:t>
+              <a:t>11/1/2016</a:t>
             </a:fld>
             <a:endParaRPr lang="en-US"/>
           </a:p>
@@ -3512,7 +3512,7 @@
           <a:p>
             <a:fld id="{5D1846AD-9252-4647-9435-4C2AC365653A}" type="datetime1">
               <a:rPr lang="en-US" smtClean="0"/>
-              <a:t>10/29/2016</a:t>
+              <a:t>11/1/2016</a:t>
             </a:fld>
             <a:endParaRPr lang="en-US"/>
           </a:p>
@@ -3931,7 +3931,7 @@
           <a:p>
             <a:fld id="{CE56DC10-3561-4063-A6AF-C1CC7A41040A}" type="datetime1">
               <a:rPr lang="en-US" smtClean="0"/>
-              <a:t>10/29/2016</a:t>
+              <a:t>11/1/2016</a:t>
             </a:fld>
             <a:endParaRPr lang="en-US"/>
           </a:p>
@@ -4154,7 +4154,7 @@
           <a:p>
             <a:fld id="{02B3F677-983B-48DB-ADFD-63FE6CBC7FB2}" type="datetime1">
               <a:rPr lang="en-US" smtClean="0"/>
-              <a:t>10/29/2016</a:t>
+              <a:t>11/1/2016</a:t>
             </a:fld>
             <a:endParaRPr lang="en-US"/>
           </a:p>
@@ -5024,6 +5024,9 @@
             </a:r>
           </a:p>
           <a:p>
+            <a:endParaRPr lang="en-US" dirty="0"/>
+          </a:p>
+          <a:p>
             <a:r>
               <a:rPr lang="en-US" dirty="0"/>
               <a:t>    after-tick          </a:t>
@@ -5069,6 +5072,9 @@
               <a:rPr lang="en-US" dirty="0"/>
               <a:t>    ; mouse event at the given location.</a:t>
             </a:r>
+          </a:p>
+          <a:p>
+            <a:endParaRPr lang="en-US" dirty="0"/>
           </a:p>
           <a:p>
             <a:r>
@@ -5148,6 +5154,9 @@
             </a:r>
           </a:p>
           <a:p>
+            <a:endParaRPr lang="en-US" dirty="0"/>
+          </a:p>
+          <a:p>
             <a:r>
               <a:rPr lang="en-US" dirty="0"/>
               <a:t>    after-key-event     </a:t>
@@ -5179,6 +5188,9 @@
               <a:rPr lang="en-US" dirty="0"/>
               <a:t>    ; but with this object painted on it.</a:t>
             </a:r>
+          </a:p>
+          <a:p>
+            <a:endParaRPr lang="en-US" dirty="0"/>
           </a:p>
           <a:p>
             <a:r>
@@ -5654,13 +5666,7 @@
             </a:r>
             <a:r>
               <a:rPr lang="en-US" dirty="0"/>
-              <a:t> world-state </a:t>
-            </a:r>
-          </a:p>
-          <a:p>
-            <a:r>
-              <a:rPr lang="en-US" dirty="0"/>
-              <a:t>   (objects time))</a:t>
+              <a:t> world (widgets time))</a:t>
             </a:r>
           </a:p>
           <a:p>
@@ -5669,27 +5675,13 @@
           <a:p>
             <a:r>
               <a:rPr lang="en-US" dirty="0"/>
-              <a:t>;; A </a:t>
-            </a:r>
-            <a:r>
-              <a:rPr lang="en-US" dirty="0" err="1"/>
-              <a:t>WorldState</a:t>
-            </a:r>
-            <a:r>
-              <a:rPr lang="en-US" dirty="0"/>
-              <a:t> is a </a:t>
-            </a:r>
-          </a:p>
-          <a:p>
-            <a:r>
-              <a:rPr lang="en-US" dirty="0"/>
-              <a:t>;; (make-world-state </a:t>
-            </a:r>
-          </a:p>
-          <a:p>
-            <a:r>
-              <a:rPr lang="en-US" dirty="0"/>
-              <a:t>;;    </a:t>
+              <a:t>;; A World is a </a:t>
+            </a:r>
+          </a:p>
+          <a:p>
+            <a:r>
+              <a:rPr lang="en-US" dirty="0"/>
+              <a:t>;; (make-world </a:t>
             </a:r>
             <a:r>
               <a:rPr lang="en-US" dirty="0" err="1"/>
@@ -5706,7 +5698,7 @@
           <a:p>
             <a:r>
               <a:rPr lang="en-US" dirty="0"/>
-              <a:t>;; INTERP: (make-world-state </a:t>
+              <a:t>;; INTERP: (make-world </a:t>
             </a:r>
             <a:r>
               <a:rPr lang="en-US" dirty="0" err="1"/>
@@ -5938,39 +5930,7 @@
                   <a:schemeClr val="tx1"/>
                 </a:solidFill>
               </a:rPr>
-              <a:t>Nothing exciting here.  We put a time component in the </a:t>
-            </a:r>
-            <a:r>
-              <a:rPr lang="en-US" dirty="0" err="1">
-                <a:solidFill>
-                  <a:schemeClr val="tx1"/>
-                </a:solidFill>
-              </a:rPr>
-              <a:t>worldstate</a:t>
-            </a:r>
-            <a:r>
-              <a:rPr lang="en-US" dirty="0">
-                <a:solidFill>
-                  <a:schemeClr val="tx1"/>
-                </a:solidFill>
-              </a:rPr>
-              <a:t> to illustrate that the </a:t>
-            </a:r>
-            <a:r>
-              <a:rPr lang="en-US" dirty="0" err="1">
-                <a:solidFill>
-                  <a:schemeClr val="tx1"/>
-                </a:solidFill>
-              </a:rPr>
-              <a:t>worldstate</a:t>
-            </a:r>
-            <a:r>
-              <a:rPr lang="en-US" dirty="0">
-                <a:solidFill>
-                  <a:schemeClr val="tx1"/>
-                </a:solidFill>
-              </a:rPr>
-              <a:t> might  have more things in it than just the list of widgets.</a:t>
+              <a:t>Nothing exciting here.  We put a time component in the world to illustrate that the world might have more things in it than just the list of widgets.</a:t>
             </a:r>
           </a:p>
         </p:txBody>
@@ -6054,13 +6014,8 @@
             </a:r>
             <a:r>
               <a:rPr lang="en-US" dirty="0"/>
-              <a:t> -&gt; </a:t>
-            </a:r>
-            <a:r>
-              <a:rPr lang="en-US" dirty="0" err="1"/>
-              <a:t>WorldState</a:t>
-            </a:r>
-            <a:endParaRPr lang="en-US" dirty="0"/>
+              <a:t> -&gt; World</a:t>
+            </a:r>
           </a:p>
           <a:p>
             <a:r>
@@ -6085,19 +6040,19 @@
             </a:r>
             <a:r>
               <a:rPr lang="en-US" dirty="0"/>
-              <a:t> (world-state-objects w))</a:t>
-            </a:r>
-          </a:p>
-          <a:p>
-            <a:r>
-              <a:rPr lang="en-US" dirty="0"/>
-              <a:t>        (t (world-state-time w)))</a:t>
-            </a:r>
-          </a:p>
-          <a:p>
-            <a:r>
-              <a:rPr lang="en-US" dirty="0"/>
-              <a:t>    (make-world-state</a:t>
+              <a:t> (world-widgets w))</a:t>
+            </a:r>
+          </a:p>
+          <a:p>
+            <a:r>
+              <a:rPr lang="en-US" dirty="0"/>
+              <a:t>        (t (world-time w)))</a:t>
+            </a:r>
+          </a:p>
+          <a:p>
+            <a:r>
+              <a:rPr lang="en-US" dirty="0"/>
+              <a:t>    (make-world</a:t>
             </a:r>
           </a:p>
           <a:p>
@@ -6117,7 +6072,13 @@
             </a:r>
             <a:r>
               <a:rPr lang="en-US" dirty="0"/>
-              <a:t>) (send </a:t>
+              <a:t>) </a:t>
+            </a:r>
+          </a:p>
+          <a:p>
+            <a:r>
+              <a:rPr lang="en-US" dirty="0"/>
+              <a:t>          (send </a:t>
             </a:r>
             <a:r>
               <a:rPr lang="en-US" dirty="0" err="1"/>
@@ -6181,8 +6142,8 @@
         </p:nvSpPr>
         <p:spPr>
           <a:xfrm>
-            <a:off x="4486275" y="4986338"/>
-            <a:ext cx="3629025" cy="1370012"/>
+            <a:off x="6231835" y="3340099"/>
+            <a:ext cx="2787926" cy="2345083"/>
           </a:xfrm>
           <a:prstGeom prst="rect">
             <a:avLst/>
@@ -6283,8 +6244,8 @@
         </p:nvSpPr>
         <p:spPr>
           <a:xfrm>
-            <a:off x="457200" y="5671344"/>
-            <a:ext cx="2557463" cy="857250"/>
+            <a:off x="357809" y="4143029"/>
+            <a:ext cx="1520687" cy="1373187"/>
           </a:xfrm>
           <a:prstGeom prst="rect">
             <a:avLst/>
@@ -6375,9 +6336,9 @@
           <p:nvPr/>
         </p:nvCxnSpPr>
         <p:spPr>
-          <a:xfrm flipH="1" flipV="1">
-            <a:off x="1400175" y="3114675"/>
-            <a:ext cx="335757" cy="2556669"/>
+          <a:xfrm flipV="1">
+            <a:off x="1118153" y="3101009"/>
+            <a:ext cx="94421" cy="1042020"/>
           </a:xfrm>
           <a:prstGeom prst="straightConnector1">
             <a:avLst/>
@@ -6477,15 +6438,7 @@
             </a:pPr>
             <a:r>
               <a:rPr lang="en-US" sz="2400" dirty="0"/>
-              <a:t>;; world-to-scene : </a:t>
-            </a:r>
-            <a:r>
-              <a:rPr lang="en-US" sz="2400" dirty="0" err="1"/>
-              <a:t>WorldState</a:t>
-            </a:r>
-            <a:r>
-              <a:rPr lang="en-US" sz="2400" dirty="0"/>
-              <a:t> -&gt; Scene</a:t>
+              <a:t>;; world-to-scene : World -&gt; Scene</a:t>
             </a:r>
           </a:p>
           <a:p>
@@ -6602,7 +6555,7 @@
             </a:pPr>
             <a:r>
               <a:rPr lang="en-US" sz="2400" dirty="0"/>
-              <a:t>    (world-state-widgets w)))</a:t>
+              <a:t>    (world-widgets w)))</a:t>
             </a:r>
           </a:p>
           <a:p>
@@ -6797,15 +6750,7 @@
           <a:p>
             <a:r>
               <a:rPr lang="en-US" dirty="0"/>
-              <a:t>;;  : </a:t>
-            </a:r>
-            <a:r>
-              <a:rPr lang="en-US" dirty="0" err="1"/>
-              <a:t>WorldState</a:t>
-            </a:r>
-            <a:r>
-              <a:rPr lang="en-US" dirty="0"/>
-              <a:t> Nat </a:t>
+              <a:t>;;  : World Nat </a:t>
             </a:r>
             <a:r>
               <a:rPr lang="en-US" dirty="0" err="1"/>
@@ -6821,13 +6766,8 @@
             </a:r>
             <a:r>
               <a:rPr lang="en-US" dirty="0"/>
-              <a:t> -&gt; </a:t>
-            </a:r>
-            <a:r>
-              <a:rPr lang="en-US" dirty="0" err="1"/>
-              <a:t>WorldState</a:t>
-            </a:r>
-            <a:endParaRPr lang="en-US" dirty="0"/>
+              <a:t> -&gt; World</a:t>
+            </a:r>
           </a:p>
           <a:p>
             <a:r>
@@ -7093,15 +7033,7 @@
             </a:pPr>
             <a:r>
               <a:rPr lang="en-US" sz="2400" dirty="0"/>
-              <a:t>; </a:t>
-            </a:r>
-            <a:r>
-              <a:rPr lang="en-US" sz="2400" dirty="0" err="1"/>
-              <a:t>WorldState</a:t>
-            </a:r>
-            <a:r>
-              <a:rPr lang="en-US" sz="2400" dirty="0"/>
-              <a:t> Nat </a:t>
+              <a:t>; World Nat </a:t>
             </a:r>
             <a:r>
               <a:rPr lang="en-US" sz="2400" dirty="0" err="1"/>
@@ -7109,13 +7041,8 @@
             </a:r>
             <a:r>
               <a:rPr lang="en-US" sz="2400" dirty="0"/>
-              <a:t> -&gt; </a:t>
-            </a:r>
-            <a:r>
-              <a:rPr lang="en-US" sz="2400" dirty="0" err="1"/>
-              <a:t>WorldState</a:t>
-            </a:r>
-            <a:endParaRPr lang="en-US" sz="2400" dirty="0"/>
+              <a:t> -&gt; World</a:t>
+            </a:r>
           </a:p>
           <a:p>
             <a:pPr>
@@ -7155,7 +7082,7 @@
             </a:r>
             <a:r>
               <a:rPr lang="en-US" sz="2400" dirty="0"/>
-              <a:t> (world-state-widgets w))</a:t>
+              <a:t> (world-widgets w))</a:t>
             </a:r>
           </a:p>
           <a:p>
@@ -7166,7 +7093,7 @@
             </a:pPr>
             <a:r>
               <a:rPr lang="en-US" sz="2400" dirty="0"/>
-              <a:t>        (t (world-state-time w)))</a:t>
+              <a:t>        (t (world-time w)))</a:t>
             </a:r>
           </a:p>
           <a:p>
@@ -7177,7 +7104,7 @@
             </a:pPr>
             <a:r>
               <a:rPr lang="en-US" sz="2400" dirty="0"/>
-              <a:t>    (make-world-state</a:t>
+              <a:t>    (make-world</a:t>
             </a:r>
           </a:p>
           <a:p>
@@ -7476,15 +7403,7 @@
             </a:pPr>
             <a:r>
               <a:rPr lang="en-US" sz="1200" dirty="0"/>
-              <a:t>;; world-after-key-event : </a:t>
-            </a:r>
-            <a:r>
-              <a:rPr lang="en-US" sz="1200" dirty="0" err="1"/>
-              <a:t>WorldState</a:t>
-            </a:r>
-            <a:r>
-              <a:rPr lang="en-US" sz="1200" dirty="0"/>
-              <a:t> </a:t>
+              <a:t>;; world-after-key-event : World </a:t>
             </a:r>
             <a:r>
               <a:rPr lang="en-US" sz="1200" dirty="0" err="1"/>
@@ -7492,13 +7411,8 @@
             </a:r>
             <a:r>
               <a:rPr lang="en-US" sz="1200" dirty="0"/>
-              <a:t> -&gt; </a:t>
-            </a:r>
-            <a:r>
-              <a:rPr lang="en-US" sz="1200" dirty="0" err="1"/>
-              <a:t>WorldState</a:t>
-            </a:r>
-            <a:endParaRPr lang="en-US" sz="1200" dirty="0"/>
+              <a:t> -&gt; World</a:t>
+            </a:r>
           </a:p>
           <a:p>
             <a:pPr>
@@ -7581,7 +7495,7 @@
             </a:r>
             <a:r>
               <a:rPr lang="en-US" sz="1200" dirty="0"/>
-              <a:t> (world-state-widgets w))</a:t>
+              <a:t> (world-widgets w))</a:t>
             </a:r>
           </a:p>
           <a:p>
@@ -7592,7 +7506,7 @@
             </a:pPr>
             <a:r>
               <a:rPr lang="en-US" sz="1200" dirty="0"/>
-              <a:t>        (t (world-state-time w)))</a:t>
+              <a:t>        (t (world-time w)))</a:t>
             </a:r>
           </a:p>
           <a:p>
@@ -7633,7 +7547,7 @@
             </a:pPr>
             <a:r>
               <a:rPr lang="en-US" sz="1200" dirty="0"/>
-              <a:t>       (make-world-state</a:t>
+              <a:t>       (make-world</a:t>
             </a:r>
           </a:p>
           <a:p>
@@ -7693,7 +7607,7 @@
             </a:pPr>
             <a:r>
               <a:rPr lang="en-US" sz="1200" dirty="0"/>
-              <a:t>       (make-world-state</a:t>
+              <a:t>       (make-world</a:t>
             </a:r>
           </a:p>
           <a:p>
@@ -7753,7 +7667,7 @@
             </a:pPr>
             <a:r>
               <a:rPr lang="en-US" sz="1200" dirty="0"/>
-              <a:t>       (make-world-state</a:t>
+              <a:t>       (make-world</a:t>
             </a:r>
           </a:p>
           <a:p>
@@ -7810,7 +7724,7 @@
             </a:pPr>
             <a:r>
               <a:rPr lang="en-US" sz="1200" dirty="0"/>
-              <a:t>         (world-state-widgets w))</a:t>
+              <a:t>         (world-widgets w))</a:t>
             </a:r>
           </a:p>
           <a:p>
@@ -7910,7 +7824,7 @@
                   <a:schemeClr val="tx1"/>
                 </a:solidFill>
               </a:rPr>
-              <a:t> responds to “b” and “h” itself to add new widgets to the world.  Other key events are passed to the objects.  In the next module, we'll consider a somewhat nicer architecture.</a:t>
+              <a:t> responds to “b” and “h” itself to add new widgets to the world.  Other key events are passed to the widgets.  In the next module, we'll consider a somewhat nicer architecture.</a:t>
             </a:r>
           </a:p>
         </p:txBody>
@@ -8211,29 +8125,18 @@
             </a:pPr>
             <a:r>
               <a:rPr lang="en-US" sz="1000" dirty="0"/>
-              <a:t>;; A Bomb is a (new Bomb% [x Integer][y Integer])</a:t>
-            </a:r>
-          </a:p>
-          <a:p>
-            <a:pPr>
-              <a:spcBef>
-                <a:spcPts val="0"/>
-              </a:spcBef>
-            </a:pPr>
-            <a:r>
-              <a:rPr lang="en-US" sz="1000" dirty="0"/>
-              <a:t>;; A Bomb represents a bomb.</a:t>
-            </a:r>
-          </a:p>
-          <a:p>
-            <a:pPr>
-              <a:spcBef>
-                <a:spcPts val="0"/>
-              </a:spcBef>
-            </a:pPr>
-            <a:r>
-              <a:rPr lang="en-US" sz="1000" dirty="0"/>
-              <a:t>;; in this version, the bomb just falls.</a:t>
+              <a:t>;; Bombs start near the top of the screen.  </a:t>
+            </a:r>
+          </a:p>
+          <a:p>
+            <a:pPr>
+              <a:spcBef>
+                <a:spcPts val="0"/>
+              </a:spcBef>
+            </a:pPr>
+            <a:r>
+              <a:rPr lang="en-US" sz="1000" dirty="0"/>
+              <a:t>;; They just fall.</a:t>
             </a:r>
           </a:p>
           <a:p>
@@ -8252,18 +8155,100 @@
             </a:pPr>
             <a:r>
               <a:rPr lang="en-US" sz="1000" dirty="0"/>
-              <a:t>;; Handy to have a functional interface.</a:t>
-            </a:r>
-          </a:p>
-          <a:p>
-            <a:pPr>
-              <a:spcBef>
-                <a:spcPts val="0"/>
-              </a:spcBef>
-            </a:pPr>
-            <a:r>
-              <a:rPr lang="en-US" sz="1000" dirty="0"/>
-              <a:t>;; We don't use t, now but we might do so later.</a:t>
+              <a:t>;; Constructor template for Bomb%:</a:t>
+            </a:r>
+          </a:p>
+          <a:p>
+            <a:pPr>
+              <a:spcBef>
+                <a:spcPts val="0"/>
+              </a:spcBef>
+            </a:pPr>
+            <a:r>
+              <a:rPr lang="en-US" sz="1000" dirty="0"/>
+              <a:t>;; (new Bomb% [x Integer][y Integer])</a:t>
+            </a:r>
+          </a:p>
+          <a:p>
+            <a:pPr>
+              <a:spcBef>
+                <a:spcPts val="0"/>
+              </a:spcBef>
+            </a:pPr>
+            <a:r>
+              <a:rPr lang="en-US" sz="1000" dirty="0"/>
+              <a:t>;; Interpretation: An object of class Bomb% represents</a:t>
+            </a:r>
+          </a:p>
+          <a:p>
+            <a:pPr>
+              <a:spcBef>
+                <a:spcPts val="0"/>
+              </a:spcBef>
+            </a:pPr>
+            <a:r>
+              <a:rPr lang="en-US" sz="1000" dirty="0"/>
+              <a:t>;; a bomb.</a:t>
+            </a:r>
+          </a:p>
+          <a:p>
+            <a:pPr>
+              <a:spcBef>
+                <a:spcPts val="0"/>
+              </a:spcBef>
+            </a:pPr>
+            <a:endParaRPr lang="en-US" sz="1000" dirty="0"/>
+          </a:p>
+          <a:p>
+            <a:pPr>
+              <a:spcBef>
+                <a:spcPts val="0"/>
+              </a:spcBef>
+            </a:pPr>
+            <a:r>
+              <a:rPr lang="en-US" sz="1000" dirty="0"/>
+              <a:t>;; make-bomb : Time -&gt; </a:t>
+            </a:r>
+            <a:r>
+              <a:rPr lang="en-US" sz="1000" dirty="0">
+                <a:solidFill>
+                  <a:srgbClr val="FF0000"/>
+                </a:solidFill>
+              </a:rPr>
+              <a:t>Widget</a:t>
+            </a:r>
+          </a:p>
+          <a:p>
+            <a:pPr>
+              <a:spcBef>
+                <a:spcPts val="0"/>
+              </a:spcBef>
+            </a:pPr>
+            <a:r>
+              <a:rPr lang="en-US" sz="1000" dirty="0"/>
+              <a:t>;; GIVEN: A time t</a:t>
+            </a:r>
+          </a:p>
+          <a:p>
+            <a:pPr>
+              <a:spcBef>
+                <a:spcPts val="0"/>
+              </a:spcBef>
+            </a:pPr>
+            <a:r>
+              <a:rPr lang="en-US" sz="1000" dirty="0"/>
+              <a:t>;; RETURNS: a new object of class Bomb% near the top of</a:t>
+            </a:r>
+          </a:p>
+          <a:p>
+            <a:pPr>
+              <a:spcBef>
+                <a:spcPts val="0"/>
+              </a:spcBef>
+            </a:pPr>
+            <a:r>
+              <a:rPr lang="en-US" sz="1000" dirty="0"/>
+              <a:t>;; the screen. The time argument is ignored.</a:t>
             </a:r>
           </a:p>
           <a:p>
@@ -8471,73 +8456,7 @@
             </a:pPr>
             <a:r>
               <a:rPr lang="en-US" sz="1000" dirty="0"/>
-              <a:t>    ;; after-tick : Time -&gt; Bomb</a:t>
-            </a:r>
-          </a:p>
-          <a:p>
-            <a:pPr>
-              <a:spcBef>
-                <a:spcPts val="0"/>
-              </a:spcBef>
-            </a:pPr>
-            <a:r>
-              <a:rPr lang="en-US" sz="1000" dirty="0"/>
-              <a:t>    ;; RETURNS: A bomb like this one, but as it should</a:t>
-            </a:r>
-          </a:p>
-          <a:p>
-            <a:pPr>
-              <a:spcBef>
-                <a:spcPts val="0"/>
-              </a:spcBef>
-            </a:pPr>
-            <a:r>
-              <a:rPr lang="en-US" sz="1000" dirty="0"/>
-              <a:t>    ;; be after a tick</a:t>
-            </a:r>
-          </a:p>
-          <a:p>
-            <a:pPr>
-              <a:spcBef>
-                <a:spcPts val="0"/>
-              </a:spcBef>
-            </a:pPr>
-            <a:r>
-              <a:rPr lang="en-US" sz="1000" dirty="0"/>
-              <a:t>    ;; DETAILS: the bomb moves vertically by BOMB-SPEED</a:t>
-            </a:r>
-          </a:p>
-          <a:p>
-            <a:pPr>
-              <a:spcBef>
-                <a:spcPts val="0"/>
-              </a:spcBef>
-            </a:pPr>
-            <a:r>
-              <a:rPr lang="en-US" sz="1000" dirty="0"/>
-              <a:t>    (define/public (after-tick)</a:t>
-            </a:r>
-          </a:p>
-          <a:p>
-            <a:pPr>
-              <a:spcBef>
-                <a:spcPts val="0"/>
-              </a:spcBef>
-            </a:pPr>
-            <a:r>
-              <a:rPr lang="en-US" sz="1000" dirty="0"/>
-              <a:t>      (new Bomb% [x x][y (+ y BOMB-SPEED)]))</a:t>
-            </a:r>
-          </a:p>
-          <a:p>
-            <a:pPr>
-              <a:spcBef>
-                <a:spcPts val="0"/>
-              </a:spcBef>
-            </a:pPr>
-            <a:r>
-              <a:rPr lang="en-US" sz="1000" dirty="0"/>
-              <a:t>    </a:t>
+              <a:t>        </a:t>
             </a:r>
           </a:p>
         </p:txBody>
@@ -8558,6 +8477,88 @@
             <a:normAutofit/>
           </a:bodyPr>
           <a:lstStyle/>
+          <a:p>
+            <a:pPr>
+              <a:spcBef>
+                <a:spcPts val="0"/>
+              </a:spcBef>
+            </a:pPr>
+            <a:r>
+              <a:rPr lang="en-US" sz="1000" dirty="0"/>
+              <a:t>    ;; after-tick : Time -&gt; </a:t>
+            </a:r>
+            <a:r>
+              <a:rPr lang="en-US" sz="1000" dirty="0">
+                <a:solidFill>
+                  <a:srgbClr val="FF0000"/>
+                </a:solidFill>
+              </a:rPr>
+              <a:t>Widget</a:t>
+            </a:r>
+          </a:p>
+          <a:p>
+            <a:pPr>
+              <a:spcBef>
+                <a:spcPts val="0"/>
+              </a:spcBef>
+            </a:pPr>
+            <a:r>
+              <a:rPr lang="en-US" sz="1000" dirty="0"/>
+              <a:t>    ;; RETURNS: A bomb like this one, but as it should</a:t>
+            </a:r>
+          </a:p>
+          <a:p>
+            <a:pPr>
+              <a:spcBef>
+                <a:spcPts val="0"/>
+              </a:spcBef>
+            </a:pPr>
+            <a:r>
+              <a:rPr lang="en-US" sz="1000" dirty="0"/>
+              <a:t>    ;; be after a tick</a:t>
+            </a:r>
+          </a:p>
+          <a:p>
+            <a:pPr>
+              <a:spcBef>
+                <a:spcPts val="0"/>
+              </a:spcBef>
+            </a:pPr>
+            <a:r>
+              <a:rPr lang="en-US" sz="1000" dirty="0"/>
+              <a:t>    ;; DETAILS: the bomb moves vertically by BOMB-SPEED</a:t>
+            </a:r>
+          </a:p>
+          <a:p>
+            <a:pPr>
+              <a:spcBef>
+                <a:spcPts val="0"/>
+              </a:spcBef>
+            </a:pPr>
+            <a:r>
+              <a:rPr lang="en-US" sz="1000" dirty="0"/>
+              <a:t>    (define/public (after-tick)</a:t>
+            </a:r>
+          </a:p>
+          <a:p>
+            <a:pPr>
+              <a:spcBef>
+                <a:spcPts val="0"/>
+              </a:spcBef>
+            </a:pPr>
+            <a:r>
+              <a:rPr lang="en-US" sz="1000" dirty="0"/>
+              <a:t>      (new Bomb% [x x][y (+ y BOMB-SPEED)]))</a:t>
+            </a:r>
+          </a:p>
+          <a:p>
+            <a:pPr>
+              <a:spcBef>
+                <a:spcPts val="0"/>
+              </a:spcBef>
+            </a:pPr>
+            <a:endParaRPr lang="en-US" sz="1000" dirty="0"/>
+          </a:p>
           <a:p>
             <a:pPr>
               <a:spcBef>
@@ -8826,8 +8827,8 @@
         </p:nvSpPr>
         <p:spPr>
           <a:xfrm>
-            <a:off x="4819650" y="4728369"/>
-            <a:ext cx="1847850" cy="1638300"/>
+            <a:off x="4819650" y="5364479"/>
+            <a:ext cx="1847850" cy="1242062"/>
           </a:xfrm>
           <a:prstGeom prst="rect">
             <a:avLst/>
@@ -8867,20 +8868,12 @@
           <a:p>
             <a:pPr algn="ctr"/>
             <a:r>
-              <a:rPr lang="en-US" sz="1200" b="1" dirty="0">
-                <a:solidFill>
-                  <a:schemeClr val="tx1"/>
-                </a:solidFill>
-              </a:rPr>
-              <a:t>after-tick</a:t>
-            </a:r>
-            <a:r>
               <a:rPr lang="en-US" sz="1200" dirty="0">
                 <a:solidFill>
                   <a:schemeClr val="tx1"/>
                 </a:solidFill>
               </a:rPr>
-              <a:t> returns a new bomb in the right location.  Since </a:t>
+              <a:t>Since </a:t>
             </a:r>
             <a:r>
               <a:rPr lang="en-US" sz="1200" b="1" dirty="0">
@@ -8937,14 +8930,14 @@
         <p:nvCxnSpPr>
           <p:cNvPr id="11" name="Straight Arrow Connector 10"/>
           <p:cNvCxnSpPr>
-            <a:stCxn id="9" idx="1"/>
+            <a:stCxn id="9" idx="0"/>
           </p:cNvCxnSpPr>
           <p:nvPr/>
         </p:nvCxnSpPr>
         <p:spPr>
-          <a:xfrm flipH="1">
-            <a:off x="4475654" y="5547519"/>
-            <a:ext cx="343996" cy="0"/>
+          <a:xfrm flipV="1">
+            <a:off x="5743575" y="1828800"/>
+            <a:ext cx="1099185" cy="3535679"/>
           </a:xfrm>
           <a:prstGeom prst="straightConnector1">
             <a:avLst/>
@@ -8976,7 +8969,7 @@
         </p:nvSpPr>
         <p:spPr>
           <a:xfrm>
-            <a:off x="6991350" y="4845778"/>
+            <a:off x="6896100" y="5418707"/>
             <a:ext cx="2114550" cy="929481"/>
           </a:xfrm>
           <a:prstGeom prst="rect">
@@ -9077,7 +9070,7 @@
         </p:nvCxnSpPr>
         <p:spPr>
           <a:xfrm flipH="1" flipV="1">
-            <a:off x="7226188" y="4361607"/>
+            <a:off x="7130938" y="4934536"/>
             <a:ext cx="822437" cy="484171"/>
           </a:xfrm>
           <a:prstGeom prst="straightConnector1">
@@ -9085,6 +9078,130 @@
           </a:prstGeom>
           <a:ln>
             <a:noFill/>
+            <a:tailEnd type="triangle"/>
+          </a:ln>
+        </p:spPr>
+        <p:style>
+          <a:lnRef idx="1">
+            <a:schemeClr val="accent1"/>
+          </a:lnRef>
+          <a:fillRef idx="0">
+            <a:schemeClr val="accent1"/>
+          </a:fillRef>
+          <a:effectRef idx="0">
+            <a:schemeClr val="accent1"/>
+          </a:effectRef>
+          <a:fontRef idx="minor">
+            <a:schemeClr val="tx1"/>
+          </a:fontRef>
+        </p:style>
+      </p:cxnSp>
+      <p:sp>
+        <p:nvSpPr>
+          <p:cNvPr id="10" name="Rectangle 9"/>
+          <p:cNvSpPr/>
+          <p:nvPr/>
+        </p:nvSpPr>
+        <p:spPr>
+          <a:xfrm>
+            <a:off x="1704975" y="5697221"/>
+            <a:ext cx="2619375" cy="909320"/>
+          </a:xfrm>
+          <a:prstGeom prst="rect">
+            <a:avLst/>
+          </a:prstGeom>
+          <a:solidFill>
+            <a:schemeClr val="accent1">
+              <a:lumMod val="20000"/>
+              <a:lumOff val="80000"/>
+            </a:schemeClr>
+          </a:solidFill>
+          <a:ln>
+            <a:noFill/>
+          </a:ln>
+        </p:spPr>
+        <p:style>
+          <a:lnRef idx="2">
+            <a:schemeClr val="accent1"/>
+          </a:lnRef>
+          <a:fillRef idx="1">
+            <a:schemeClr val="lt1"/>
+          </a:fillRef>
+          <a:effectRef idx="0">
+            <a:schemeClr val="accent1"/>
+          </a:effectRef>
+          <a:fontRef idx="minor">
+            <a:schemeClr val="dk1"/>
+          </a:fontRef>
+        </p:style>
+        <p:txBody>
+          <a:bodyPr rot="0" spcFirstLastPara="0" vertOverflow="overflow" horzOverflow="overflow" vert="horz" wrap="square" lIns="91440" tIns="45720" rIns="91440" bIns="45720" numCol="1" spcCol="0" rtlCol="0" fromWordArt="0" anchor="ctr" anchorCtr="0" forceAA="0" compatLnSpc="1">
+            <a:prstTxWarp prst="textNoShape">
+              <a:avLst/>
+            </a:prstTxWarp>
+            <a:noAutofit/>
+          </a:bodyPr>
+          <a:lstStyle/>
+          <a:p>
+            <a:pPr algn="ctr"/>
+            <a:r>
+              <a:rPr lang="en-US" sz="1200" dirty="0">
+                <a:solidFill>
+                  <a:schemeClr val="tx1"/>
+                </a:solidFill>
+              </a:rPr>
+              <a:t>We are only allowed to put data types (which are interfaces) in our contracts. Since </a:t>
+            </a:r>
+            <a:r>
+              <a:rPr lang="en-US" sz="1200" b="1" dirty="0">
+                <a:solidFill>
+                  <a:schemeClr val="tx1"/>
+                </a:solidFill>
+              </a:rPr>
+              <a:t>Bomb% </a:t>
+            </a:r>
+            <a:r>
+              <a:rPr lang="en-US" sz="1200" dirty="0">
+                <a:solidFill>
+                  <a:schemeClr val="tx1"/>
+                </a:solidFill>
+              </a:rPr>
+              <a:t>implements </a:t>
+            </a:r>
+            <a:r>
+              <a:rPr lang="en-US" sz="1200" b="1" dirty="0">
+                <a:solidFill>
+                  <a:schemeClr val="tx1"/>
+                </a:solidFill>
+              </a:rPr>
+              <a:t>Widget&lt;%&gt;</a:t>
+            </a:r>
+            <a:r>
+              <a:rPr lang="en-US" sz="1200" dirty="0">
+                <a:solidFill>
+                  <a:schemeClr val="tx1"/>
+                </a:solidFill>
+              </a:rPr>
+              <a:t>, the value returned is a Widget, so this function satisfies its contract.</a:t>
+            </a:r>
+          </a:p>
+        </p:txBody>
+      </p:sp>
+      <p:cxnSp>
+        <p:nvCxnSpPr>
+          <p:cNvPr id="3" name="Straight Arrow Connector 2"/>
+          <p:cNvCxnSpPr/>
+          <p:nvPr/>
+        </p:nvCxnSpPr>
+        <p:spPr>
+          <a:xfrm flipH="1" flipV="1">
+            <a:off x="2476500" y="3070860"/>
+            <a:ext cx="548640" cy="2626361"/>
+          </a:xfrm>
+          <a:prstGeom prst="straightConnector1">
+            <a:avLst/>
+          </a:prstGeom>
+          <a:ln>
             <a:tailEnd type="triangle"/>
           </a:ln>
         </p:spPr>
@@ -9179,60 +9296,109 @@
             </a:pPr>
             <a:r>
               <a:rPr lang="en-US" sz="1000" dirty="0"/>
-              <a:t>;; A Heli is a (new Heli% [x Integer][y Integer]</a:t>
-            </a:r>
-          </a:p>
-          <a:p>
-            <a:pPr>
-              <a:spcBef>
-                <a:spcPts val="0"/>
-              </a:spcBef>
-            </a:pPr>
-            <a:r>
-              <a:rPr lang="en-US" sz="1000" dirty="0"/>
-              <a:t>;;                        [selected? Boolean]</a:t>
-            </a:r>
-          </a:p>
-          <a:p>
-            <a:pPr>
-              <a:spcBef>
-                <a:spcPts val="0"/>
-              </a:spcBef>
-            </a:pPr>
-            <a:r>
-              <a:rPr lang="en-US" sz="1000" dirty="0"/>
-              <a:t>;;                        [saved-mx Integer]</a:t>
-            </a:r>
-          </a:p>
-          <a:p>
-            <a:pPr>
-              <a:spcBef>
-                <a:spcPts val="0"/>
-              </a:spcBef>
-            </a:pPr>
-            <a:r>
-              <a:rPr lang="en-US" sz="1000" dirty="0"/>
-              <a:t>;;                        [saved-my Integer])</a:t>
-            </a:r>
-          </a:p>
-          <a:p>
-            <a:pPr>
-              <a:spcBef>
-                <a:spcPts val="0"/>
-              </a:spcBef>
-            </a:pPr>
-            <a:r>
-              <a:rPr lang="en-US" sz="1000" dirty="0"/>
-              <a:t>;; A Heli represents a </a:t>
+              <a:t>;; Helicopters start near the bottom of the screen and</a:t>
+            </a:r>
+          </a:p>
+          <a:p>
+            <a:pPr>
+              <a:spcBef>
+                <a:spcPts val="0"/>
+              </a:spcBef>
+            </a:pPr>
+            <a:r>
+              <a:rPr lang="en-US" sz="1000" dirty="0"/>
+              <a:t>;; rise slowly. They are selectable and </a:t>
             </a:r>
             <a:r>
               <a:rPr lang="en-US" sz="1000" dirty="0" err="1"/>
-              <a:t>heli</a:t>
+              <a:t>draggable</a:t>
             </a:r>
             <a:r>
               <a:rPr lang="en-US" sz="1000" dirty="0"/>
               <a:t>.</a:t>
             </a:r>
+          </a:p>
+          <a:p>
+            <a:pPr>
+              <a:spcBef>
+                <a:spcPts val="0"/>
+              </a:spcBef>
+            </a:pPr>
+            <a:endParaRPr lang="en-US" sz="1000" dirty="0"/>
+          </a:p>
+          <a:p>
+            <a:pPr>
+              <a:spcBef>
+                <a:spcPts val="0"/>
+              </a:spcBef>
+            </a:pPr>
+            <a:r>
+              <a:rPr lang="en-US" sz="1000" dirty="0"/>
+              <a:t>;; Constructor template for Heli%:</a:t>
+            </a:r>
+          </a:p>
+          <a:p>
+            <a:pPr>
+              <a:spcBef>
+                <a:spcPts val="0"/>
+              </a:spcBef>
+            </a:pPr>
+            <a:r>
+              <a:rPr lang="en-US" sz="1000" dirty="0"/>
+              <a:t>;; (new Heli% [x Integer][y Integer]</a:t>
+            </a:r>
+          </a:p>
+          <a:p>
+            <a:pPr>
+              <a:spcBef>
+                <a:spcPts val="0"/>
+              </a:spcBef>
+            </a:pPr>
+            <a:r>
+              <a:rPr lang="en-US" sz="1000" dirty="0"/>
+              <a:t>;;       [selected? Boolean][mx Integer][my Integer])</a:t>
+            </a:r>
+          </a:p>
+          <a:p>
+            <a:pPr>
+              <a:spcBef>
+                <a:spcPts val="0"/>
+              </a:spcBef>
+            </a:pPr>
+            <a:r>
+              <a:rPr lang="en-US" sz="1000" dirty="0"/>
+              <a:t>;; the last 3 arguments are optional</a:t>
+            </a:r>
+          </a:p>
+          <a:p>
+            <a:pPr>
+              <a:spcBef>
+                <a:spcPts val="0"/>
+              </a:spcBef>
+            </a:pPr>
+            <a:r>
+              <a:rPr lang="en-US" sz="1000" dirty="0"/>
+              <a:t>;; Interpretation: An object of class Heli% represents</a:t>
+            </a:r>
+          </a:p>
+          <a:p>
+            <a:pPr>
+              <a:spcBef>
+                <a:spcPts val="0"/>
+              </a:spcBef>
+            </a:pPr>
+            <a:r>
+              <a:rPr lang="en-US" sz="1000" dirty="0"/>
+              <a:t>;; a helicopter.</a:t>
+            </a:r>
+          </a:p>
+          <a:p>
+            <a:pPr>
+              <a:spcBef>
+                <a:spcPts val="0"/>
+              </a:spcBef>
+            </a:pPr>
+            <a:endParaRPr lang="en-US" sz="1000" dirty="0"/>
           </a:p>
           <a:p>
             <a:pPr>
@@ -9291,15 +9457,7 @@
             </a:pPr>
             <a:r>
               <a:rPr lang="en-US" sz="1000" dirty="0"/>
-              <a:t>    ;; from one </a:t>
-            </a:r>
-            <a:r>
-              <a:rPr lang="en-US" sz="1000" dirty="0" err="1"/>
-              <a:t>heli</a:t>
-            </a:r>
-            <a:r>
-              <a:rPr lang="en-US" sz="1000" dirty="0"/>
-              <a:t> to the next.</a:t>
+              <a:t>    ;; from one helicopter to the next.</a:t>
             </a:r>
           </a:p>
           <a:p>
@@ -9318,13 +9476,31 @@
             </a:pPr>
             <a:r>
               <a:rPr lang="en-US" sz="1000" dirty="0"/>
-              <a:t>    ; the x and y position of the center of the </a:t>
-            </a:r>
-            <a:r>
-              <a:rPr lang="en-US" sz="1000" dirty="0" err="1"/>
-              <a:t>heli</a:t>
-            </a:r>
-            <a:endParaRPr lang="en-US" sz="1000" dirty="0"/>
+              <a:t>    </a:t>
+            </a:r>
+            <a:r>
+              <a:rPr lang="en-US" sz="1000" dirty="0">
+                <a:solidFill>
+                  <a:srgbClr val="FF0000"/>
+                </a:solidFill>
+              </a:rPr>
+              <a:t>;; the x and y position of the center of the</a:t>
+            </a:r>
+          </a:p>
+          <a:p>
+            <a:pPr>
+              <a:spcBef>
+                <a:spcPts val="0"/>
+              </a:spcBef>
+            </a:pPr>
+            <a:r>
+              <a:rPr lang="en-US" sz="1000" dirty="0">
+                <a:solidFill>
+                  <a:srgbClr val="FF0000"/>
+                </a:solidFill>
+              </a:rPr>
+              <a:t>    ;; helicopter</a:t>
+            </a:r>
           </a:p>
           <a:p>
             <a:pPr>
@@ -9361,15 +9537,15 @@
             </a:pPr>
             <a:r>
               <a:rPr lang="en-US" sz="1000" dirty="0"/>
-              <a:t>    ; is the </a:t>
-            </a:r>
-            <a:r>
-              <a:rPr lang="en-US" sz="1000" dirty="0" err="1"/>
-              <a:t>heli</a:t>
-            </a:r>
-            <a:r>
-              <a:rPr lang="en-US" sz="1000" dirty="0"/>
-              <a:t> selected? Default is false.</a:t>
+              <a:t>    ; </a:t>
+            </a:r>
+            <a:r>
+              <a:rPr lang="en-US" sz="1000" dirty="0">
+                <a:solidFill>
+                  <a:srgbClr val="FF0000"/>
+                </a:solidFill>
+              </a:rPr>
+              <a:t>is the helicopter selected? Default is false.</a:t>
             </a:r>
           </a:p>
           <a:p>
@@ -9407,53 +9583,60 @@
             </a:pPr>
             <a:r>
               <a:rPr lang="en-US" sz="1000" dirty="0"/>
-              <a:t>    ;; if the </a:t>
-            </a:r>
-            <a:r>
-              <a:rPr lang="en-US" sz="1000" dirty="0" err="1"/>
-              <a:t>heli</a:t>
-            </a:r>
-            <a:r>
-              <a:rPr lang="en-US" sz="1000" dirty="0"/>
-              <a:t> is selected, the position of</a:t>
-            </a:r>
-          </a:p>
-          <a:p>
-            <a:pPr>
-              <a:spcBef>
-                <a:spcPts val="0"/>
-              </a:spcBef>
-            </a:pPr>
-            <a:r>
-              <a:rPr lang="en-US" sz="1000" dirty="0"/>
-              <a:t>    ;; the last button-down event inside the </a:t>
-            </a:r>
-            <a:r>
-              <a:rPr lang="en-US" sz="1000" dirty="0" err="1"/>
-              <a:t>heli</a:t>
-            </a:r>
-            <a:r>
-              <a:rPr lang="en-US" sz="1000" dirty="0"/>
-              <a:t>,</a:t>
-            </a:r>
-          </a:p>
-          <a:p>
-            <a:pPr>
-              <a:spcBef>
-                <a:spcPts val="0"/>
-              </a:spcBef>
-            </a:pPr>
-            <a:r>
-              <a:rPr lang="en-US" sz="1000" dirty="0"/>
-              <a:t>    ;; relative to the </a:t>
-            </a:r>
-            <a:r>
-              <a:rPr lang="en-US" sz="1000" dirty="0" err="1"/>
-              <a:t>heli's</a:t>
-            </a:r>
-            <a:r>
-              <a:rPr lang="en-US" sz="1000" dirty="0"/>
-              <a:t> center.  Else any value.</a:t>
+              <a:t>   </a:t>
+            </a:r>
+            <a:r>
+              <a:rPr lang="en-US" sz="1000" dirty="0">
+                <a:solidFill>
+                  <a:srgbClr val="FF0000"/>
+                </a:solidFill>
+              </a:rPr>
+              <a:t> ;; if the helicopter is selected, the position of</a:t>
+            </a:r>
+          </a:p>
+          <a:p>
+            <a:pPr>
+              <a:spcBef>
+                <a:spcPts val="0"/>
+              </a:spcBef>
+            </a:pPr>
+            <a:r>
+              <a:rPr lang="en-US" sz="1000" dirty="0">
+                <a:solidFill>
+                  <a:srgbClr val="FF0000"/>
+                </a:solidFill>
+              </a:rPr>
+              <a:t>    ;; the last button-down event inside this</a:t>
+            </a:r>
+          </a:p>
+          <a:p>
+            <a:pPr>
+              <a:spcBef>
+                <a:spcPts val="0"/>
+              </a:spcBef>
+            </a:pPr>
+            <a:r>
+              <a:rPr lang="en-US" sz="1000" dirty="0">
+                <a:solidFill>
+                  <a:srgbClr val="FF0000"/>
+                </a:solidFill>
+              </a:rPr>
+              <a:t>    ;; helicopter, relative to its center.  </a:t>
+            </a:r>
+          </a:p>
+          <a:p>
+            <a:pPr>
+              <a:spcBef>
+                <a:spcPts val="0"/>
+              </a:spcBef>
+            </a:pPr>
+            <a:r>
+              <a:rPr lang="en-US" sz="1000" dirty="0">
+                <a:solidFill>
+                  <a:srgbClr val="FF0000"/>
+                </a:solidFill>
+              </a:rPr>
+              <a:t>    ;; Else any value.</a:t>
             </a:r>
           </a:p>
           <a:p>
@@ -9558,15 +9741,15 @@
             </a:pPr>
             <a:r>
               <a:rPr lang="en-US" sz="1000" dirty="0"/>
-              <a:t>    ; the </a:t>
-            </a:r>
-            <a:r>
-              <a:rPr lang="en-US" sz="1000" dirty="0" err="1"/>
-              <a:t>heli's</a:t>
-            </a:r>
-            <a:r>
-              <a:rPr lang="en-US" sz="1000" dirty="0"/>
-              <a:t> radius</a:t>
+              <a:t>   </a:t>
+            </a:r>
+            <a:r>
+              <a:rPr lang="en-US" sz="1000" dirty="0">
+                <a:solidFill>
+                  <a:srgbClr val="FF0000"/>
+                </a:solidFill>
+              </a:rPr>
+              <a:t> ;; the helicopter's radius</a:t>
             </a:r>
           </a:p>
           <a:p>
@@ -9587,14 +9770,13 @@
               </a:spcBef>
             </a:pPr>
             <a:r>
-              <a:rPr lang="en-US" sz="1000" dirty="0"/>
-              <a:t>    ; image for displaying the </a:t>
-            </a:r>
-            <a:r>
-              <a:rPr lang="en-US" sz="1000" dirty="0" err="1"/>
-              <a:t>heli</a:t>
-            </a:r>
-            <a:endParaRPr lang="en-US" sz="1000" dirty="0"/>
+              <a:rPr lang="en-US" sz="1000" dirty="0">
+                <a:solidFill>
+                  <a:srgbClr val="FF0000"/>
+                </a:solidFill>
+              </a:rPr>
+              <a:t>    ;; image for displaying the helicopter</a:t>
+            </a:r>
           </a:p>
           <a:p>
             <a:pPr>
@@ -9614,27 +9796,27 @@
               </a:spcBef>
             </a:pPr>
             <a:r>
-              <a:rPr lang="en-US" sz="1000" dirty="0"/>
-              <a:t>    ; the </a:t>
-            </a:r>
-            <a:r>
-              <a:rPr lang="en-US" sz="1000" dirty="0" err="1"/>
-              <a:t>heli's</a:t>
-            </a:r>
-            <a:r>
-              <a:rPr lang="en-US" sz="1000" dirty="0"/>
-              <a:t> speed, in pixels/tick.</a:t>
-            </a:r>
-          </a:p>
-          <a:p>
-            <a:pPr>
-              <a:spcBef>
-                <a:spcPts val="0"/>
-              </a:spcBef>
-            </a:pPr>
-            <a:r>
-              <a:rPr lang="en-US" sz="1000" dirty="0"/>
-              <a:t>    ; negative means that it moves upwards.</a:t>
+              <a:rPr lang="en-US" sz="1000" dirty="0">
+                <a:solidFill>
+                  <a:srgbClr val="FF0000"/>
+                </a:solidFill>
+              </a:rPr>
+              <a:t>    ;; the helicopter's speed, in pixels/tick.</a:t>
+            </a:r>
+          </a:p>
+          <a:p>
+            <a:pPr>
+              <a:spcBef>
+                <a:spcPts val="0"/>
+              </a:spcBef>
+            </a:pPr>
+            <a:r>
+              <a:rPr lang="en-US" sz="1000" dirty="0">
+                <a:solidFill>
+                  <a:srgbClr val="FF0000"/>
+                </a:solidFill>
+              </a:rPr>
+              <a:t>    ;; negative means that it moves upwards.</a:t>
             </a:r>
           </a:p>
           <a:p>
@@ -9689,75 +9871,62 @@
             </a:pPr>
             <a:r>
               <a:rPr lang="en-US" sz="1000" dirty="0"/>
-              <a:t>    ;; after-tick : -&gt; Heli</a:t>
-            </a:r>
-          </a:p>
-          <a:p>
-            <a:pPr>
-              <a:spcBef>
-                <a:spcPts val="0"/>
-              </a:spcBef>
-            </a:pPr>
-            <a:r>
-              <a:rPr lang="en-US" sz="1000" dirty="0"/>
-              <a:t>    ;; RETURNS: A </a:t>
-            </a:r>
-            <a:r>
-              <a:rPr lang="en-US" sz="1000" dirty="0" err="1"/>
-              <a:t>heli</a:t>
-            </a:r>
-            <a:r>
-              <a:rPr lang="en-US" sz="1000" dirty="0"/>
-              <a:t> like this one, but as it should</a:t>
-            </a:r>
-          </a:p>
-          <a:p>
-            <a:pPr>
-              <a:spcBef>
-                <a:spcPts val="0"/>
-              </a:spcBef>
-            </a:pPr>
-            <a:r>
-              <a:rPr lang="en-US" sz="1000" dirty="0"/>
-              <a:t>    ;; be after a tick.</a:t>
-            </a:r>
-          </a:p>
-          <a:p>
-            <a:pPr>
-              <a:spcBef>
-                <a:spcPts val="0"/>
-              </a:spcBef>
-            </a:pPr>
-            <a:r>
-              <a:rPr lang="en-US" sz="1000" dirty="0"/>
-              <a:t>    ;; DETAILS: a selected </a:t>
-            </a:r>
-            <a:r>
-              <a:rPr lang="en-US" sz="1000" dirty="0" err="1"/>
-              <a:t>heli</a:t>
-            </a:r>
-            <a:r>
-              <a:rPr lang="en-US" sz="1000" dirty="0"/>
-              <a:t> doesn't move. An</a:t>
-            </a:r>
-          </a:p>
-          <a:p>
-            <a:pPr>
-              <a:spcBef>
-                <a:spcPts val="0"/>
-              </a:spcBef>
-            </a:pPr>
-            <a:r>
-              <a:rPr lang="en-US" sz="1000" dirty="0"/>
-              <a:t>    ;; unselected </a:t>
-            </a:r>
-            <a:r>
-              <a:rPr lang="en-US" sz="1000" dirty="0" err="1"/>
-              <a:t>heli</a:t>
-            </a:r>
-            <a:r>
-              <a:rPr lang="en-US" sz="1000" dirty="0"/>
-              <a:t> moves vertically by HELISPEED.</a:t>
+              <a:t>    ;; after-tick : -&gt; Widget</a:t>
+            </a:r>
+          </a:p>
+          <a:p>
+            <a:pPr>
+              <a:spcBef>
+                <a:spcPts val="0"/>
+              </a:spcBef>
+            </a:pPr>
+            <a:r>
+              <a:rPr lang="en-US" sz="1000" dirty="0"/>
+              <a:t>    ;; RETURNS: A helicopter like this one, but as it</a:t>
+            </a:r>
+          </a:p>
+          <a:p>
+            <a:pPr>
+              <a:spcBef>
+                <a:spcPts val="0"/>
+              </a:spcBef>
+            </a:pPr>
+            <a:r>
+              <a:rPr lang="en-US" sz="1000" dirty="0"/>
+              <a:t>    ;; should be after a tick.</a:t>
+            </a:r>
+          </a:p>
+          <a:p>
+            <a:pPr>
+              <a:spcBef>
+                <a:spcPts val="0"/>
+              </a:spcBef>
+            </a:pPr>
+            <a:r>
+              <a:rPr lang="en-US" sz="1000" dirty="0"/>
+              <a:t>    ;; DETAILS: a selected helicopter doesn't move. An</a:t>
+            </a:r>
+          </a:p>
+          <a:p>
+            <a:pPr>
+              <a:spcBef>
+                <a:spcPts val="0"/>
+              </a:spcBef>
+            </a:pPr>
+            <a:r>
+              <a:rPr lang="en-US" sz="1000" dirty="0"/>
+              <a:t>    ;; unselected helicopter moves vertically by</a:t>
+            </a:r>
+          </a:p>
+          <a:p>
+            <a:pPr>
+              <a:spcBef>
+                <a:spcPts val="0"/>
+              </a:spcBef>
+            </a:pPr>
+            <a:r>
+              <a:rPr lang="en-US" sz="1000" dirty="0"/>
+              <a:t>    ;; HELISPEED.</a:t>
             </a:r>
           </a:p>
           <a:p>
@@ -9914,8 +10083,8 @@
         </p:nvSpPr>
         <p:spPr>
           <a:xfrm>
-            <a:off x="687823" y="5122258"/>
-            <a:ext cx="3382471" cy="1234092"/>
+            <a:off x="708660" y="6013133"/>
+            <a:ext cx="4892039" cy="708342"/>
           </a:xfrm>
           <a:prstGeom prst="rect">
             <a:avLst/>
@@ -9959,7 +10128,23 @@
                   <a:schemeClr val="tx1"/>
                 </a:solidFill>
               </a:rPr>
-              <a:t>Note how we’ve put an interpretation on each of the fields of the object.   This is just like what we did when we put an interpretation on each of the fields of a </a:t>
+              <a:t>Note how we’ve put an interpretation (in </a:t>
+            </a:r>
+            <a:r>
+              <a:rPr lang="en-US" sz="1400" dirty="0">
+                <a:solidFill>
+                  <a:srgbClr val="FF0000"/>
+                </a:solidFill>
+              </a:rPr>
+              <a:t>red</a:t>
+            </a:r>
+            <a:r>
+              <a:rPr lang="en-US" sz="1400" dirty="0">
+                <a:solidFill>
+                  <a:schemeClr val="tx1"/>
+                </a:solidFill>
+              </a:rPr>
+              <a:t>) on each of the fields of the object.   This is just like what we did when we put an interpretation on each of the fields of a </a:t>
             </a:r>
             <a:r>
               <a:rPr lang="en-US" sz="1400" b="1" dirty="0" err="1">
@@ -10075,56 +10260,40 @@
             </a:r>
             <a:r>
               <a:rPr lang="en-US" sz="1000" dirty="0"/>
-              <a:t> -&gt; Heli</a:t>
-            </a:r>
-          </a:p>
-          <a:p>
-            <a:pPr>
-              <a:spcBef>
-                <a:spcPts val="0"/>
-              </a:spcBef>
-            </a:pPr>
-            <a:r>
-              <a:rPr lang="en-US" sz="1000" dirty="0"/>
-              <a:t>    ;; RETURNS: A </a:t>
-            </a:r>
-            <a:r>
-              <a:rPr lang="en-US" sz="1000" dirty="0" err="1"/>
-              <a:t>heli</a:t>
-            </a:r>
-            <a:r>
-              <a:rPr lang="en-US" sz="1000" dirty="0"/>
-              <a:t> like this one, but as it should</a:t>
-            </a:r>
-          </a:p>
-          <a:p>
-            <a:pPr>
-              <a:spcBef>
-                <a:spcPts val="0"/>
-              </a:spcBef>
-            </a:pPr>
-            <a:r>
-              <a:rPr lang="en-US" sz="1000" dirty="0"/>
-              <a:t>    ;; be after the given key event.</a:t>
-            </a:r>
-          </a:p>
-          <a:p>
-            <a:pPr>
-              <a:spcBef>
-                <a:spcPts val="0"/>
-              </a:spcBef>
-            </a:pPr>
-            <a:r>
-              <a:rPr lang="en-US" sz="1000" dirty="0"/>
-              <a:t>    ;; DETAILS: a </a:t>
-            </a:r>
-            <a:r>
-              <a:rPr lang="en-US" sz="1000" dirty="0" err="1"/>
-              <a:t>heli</a:t>
-            </a:r>
-            <a:r>
-              <a:rPr lang="en-US" sz="1000" dirty="0"/>
-              <a:t> ignores key events</a:t>
+              <a:t> -&gt; Widget</a:t>
+            </a:r>
+          </a:p>
+          <a:p>
+            <a:pPr>
+              <a:spcBef>
+                <a:spcPts val="0"/>
+              </a:spcBef>
+            </a:pPr>
+            <a:r>
+              <a:rPr lang="en-US" sz="1000" dirty="0"/>
+              <a:t>    ;; RETURNS: A helicopter like this one, </a:t>
+            </a:r>
+          </a:p>
+          <a:p>
+            <a:pPr>
+              <a:spcBef>
+                <a:spcPts val="0"/>
+              </a:spcBef>
+            </a:pPr>
+            <a:r>
+              <a:rPr lang="en-US" sz="1000" dirty="0"/>
+              <a:t>    ;; but as it should be after the given key event.</a:t>
+            </a:r>
+          </a:p>
+          <a:p>
+            <a:pPr>
+              <a:spcBef>
+                <a:spcPts val="0"/>
+              </a:spcBef>
+            </a:pPr>
+            <a:r>
+              <a:rPr lang="en-US" sz="1000" dirty="0"/>
+              <a:t>    ;; DETAILS: a helicopter ignores key events</a:t>
             </a:r>
           </a:p>
           <a:p>
@@ -10184,7 +10353,7 @@
             </a:r>
             <a:r>
               <a:rPr lang="en-US" sz="1000" dirty="0"/>
-              <a:t> -&gt; Heli</a:t>
+              <a:t> -&gt; Widget</a:t>
             </a:r>
           </a:p>
           <a:p>
@@ -10206,26 +10375,18 @@
             </a:pPr>
             <a:r>
               <a:rPr lang="en-US" sz="1000" dirty="0"/>
-              <a:t>    ;; RETURNS: A </a:t>
-            </a:r>
-            <a:r>
-              <a:rPr lang="en-US" sz="1000" dirty="0" err="1"/>
-              <a:t>heli</a:t>
-            </a:r>
-            <a:r>
-              <a:rPr lang="en-US" sz="1000" dirty="0"/>
-              <a:t> like this one, but as it should</a:t>
-            </a:r>
-          </a:p>
-          <a:p>
-            <a:pPr>
-              <a:spcBef>
-                <a:spcPts val="0"/>
-              </a:spcBef>
-            </a:pPr>
-            <a:r>
-              <a:rPr lang="en-US" sz="1000" dirty="0"/>
-              <a:t>    ;; be after a button-down event at the given</a:t>
+              <a:t>    ;; RETURNS: A helicopter like this one, but as it</a:t>
+            </a:r>
+          </a:p>
+          <a:p>
+            <a:pPr>
+              <a:spcBef>
+                <a:spcPts val="0"/>
+              </a:spcBef>
+            </a:pPr>
+            <a:r>
+              <a:rPr lang="en-US" sz="1000" dirty="0"/>
+              <a:t>    ;; should be after a button-down event at the given</a:t>
             </a:r>
           </a:p>
           <a:p>
@@ -10399,7 +10560,7 @@
             </a:r>
             <a:r>
               <a:rPr lang="en-US" sz="1000" dirty="0"/>
-              <a:t> -&gt; Heli</a:t>
+              <a:t> -&gt; Widget</a:t>
             </a:r>
           </a:p>
           <a:p>
@@ -10421,26 +10582,18 @@
             </a:pPr>
             <a:r>
               <a:rPr lang="en-US" sz="1000" dirty="0"/>
-              <a:t>    ;; RETURNS: A </a:t>
-            </a:r>
-            <a:r>
-              <a:rPr lang="en-US" sz="1000" dirty="0" err="1"/>
-              <a:t>heli</a:t>
-            </a:r>
-            <a:r>
-              <a:rPr lang="en-US" sz="1000" dirty="0"/>
-              <a:t> like this one, but as it should</a:t>
-            </a:r>
-          </a:p>
-          <a:p>
-            <a:pPr>
-              <a:spcBef>
-                <a:spcPts val="0"/>
-              </a:spcBef>
-            </a:pPr>
-            <a:r>
-              <a:rPr lang="en-US" sz="1000" dirty="0"/>
-              <a:t>    ;; be after a button-up event at the given</a:t>
+              <a:t>    ;; RETURNS: A helicopter like this one, but as it</a:t>
+            </a:r>
+          </a:p>
+          <a:p>
+            <a:pPr>
+              <a:spcBef>
+                <a:spcPts val="0"/>
+              </a:spcBef>
+            </a:pPr>
+            <a:r>
+              <a:rPr lang="en-US" sz="1000" dirty="0"/>
+              <a:t>    ;; should be after a button-up event at the given</a:t>
             </a:r>
           </a:p>
           <a:p>
@@ -10462,26 +10615,18 @@
             </a:pPr>
             <a:r>
               <a:rPr lang="en-US" sz="1000" dirty="0"/>
-              <a:t>    ;; DETAILS: If the </a:t>
-            </a:r>
-            <a:r>
-              <a:rPr lang="en-US" sz="1000" dirty="0" err="1"/>
-              <a:t>heli</a:t>
-            </a:r>
-            <a:r>
-              <a:rPr lang="en-US" sz="1000" dirty="0"/>
-              <a:t> is selected, then unselect</a:t>
-            </a:r>
-          </a:p>
-          <a:p>
-            <a:pPr>
-              <a:spcBef>
-                <a:spcPts val="0"/>
-              </a:spcBef>
-            </a:pPr>
-            <a:r>
-              <a:rPr lang="en-US" sz="1000" dirty="0"/>
-              <a:t>    ;; it, otherwise ignore.</a:t>
+              <a:t>    ;; DETAILS: If the helicopter is selected, then</a:t>
+            </a:r>
+          </a:p>
+          <a:p>
+            <a:pPr>
+              <a:spcBef>
+                <a:spcPts val="0"/>
+              </a:spcBef>
+            </a:pPr>
+            <a:r>
+              <a:rPr lang="en-US" sz="1000" dirty="0"/>
+              <a:t>    ;; unselect it, otherwise ignore.</a:t>
             </a:r>
           </a:p>
           <a:p>
@@ -10560,7 +10705,7 @@
             </a:r>
             <a:r>
               <a:rPr lang="en-US" sz="1000" dirty="0"/>
-              <a:t> -&gt; Heli</a:t>
+              <a:t> -&gt; Widget</a:t>
             </a:r>
           </a:p>
           <a:p>
@@ -10645,15 +10790,7 @@
             </a:pPr>
             <a:r>
               <a:rPr lang="en-US" sz="1000" dirty="0"/>
-              <a:t>    ;; this </a:t>
-            </a:r>
-            <a:r>
-              <a:rPr lang="en-US" sz="1000" dirty="0" err="1"/>
-              <a:t>heli</a:t>
-            </a:r>
-            <a:r>
-              <a:rPr lang="en-US" sz="1000" dirty="0"/>
-              <a:t> painted on it.</a:t>
+              <a:t>    ;; this helicopter painted on it.</a:t>
             </a:r>
           </a:p>
           <a:p>
@@ -10858,7 +10995,26 @@
             </a:pPr>
             <a:r>
               <a:rPr lang="en-US" sz="1000" dirty="0"/>
-              <a:t>    ;; </a:t>
+              <a:t>    ;; helicopter.</a:t>
+            </a:r>
+          </a:p>
+          <a:p>
+            <a:pPr>
+              <a:spcBef>
+                <a:spcPts val="0"/>
+              </a:spcBef>
+            </a:pPr>
+            <a:endParaRPr lang="en-US" sz="1000" dirty="0"/>
+          </a:p>
+          <a:p>
+            <a:pPr>
+              <a:spcBef>
+                <a:spcPts val="0"/>
+              </a:spcBef>
+            </a:pPr>
+            <a:r>
+              <a:rPr lang="en-US" sz="1000" dirty="0"/>
+              <a:t>    (define (in-</a:t>
             </a:r>
             <a:r>
               <a:rPr lang="en-US" sz="1000" dirty="0" err="1"/>
@@ -10866,33 +11022,6 @@
             </a:r>
             <a:r>
               <a:rPr lang="en-US" sz="1000" dirty="0"/>
-              <a:t>.</a:t>
-            </a:r>
-          </a:p>
-          <a:p>
-            <a:pPr>
-              <a:spcBef>
-                <a:spcPts val="0"/>
-              </a:spcBef>
-            </a:pPr>
-            <a:endParaRPr lang="en-US" sz="1000" dirty="0"/>
-          </a:p>
-          <a:p>
-            <a:pPr>
-              <a:spcBef>
-                <a:spcPts val="0"/>
-              </a:spcBef>
-            </a:pPr>
-            <a:r>
-              <a:rPr lang="en-US" sz="1000" dirty="0"/>
-              <a:t>    (define (in-</a:t>
-            </a:r>
-            <a:r>
-              <a:rPr lang="en-US" sz="1000" dirty="0" err="1"/>
-              <a:t>heli</a:t>
-            </a:r>
-            <a:r>
-              <a:rPr lang="en-US" sz="1000" dirty="0"/>
               <a:t>? other-x other-y)</a:t>
             </a:r>
           </a:p>
@@ -10958,15 +11087,7 @@
             </a:pPr>
             <a:r>
               <a:rPr lang="en-US" sz="1000" dirty="0"/>
-              <a:t>    ;; test methods, to probe the </a:t>
-            </a:r>
-            <a:r>
-              <a:rPr lang="en-US" sz="1000" dirty="0" err="1"/>
-              <a:t>heli</a:t>
-            </a:r>
-            <a:r>
-              <a:rPr lang="en-US" sz="1000" dirty="0"/>
-              <a:t> state.  </a:t>
+              <a:t>    ;; test methods, to probe the helicopter state.  </a:t>
             </a:r>
           </a:p>
           <a:p>
@@ -11029,6 +11150,14 @@
                 <a:spcPts val="0"/>
               </a:spcBef>
             </a:pPr>
+            <a:endParaRPr lang="en-US" sz="1000" dirty="0"/>
+          </a:p>
+          <a:p>
+            <a:pPr>
+              <a:spcBef>
+                <a:spcPts val="0"/>
+              </a:spcBef>
+            </a:pPr>
             <a:r>
               <a:rPr lang="en-US" sz="1000" dirty="0"/>
               <a:t>    ;; -&gt; </a:t>
@@ -11064,6 +11193,14 @@
                 <a:spcPts val="0"/>
               </a:spcBef>
             </a:pPr>
+            <a:endParaRPr lang="en-US" sz="1000" dirty="0"/>
+          </a:p>
+          <a:p>
+            <a:pPr>
+              <a:spcBef>
+                <a:spcPts val="0"/>
+              </a:spcBef>
+            </a:pPr>
             <a:r>
               <a:rPr lang="en-US" sz="1000" dirty="0"/>
               <a:t>    ;; -&gt; Boolean</a:t>
@@ -11087,6 +11224,14 @@
               <a:rPr lang="en-US" sz="1000" dirty="0"/>
               <a:t>?) selected?)</a:t>
             </a:r>
+          </a:p>
+          <a:p>
+            <a:pPr>
+              <a:spcBef>
+                <a:spcPts val="0"/>
+              </a:spcBef>
+            </a:pPr>
+            <a:endParaRPr lang="en-US" sz="1000" dirty="0"/>
           </a:p>
           <a:p>
             <a:pPr>
@@ -11299,37 +11444,13 @@
           <a:p>
             <a:r>
               <a:rPr lang="en-US" dirty="0"/>
-              <a:t>We’ll write a </a:t>
-            </a:r>
-            <a:r>
-              <a:rPr lang="en-US" dirty="0" err="1"/>
-              <a:t>WorldState</a:t>
-            </a:r>
-            <a:r>
-              <a:rPr lang="en-US" dirty="0"/>
-              <a:t>&lt;%&gt; interface and a class </a:t>
-            </a:r>
-            <a:r>
-              <a:rPr lang="en-US" dirty="0" err="1"/>
-              <a:t>WorldState</a:t>
-            </a:r>
-            <a:r>
-              <a:rPr lang="en-US" dirty="0"/>
-              <a:t>% that implements it.</a:t>
-            </a:r>
-          </a:p>
-          <a:p>
-            <a:r>
-              <a:rPr lang="en-US" dirty="0"/>
-              <a:t>We’ll create an initial world, which is an object of class </a:t>
-            </a:r>
-            <a:r>
-              <a:rPr lang="en-US" dirty="0" err="1"/>
-              <a:t>WorldState</a:t>
-            </a:r>
-            <a:r>
-              <a:rPr lang="en-US" dirty="0"/>
-              <a:t>%.</a:t>
+              <a:t>We’ll write a World&lt;%&gt; interface and a class World% that implements it.</a:t>
+            </a:r>
+          </a:p>
+          <a:p>
+            <a:r>
+              <a:rPr lang="en-US" dirty="0"/>
+              <a:t>We’ll create an initial world, which is an object of class World%.</a:t>
             </a:r>
           </a:p>
           <a:p>
@@ -11366,95 +11487,6 @@
               <a:t>24</a:t>
             </a:fld>
             <a:endParaRPr lang="en-US"/>
-          </a:p>
-        </p:txBody>
-      </p:sp>
-      <p:sp>
-        <p:nvSpPr>
-          <p:cNvPr id="8" name="Rectangle 7"/>
-          <p:cNvSpPr/>
-          <p:nvPr/>
-        </p:nvSpPr>
-        <p:spPr>
-          <a:xfrm>
-            <a:off x="4717143" y="5021943"/>
-            <a:ext cx="3614057" cy="1334407"/>
-          </a:xfrm>
-          <a:prstGeom prst="rect">
-            <a:avLst/>
-          </a:prstGeom>
-          <a:solidFill>
-            <a:schemeClr val="accent1">
-              <a:lumMod val="20000"/>
-              <a:lumOff val="80000"/>
-            </a:schemeClr>
-          </a:solidFill>
-          <a:ln>
-            <a:noFill/>
-          </a:ln>
-        </p:spPr>
-        <p:style>
-          <a:lnRef idx="2">
-            <a:schemeClr val="accent1"/>
-          </a:lnRef>
-          <a:fillRef idx="1">
-            <a:schemeClr val="lt1"/>
-          </a:fillRef>
-          <a:effectRef idx="0">
-            <a:schemeClr val="accent1"/>
-          </a:effectRef>
-          <a:fontRef idx="minor">
-            <a:schemeClr val="dk1"/>
-          </a:fontRef>
-        </p:style>
-        <p:txBody>
-          <a:bodyPr rot="0" spcFirstLastPara="0" vertOverflow="overflow" horzOverflow="overflow" vert="horz" wrap="square" lIns="91440" tIns="45720" rIns="91440" bIns="45720" numCol="1" spcCol="0" rtlCol="0" fromWordArt="0" anchor="ctr" anchorCtr="0" forceAA="0" compatLnSpc="1">
-            <a:prstTxWarp prst="textNoShape">
-              <a:avLst/>
-            </a:prstTxWarp>
-            <a:noAutofit/>
-          </a:bodyPr>
-          <a:lstStyle/>
-          <a:p>
-            <a:pPr algn="ctr"/>
-            <a:r>
-              <a:rPr lang="en-US" dirty="0">
-                <a:solidFill>
-                  <a:schemeClr val="tx1"/>
-                </a:solidFill>
-              </a:rPr>
-              <a:t>Don’t get agitated about World vs </a:t>
-            </a:r>
-            <a:r>
-              <a:rPr lang="en-US" dirty="0" err="1">
-                <a:solidFill>
-                  <a:schemeClr val="tx1"/>
-                </a:solidFill>
-              </a:rPr>
-              <a:t>WorldState</a:t>
-            </a:r>
-            <a:r>
-              <a:rPr lang="en-US" dirty="0">
-                <a:solidFill>
-                  <a:schemeClr val="tx1"/>
-                </a:solidFill>
-              </a:rPr>
-              <a:t>. I’ve not been entirely consistent about this. </a:t>
-            </a:r>
-            <a:r>
-              <a:rPr lang="en-US" dirty="0">
-                <a:solidFill>
-                  <a:schemeClr val="tx1"/>
-                </a:solidFill>
-                <a:sym typeface="Wingdings" panose="05000000000000000000" pitchFamily="2" charset="2"/>
-              </a:rPr>
-              <a:t></a:t>
-            </a:r>
-            <a:endParaRPr lang="en-US" dirty="0">
-              <a:solidFill>
-                <a:schemeClr val="tx1"/>
-              </a:solidFill>
-            </a:endParaRPr>
           </a:p>
         </p:txBody>
       </p:sp>
@@ -11505,15 +11537,7 @@
           <a:p>
             <a:r>
               <a:rPr lang="en-US" dirty="0"/>
-              <a:t>The </a:t>
-            </a:r>
-            <a:r>
-              <a:rPr lang="en-US" dirty="0" err="1"/>
-              <a:t>WorldState</a:t>
-            </a:r>
-            <a:r>
-              <a:rPr lang="en-US" dirty="0"/>
-              <a:t>&lt;%&gt; interface</a:t>
+              <a:t>The World&lt;%&gt; interface</a:t>
             </a:r>
           </a:p>
         </p:txBody>
@@ -11542,15 +11566,7 @@
             </a:pPr>
             <a:r>
               <a:rPr lang="en-US" sz="1200" dirty="0"/>
-              <a:t>(define </a:t>
-            </a:r>
-            <a:r>
-              <a:rPr lang="en-US" sz="1200" dirty="0" err="1"/>
-              <a:t>WorldState</a:t>
-            </a:r>
-            <a:r>
-              <a:rPr lang="en-US" sz="1200" dirty="0"/>
-              <a:t>&lt;%&gt;</a:t>
+              <a:t>(define World&lt;%&gt;</a:t>
             </a:r>
           </a:p>
           <a:p>
@@ -11735,7 +11751,7 @@
             </a:r>
             <a:r>
               <a:rPr lang="en-US" sz="1200" dirty="0"/>
-              <a:t> -&gt; Widget</a:t>
+              <a:t> -&gt; World</a:t>
             </a:r>
           </a:p>
           <a:p>
@@ -12961,15 +12977,7 @@
             <a:pPr algn="ctr"/>
             <a:r>
               <a:rPr lang="en-US" dirty="0"/>
-              <a:t>method calls using </a:t>
-            </a:r>
-            <a:r>
-              <a:rPr lang="en-US" dirty="0" err="1"/>
-              <a:t>WorldState</a:t>
-            </a:r>
-            <a:r>
-              <a:rPr lang="en-US" dirty="0"/>
-              <a:t>&lt;%&gt; interface</a:t>
+              <a:t>method calls using World&lt;%&gt; interface</a:t>
             </a:r>
           </a:p>
         </p:txBody>
@@ -13452,15 +13460,7 @@
           <a:p>
             <a:r>
               <a:rPr lang="en-US" dirty="0"/>
-              <a:t>The class </a:t>
-            </a:r>
-            <a:r>
-              <a:rPr lang="en-US" dirty="0" err="1"/>
-              <a:t>WorldState</a:t>
-            </a:r>
-            <a:r>
-              <a:rPr lang="en-US" dirty="0"/>
-              <a:t>%</a:t>
+              <a:t>The class World%</a:t>
             </a:r>
           </a:p>
         </p:txBody>
@@ -13484,21 +13484,21 @@
           <a:p>
             <a:r>
               <a:rPr lang="en-US" sz="1100" dirty="0"/>
-              <a:t>;; A </a:t>
+              <a:t>;; Constructor template for World%:</a:t>
+            </a:r>
+          </a:p>
+          <a:p>
+            <a:r>
+              <a:rPr lang="en-US" sz="1100" dirty="0"/>
+              <a:t>;; (new World% [</a:t>
             </a:r>
             <a:r>
               <a:rPr lang="en-US" sz="1100" dirty="0" err="1"/>
-              <a:t>WorldState</a:t>
+              <a:t>objs</a:t>
             </a:r>
             <a:r>
               <a:rPr lang="en-US" sz="1100" dirty="0"/>
-              <a:t> is a </a:t>
-            </a:r>
-          </a:p>
-          <a:p>
-            <a:r>
-              <a:rPr lang="en-US" sz="1100" dirty="0"/>
-              <a:t>;;  (make-world-state </a:t>
+              <a:t> </a:t>
             </a:r>
             <a:r>
               <a:rPr lang="en-US" sz="1100" dirty="0" err="1"/>
@@ -13506,7 +13506,25 @@
             </a:r>
             <a:r>
               <a:rPr lang="en-US" sz="1100" dirty="0"/>
-              <a:t> Time)</a:t>
+              <a:t>][t Time])</a:t>
+            </a:r>
+          </a:p>
+          <a:p>
+            <a:r>
+              <a:rPr lang="en-US" sz="1100" dirty="0"/>
+              <a:t>;; Interpretation: An object of class World% takes</a:t>
+            </a:r>
+          </a:p>
+          <a:p>
+            <a:r>
+              <a:rPr lang="en-US" sz="1100" dirty="0"/>
+              <a:t>;; signals from big-bang and distributes them to</a:t>
+            </a:r>
+          </a:p>
+          <a:p>
+            <a:r>
+              <a:rPr lang="en-US" sz="1100" dirty="0"/>
+              <a:t>;; its widgets as appropriate.</a:t>
             </a:r>
           </a:p>
           <a:p>
@@ -13515,7 +13533,39 @@
           <a:p>
             <a:r>
               <a:rPr lang="en-US" sz="1100" dirty="0"/>
-              <a:t>(define (make-world-state </a:t>
+              <a:t>;; make-world : </a:t>
+            </a:r>
+            <a:r>
+              <a:rPr lang="en-US" sz="1100" dirty="0" err="1"/>
+              <a:t>ListOfWidget</a:t>
+            </a:r>
+            <a:r>
+              <a:rPr lang="en-US" sz="1100" dirty="0"/>
+              <a:t> Time -&gt; World</a:t>
+            </a:r>
+          </a:p>
+          <a:p>
+            <a:r>
+              <a:rPr lang="en-US" sz="1100" dirty="0"/>
+              <a:t>;; GIVEN: a list of widgets and a time</a:t>
+            </a:r>
+          </a:p>
+          <a:p>
+            <a:r>
+              <a:rPr lang="en-US" sz="1100" dirty="0"/>
+              <a:t>;; RETURNS: an object of class World% containing</a:t>
+            </a:r>
+          </a:p>
+          <a:p>
+            <a:r>
+              <a:rPr lang="en-US" sz="1100" dirty="0"/>
+              <a:t>;; the given list of widgets and time.</a:t>
+            </a:r>
+          </a:p>
+          <a:p>
+            <a:r>
+              <a:rPr lang="en-US" sz="1100" dirty="0"/>
+              <a:t>(define (make-world </a:t>
             </a:r>
             <a:r>
               <a:rPr lang="en-US" sz="1100" dirty="0" err="1"/>
@@ -13529,15 +13579,7 @@
           <a:p>
             <a:r>
               <a:rPr lang="en-US" sz="1100" dirty="0"/>
-              <a:t>  (new </a:t>
-            </a:r>
-            <a:r>
-              <a:rPr lang="en-US" sz="1100" dirty="0" err="1"/>
-              <a:t>WorldState</a:t>
-            </a:r>
-            <a:r>
-              <a:rPr lang="en-US" sz="1100" dirty="0"/>
-              <a:t>% [</a:t>
+              <a:t>  (new World% [</a:t>
             </a:r>
             <a:r>
               <a:rPr lang="en-US" sz="1100" dirty="0" err="1"/>
@@ -13562,29 +13604,13 @@
           <a:p>
             <a:r>
               <a:rPr lang="en-US" sz="1100" dirty="0"/>
-              <a:t>(define </a:t>
-            </a:r>
-            <a:r>
-              <a:rPr lang="en-US" sz="1100" dirty="0" err="1"/>
-              <a:t>WorldState</a:t>
-            </a:r>
+              <a:t>(define World%</a:t>
+            </a:r>
+          </a:p>
+          <a:p>
             <a:r>
               <a:rPr lang="en-US" sz="1100" dirty="0"/>
-              <a:t>%</a:t>
-            </a:r>
-          </a:p>
-          <a:p>
-            <a:r>
-              <a:rPr lang="en-US" sz="1100" dirty="0"/>
-              <a:t>  (class* object% (</a:t>
-            </a:r>
-            <a:r>
-              <a:rPr lang="en-US" sz="1100" dirty="0" err="1"/>
-              <a:t>WorldState</a:t>
-            </a:r>
-            <a:r>
-              <a:rPr lang="en-US" sz="1100" dirty="0"/>
-              <a:t>&lt;%&gt;)</a:t>
+              <a:t>  (class* object% (World&lt;%&gt;)</a:t>
             </a:r>
           </a:p>
           <a:p>
@@ -13646,80 +13672,8 @@
           <a:p>
             <a:r>
               <a:rPr lang="en-US" sz="1100" dirty="0"/>
-              <a:t>    ;; after-tick : -&gt; World</a:t>
-            </a:r>
-          </a:p>
-          <a:p>
-            <a:r>
-              <a:rPr lang="en-US" sz="1100" dirty="0"/>
-              <a:t>    ;; Use HOF map on the Widgets in this World</a:t>
-            </a:r>
-          </a:p>
-          <a:p>
-            <a:endParaRPr lang="en-US" sz="1100" dirty="0"/>
-          </a:p>
-          <a:p>
-            <a:r>
-              <a:rPr lang="en-US" sz="1100" dirty="0"/>
-              <a:t>    (define/public (after-tick)</a:t>
-            </a:r>
-          </a:p>
-          <a:p>
-            <a:r>
-              <a:rPr lang="en-US" sz="1100" dirty="0"/>
-              <a:t>      (make-world-state</a:t>
-            </a:r>
-          </a:p>
-          <a:p>
-            <a:r>
-              <a:rPr lang="en-US" sz="1100" dirty="0"/>
-              <a:t>        (map</a:t>
-            </a:r>
-          </a:p>
-          <a:p>
-            <a:r>
-              <a:rPr lang="en-US" sz="1100" dirty="0"/>
-              <a:t>          (lambda (</a:t>
-            </a:r>
-            <a:r>
-              <a:rPr lang="en-US" sz="1100" dirty="0" err="1"/>
-              <a:t>obj</a:t>
-            </a:r>
-            <a:r>
-              <a:rPr lang="en-US" sz="1100" dirty="0"/>
-              <a:t>) (send </a:t>
-            </a:r>
-            <a:r>
-              <a:rPr lang="en-US" sz="1100" dirty="0" err="1"/>
-              <a:t>obj</a:t>
-            </a:r>
-            <a:r>
-              <a:rPr lang="en-US" sz="1100" dirty="0"/>
-              <a:t> after-tick))</a:t>
-            </a:r>
-          </a:p>
-          <a:p>
-            <a:r>
-              <a:rPr lang="en-US" sz="1100" dirty="0"/>
-              <a:t>          </a:t>
-            </a:r>
-            <a:r>
-              <a:rPr lang="en-US" sz="1100" dirty="0" err="1"/>
-              <a:t>objs</a:t>
-            </a:r>
-            <a:r>
-              <a:rPr lang="en-US" sz="1100" dirty="0"/>
-              <a:t>)</a:t>
-            </a:r>
-          </a:p>
-          <a:p>
-            <a:r>
-              <a:rPr lang="en-US" sz="1100" dirty="0"/>
-              <a:t>        (+ 1 t)))</a:t>
-            </a:r>
-          </a:p>
-          <a:p>
-            <a:endParaRPr lang="en-US" sz="1100" dirty="0"/>
+              <a:t>    </a:t>
+            </a:r>
           </a:p>
         </p:txBody>
       </p:sp>
@@ -13733,7 +13687,12 @@
             <p:ph sz="half" idx="2"/>
           </p:nvPr>
         </p:nvSpPr>
-        <p:spPr/>
+        <p:spPr>
+          <a:xfrm>
+            <a:off x="4648200" y="1600200"/>
+            <a:ext cx="4267200" cy="4525963"/>
+          </a:xfrm>
+        </p:spPr>
         <p:txBody>
           <a:bodyPr>
             <a:noAutofit/>
@@ -13742,6 +13701,84 @@
           <a:p>
             <a:r>
               <a:rPr lang="en-US" sz="1100" dirty="0"/>
+              <a:t>    ;; after-tick : -&gt; World</a:t>
+            </a:r>
+          </a:p>
+          <a:p>
+            <a:r>
+              <a:rPr lang="en-US" sz="1100" dirty="0"/>
+              <a:t>    ;; Use HOF map on the Widgets in this World</a:t>
+            </a:r>
+          </a:p>
+          <a:p>
+            <a:r>
+              <a:rPr lang="en-US" sz="1100" dirty="0"/>
+              <a:t>    (define/public (after-tick)</a:t>
+            </a:r>
+          </a:p>
+          <a:p>
+            <a:r>
+              <a:rPr lang="en-US" sz="1100" dirty="0"/>
+              <a:t>      (make-world</a:t>
+            </a:r>
+          </a:p>
+          <a:p>
+            <a:r>
+              <a:rPr lang="en-US" sz="1100" dirty="0"/>
+              <a:t>        (map</a:t>
+            </a:r>
+          </a:p>
+          <a:p>
+            <a:r>
+              <a:rPr lang="en-US" sz="1100" dirty="0"/>
+              <a:t>          (lambda (</a:t>
+            </a:r>
+            <a:r>
+              <a:rPr lang="en-US" sz="1100" dirty="0" err="1"/>
+              <a:t>obj</a:t>
+            </a:r>
+            <a:r>
+              <a:rPr lang="en-US" sz="1100" dirty="0"/>
+              <a:t>) (send </a:t>
+            </a:r>
+            <a:r>
+              <a:rPr lang="en-US" sz="1100" dirty="0" err="1"/>
+              <a:t>obj</a:t>
+            </a:r>
+            <a:r>
+              <a:rPr lang="en-US" sz="1100" dirty="0"/>
+              <a:t> after-tick))</a:t>
+            </a:r>
+          </a:p>
+          <a:p>
+            <a:r>
+              <a:rPr lang="en-US" sz="1100" dirty="0"/>
+              <a:t>          </a:t>
+            </a:r>
+            <a:r>
+              <a:rPr lang="en-US" sz="1100" dirty="0" err="1"/>
+              <a:t>objs</a:t>
+            </a:r>
+            <a:r>
+              <a:rPr lang="en-US" sz="1100" dirty="0"/>
+              <a:t>)</a:t>
+            </a:r>
+          </a:p>
+          <a:p>
+            <a:r>
+              <a:rPr lang="en-US" sz="1100" dirty="0"/>
+              <a:t>        (+ 1 t)))</a:t>
+            </a:r>
+          </a:p>
+          <a:p>
+            <a:r>
+              <a:rPr lang="en-US" sz="1100" dirty="0"/>
+              <a:t>  </a:t>
+            </a:r>
+          </a:p>
+          <a:p>
+            <a:r>
+              <a:rPr lang="en-US" sz="1100" dirty="0"/>
               <a:t>    ;; to-scene : -&gt; Scene</a:t>
             </a:r>
           </a:p>
@@ -13760,9 +13797,6 @@
             </a:r>
           </a:p>
           <a:p>
-            <a:endParaRPr lang="en-US" sz="1100" dirty="0"/>
-          </a:p>
-          <a:p>
             <a:r>
               <a:rPr lang="en-US" sz="1100" dirty="0"/>
               <a:t>    (define/public (to-scene)</a:t>
@@ -13831,9 +13865,6 @@
             <a:endParaRPr lang="en-US" sz="1100" dirty="0"/>
           </a:p>
           <a:p>
-            <a:endParaRPr lang="en-US" sz="1100" dirty="0"/>
-          </a:p>
-          <a:p>
             <a:r>
               <a:rPr lang="en-US" sz="1100" dirty="0"/>
               <a:t>    ;; after-key-event : </a:t>
@@ -13844,13 +13875,8 @@
             </a:r>
             <a:r>
               <a:rPr lang="en-US" sz="1100" dirty="0"/>
-              <a:t> -&gt; </a:t>
-            </a:r>
-            <a:r>
-              <a:rPr lang="en-US" sz="1100" dirty="0" err="1"/>
-              <a:t>WorldState</a:t>
-            </a:r>
-            <a:endParaRPr lang="en-US" sz="1100" dirty="0"/>
+              <a:t> -&gt; World</a:t>
+            </a:r>
           </a:p>
           <a:p>
             <a:r>
@@ -13866,13 +13892,7 @@
           <a:p>
             <a:r>
               <a:rPr lang="en-US" sz="1100" dirty="0"/>
-              <a:t>    </a:t>
-            </a:r>
-          </a:p>
-          <a:p>
-            <a:r>
-              <a:rPr lang="en-US" sz="1100" dirty="0"/>
-              <a:t>    (define/public (after-key-event </a:t>
+              <a:t>        (define/public (after-key-event </a:t>
             </a:r>
             <a:r>
               <a:rPr lang="en-US" sz="1100" dirty="0" err="1"/>
@@ -13886,7 +13906,7 @@
           <a:p>
             <a:r>
               <a:rPr lang="en-US" sz="1100" dirty="0"/>
-              <a:t>      ...)</a:t>
+              <a:t>          ...)</a:t>
             </a:r>
           </a:p>
           <a:p>
@@ -13928,8 +13948,8 @@
         </p:nvSpPr>
         <p:spPr>
           <a:xfrm>
-            <a:off x="4905829" y="5080000"/>
-            <a:ext cx="3048000" cy="1276350"/>
+            <a:off x="704850" y="5791200"/>
+            <a:ext cx="3619500" cy="973138"/>
           </a:xfrm>
           <a:prstGeom prst="rect">
             <a:avLst/>
@@ -13974,7 +13994,7 @@
                   <a:schemeClr val="tx1"/>
                 </a:solidFill>
               </a:rPr>
-              <a:t>We  define a function make-world-state so we can reuse the code from our previous version.</a:t>
+              <a:t>We  define a function make-world so we can reuse the code from our previous version.</a:t>
             </a:r>
           </a:p>
         </p:txBody>
@@ -13982,13 +14002,15 @@
       <p:cxnSp>
         <p:nvCxnSpPr>
           <p:cNvPr id="10" name="Straight Arrow Connector 9"/>
-          <p:cNvCxnSpPr/>
+          <p:cNvCxnSpPr>
+            <a:stCxn id="8" idx="0"/>
+          </p:cNvCxnSpPr>
           <p:nvPr/>
         </p:nvCxnSpPr>
         <p:spPr>
           <a:xfrm flipH="1" flipV="1">
-            <a:off x="3497943" y="2699657"/>
-            <a:ext cx="1407886" cy="2380343"/>
+            <a:off x="2257426" y="4114800"/>
+            <a:ext cx="257174" cy="1676400"/>
           </a:xfrm>
           <a:prstGeom prst="straightConnector1">
             <a:avLst/>
@@ -14059,15 +14081,7 @@
           <a:p>
             <a:r>
               <a:rPr lang="en-US" dirty="0"/>
-              <a:t>The class </a:t>
-            </a:r>
-            <a:r>
-              <a:rPr lang="en-US" dirty="0" err="1"/>
-              <a:t>WorldState</a:t>
-            </a:r>
-            <a:r>
-              <a:rPr lang="en-US" dirty="0"/>
-              <a:t>% (2)</a:t>
+              <a:t>The class World% (2)</a:t>
             </a:r>
           </a:p>
         </p:txBody>
@@ -14113,13 +14127,8 @@
             </a:r>
             <a:r>
               <a:rPr lang="en-US" sz="1100" dirty="0"/>
-              <a:t> -&gt; </a:t>
-            </a:r>
-            <a:r>
-              <a:rPr lang="en-US" sz="1100" dirty="0" err="1"/>
-              <a:t>WorldState</a:t>
-            </a:r>
-            <a:endParaRPr lang="en-US" sz="1100" dirty="0"/>
+              <a:t> -&gt; World</a:t>
+            </a:r>
           </a:p>
           <a:p>
             <a:r>
@@ -14245,7 +14254,7 @@
           <a:p>
             <a:r>
               <a:rPr lang="en-US" sz="1100" dirty="0"/>
-              <a:t>      (make-world-state</a:t>
+              <a:t>      (make-world</a:t>
             </a:r>
           </a:p>
           <a:p>
@@ -14341,7 +14350,7 @@
           <a:p>
             <a:r>
               <a:rPr lang="en-US" sz="1100" dirty="0"/>
-              <a:t>      (make-world-state</a:t>
+              <a:t>      (make-world</a:t>
             </a:r>
           </a:p>
           <a:p>
@@ -14410,7 +14419,7 @@
           <a:p>
             <a:r>
               <a:rPr lang="en-US" sz="1100" dirty="0"/>
-              <a:t>      (make-world-state</a:t>
+              <a:t>      (make-world</a:t>
             </a:r>
           </a:p>
           <a:p>
@@ -15118,13 +15127,8 @@
           <a:p>
             <a:r>
               <a:rPr lang="en-US" dirty="0"/>
-              <a:t>First step is to figure out what messages these objects should respond </a:t>
-            </a:r>
-            <a:r>
-              <a:rPr lang="en-US"/>
-              <a:t>to.</a:t>
-            </a:r>
-            <a:endParaRPr lang="en-US" dirty="0"/>
+              <a:t>First step is to figure out what messages these objects should respond to.</a:t>
+            </a:r>
           </a:p>
         </p:txBody>
       </p:sp>

--- a/Slides/Lesson 9.2 A Case Study- Space Invaders.pptx
+++ b/Slides/Lesson 9.2 A Case Study- Space Invaders.pptx
@@ -6720,7 +6720,7 @@
           <a:p>
             <a:r>
               <a:rPr lang="en-US" dirty="0"/>
-              <a:t>world-to-mouse-event</a:t>
+              <a:t>world-after-mouse-event</a:t>
             </a:r>
           </a:p>
         </p:txBody>

--- a/Slides/Lesson 9.2 A Case Study- Space Invaders.pptx
+++ b/Slides/Lesson 9.2 A Case Study- Space Invaders.pptx
@@ -242,7 +242,7 @@
           <a:p>
             <a:fld id="{36D53524-F9CC-4A8B-8CCD-2FA372311425}" type="datetimeFigureOut">
               <a:rPr lang="en-US" smtClean="0"/>
-              <a:t>11/1/2016</a:t>
+              <a:t>11/2/2016</a:t>
             </a:fld>
             <a:endParaRPr lang="en-US"/>
           </a:p>
@@ -772,7 +772,7 @@
           <a:p>
             <a:fld id="{2F1F79F5-7BEC-496A-AFC7-876E38F64D71}" type="datetime1">
               <a:rPr lang="en-US" smtClean="0"/>
-              <a:t>11/1/2016</a:t>
+              <a:t>11/2/2016</a:t>
             </a:fld>
             <a:endParaRPr lang="en-US"/>
           </a:p>
@@ -889,7 +889,7 @@
           <a:p>
             <a:fld id="{2F7B77F5-1464-4F6B-92A8-64FC8A508293}" type="datetime1">
               <a:rPr lang="en-US" smtClean="0"/>
-              <a:t>11/1/2016</a:t>
+              <a:t>11/2/2016</a:t>
             </a:fld>
             <a:endParaRPr lang="en-US"/>
           </a:p>
@@ -984,7 +984,7 @@
           <a:p>
             <a:fld id="{0A05703A-7669-4FEA-9056-25299B4D29D4}" type="datetime1">
               <a:rPr lang="en-US" smtClean="0"/>
-              <a:t>11/1/2016</a:t>
+              <a:t>11/2/2016</a:t>
             </a:fld>
             <a:endParaRPr lang="en-US"/>
           </a:p>
@@ -1259,7 +1259,7 @@
           <a:p>
             <a:fld id="{6E5077B5-BB57-49DB-88CA-226A139E5C01}" type="datetime1">
               <a:rPr lang="en-US" smtClean="0"/>
-              <a:t>11/1/2016</a:t>
+              <a:t>11/2/2016</a:t>
             </a:fld>
             <a:endParaRPr lang="en-US"/>
           </a:p>
@@ -1511,7 +1511,7 @@
           <a:p>
             <a:fld id="{C48D9447-CBD6-49A1-89FD-8512A8CF8999}" type="datetime1">
               <a:rPr lang="en-US" smtClean="0"/>
-              <a:t>11/1/2016</a:t>
+              <a:t>11/2/2016</a:t>
             </a:fld>
             <a:endParaRPr lang="en-US"/>
           </a:p>
@@ -1679,7 +1679,7 @@
           <a:p>
             <a:fld id="{A3639A2A-823D-48B7-9ACE-7FAF42870BA9}" type="datetime1">
               <a:rPr lang="en-US" smtClean="0"/>
-              <a:t>11/1/2016</a:t>
+              <a:t>11/2/2016</a:t>
             </a:fld>
             <a:endParaRPr lang="en-US"/>
           </a:p>
@@ -1857,7 +1857,7 @@
           <a:p>
             <a:fld id="{ED1B6996-82E9-463C-972C-7B56056E426C}" type="datetime1">
               <a:rPr lang="en-US" smtClean="0"/>
-              <a:t>11/1/2016</a:t>
+              <a:t>11/2/2016</a:t>
             </a:fld>
             <a:endParaRPr lang="en-US"/>
           </a:p>
@@ -2150,7 +2150,7 @@
           <a:p>
             <a:fld id="{5D1846AD-9252-4647-9435-4C2AC365653A}" type="datetime1">
               <a:rPr lang="en-US" smtClean="0"/>
-              <a:t>11/1/2016</a:t>
+              <a:t>11/2/2016</a:t>
             </a:fld>
             <a:endParaRPr lang="en-US"/>
           </a:p>
@@ -2324,7 +2324,7 @@
           <a:p>
             <a:fld id="{E22ED4DA-448D-4BB1-B935-CC112220207B}" type="datetime1">
               <a:rPr lang="en-US" smtClean="0"/>
-              <a:t>11/1/2016</a:t>
+              <a:t>11/2/2016</a:t>
             </a:fld>
             <a:endParaRPr lang="en-US"/>
           </a:p>
@@ -2497,7 +2497,7 @@
           <a:p>
             <a:fld id="{E22ED4DA-448D-4BB1-B935-CC112220207B}" type="datetime1">
               <a:rPr lang="en-US" smtClean="0"/>
-              <a:t>11/1/2016</a:t>
+              <a:t>11/2/2016</a:t>
             </a:fld>
             <a:endParaRPr lang="en-US"/>
           </a:p>
@@ -2757,7 +2757,7 @@
           <a:p>
             <a:fld id="{FF5D65A6-AB94-4435-B0B7-3743215FA46C}" type="datetime1">
               <a:rPr lang="en-US" smtClean="0"/>
-              <a:t>11/1/2016</a:t>
+              <a:t>11/2/2016</a:t>
             </a:fld>
             <a:endParaRPr lang="en-US"/>
           </a:p>
@@ -2933,7 +2933,7 @@
           <a:p>
             <a:fld id="{FF5D65A6-AB94-4435-B0B7-3743215FA46C}" type="datetime1">
               <a:rPr lang="en-US" smtClean="0"/>
-              <a:t>11/1/2016</a:t>
+              <a:t>11/2/2016</a:t>
             </a:fld>
             <a:endParaRPr lang="en-US"/>
           </a:p>
@@ -3227,7 +3227,7 @@
           <a:p>
             <a:fld id="{7C193DC4-6EF0-48C9-B29C-616106A645E1}" type="datetime1">
               <a:rPr lang="en-US" smtClean="0"/>
-              <a:t>11/1/2016</a:t>
+              <a:t>11/2/2016</a:t>
             </a:fld>
             <a:endParaRPr lang="en-US"/>
           </a:p>
@@ -3512,7 +3512,7 @@
           <a:p>
             <a:fld id="{5D1846AD-9252-4647-9435-4C2AC365653A}" type="datetime1">
               <a:rPr lang="en-US" smtClean="0"/>
-              <a:t>11/1/2016</a:t>
+              <a:t>11/2/2016</a:t>
             </a:fld>
             <a:endParaRPr lang="en-US"/>
           </a:p>
@@ -3931,7 +3931,7 @@
           <a:p>
             <a:fld id="{CE56DC10-3561-4063-A6AF-C1CC7A41040A}" type="datetime1">
               <a:rPr lang="en-US" smtClean="0"/>
-              <a:t>11/1/2016</a:t>
+              <a:t>11/2/2016</a:t>
             </a:fld>
             <a:endParaRPr lang="en-US"/>
           </a:p>
@@ -4154,7 +4154,7 @@
           <a:p>
             <a:fld id="{02B3F677-983B-48DB-ADFD-63FE6CBC7FB2}" type="datetime1">
               <a:rPr lang="en-US" smtClean="0"/>
-              <a:t>11/1/2016</a:t>
+              <a:t>11/2/2016</a:t>
             </a:fld>
             <a:endParaRPr lang="en-US"/>
           </a:p>
@@ -4690,7 +4690,7 @@
             <a:p>
               <a:r>
                 <a:rPr lang="en-US" sz="1000" dirty="0"/>
-                <a:t>© Mitchell Wand, 2012-2015</a:t>
+                <a:t>© Mitchell Wand, 2012-2016</a:t>
               </a:r>
             </a:p>
             <a:p>
@@ -4706,27 +4706,7 @@
                   <a:latin typeface="Helvetica Neue"/>
                   <a:hlinkClick r:id="rId4"/>
                 </a:rPr>
-                <a:t>Creative Commons Attribution-</a:t>
-              </a:r>
-              <a:r>
-                <a:rPr lang="en-US" altLang="en-US" sz="1000" dirty="0" err="1">
-                  <a:solidFill>
-                    <a:srgbClr val="4374B7"/>
-                  </a:solidFill>
-                  <a:latin typeface="Helvetica Neue"/>
-                  <a:hlinkClick r:id="rId4"/>
-                </a:rPr>
-                <a:t>NonCommercial</a:t>
-              </a:r>
-              <a:r>
-                <a:rPr lang="en-US" altLang="en-US" sz="1000" dirty="0">
-                  <a:solidFill>
-                    <a:srgbClr val="4374B7"/>
-                  </a:solidFill>
-                  <a:latin typeface="Helvetica Neue"/>
-                  <a:hlinkClick r:id="rId4"/>
-                </a:rPr>
-                <a:t> 4.0 International License</a:t>
+                <a:t>Creative Commons Attribution-NonCommercial 4.0 International License</a:t>
               </a:r>
               <a:r>
                 <a:rPr lang="en-US" sz="1000" dirty="0"/>
@@ -4796,7 +4776,7 @@
         <p:spPr/>
         <p:txBody>
           <a:bodyPr>
-            <a:normAutofit fontScale="92500" lnSpcReduction="10000"/>
+            <a:normAutofit fontScale="85000" lnSpcReduction="20000"/>
           </a:bodyPr>
           <a:lstStyle/>
           <a:p>
@@ -4841,17 +4821,24 @@
             </a:r>
           </a:p>
           <a:p>
-            <a:pPr lvl="3"/>
-            <a:r>
-              <a:rPr lang="en-US" sz="2600" dirty="0"/>
+            <a:pPr lvl="1"/>
+            <a:r>
+              <a:rPr lang="en-US" dirty="0"/>
+              <a:t>this way we only have to do cases on the mouse event once.</a:t>
+            </a:r>
+          </a:p>
+          <a:p>
+            <a:pPr lvl="1"/>
+            <a:r>
+              <a:rPr lang="en-US" dirty="0"/>
               <a:t>this is sometimes called “</a:t>
             </a:r>
             <a:r>
-              <a:rPr lang="en-US" sz="2600" dirty="0" err="1"/>
+              <a:rPr lang="en-US" dirty="0" err="1"/>
               <a:t>demultiplexing</a:t>
             </a:r>
             <a:r>
-              <a:rPr lang="en-US" sz="2600" dirty="0"/>
+              <a:rPr lang="en-US" dirty="0"/>
               <a:t>”.</a:t>
             </a:r>
           </a:p>
@@ -4972,13 +4959,13 @@
           <a:p>
             <a:r>
               <a:rPr lang="en-US" dirty="0"/>
-              <a:t>;; Every object that lives in the world</a:t>
-            </a:r>
-          </a:p>
-          <a:p>
-            <a:r>
-              <a:rPr lang="en-US" dirty="0"/>
-              <a:t>;; must implement the Widget&lt;%&gt; interface.</a:t>
+              <a:t>;; A Widget is an object whose class</a:t>
+            </a:r>
+          </a:p>
+          <a:p>
+            <a:r>
+              <a:rPr lang="en-US" dirty="0"/>
+              <a:t>;; implements the Widget&lt;%&gt; interface.</a:t>
             </a:r>
           </a:p>
           <a:p>
@@ -5639,18 +5626,6 @@
           </a:p>
           <a:p>
             <a:endParaRPr lang="en-US" dirty="0"/>
-          </a:p>
-          <a:p>
-            <a:r>
-              <a:rPr lang="en-US" dirty="0"/>
-              <a:t>;; A Widget is an object whose class</a:t>
-            </a:r>
-          </a:p>
-          <a:p>
-            <a:r>
-              <a:rPr lang="en-US" dirty="0"/>
-              <a:t>;; implements Widget&lt;%&gt;</a:t>
-            </a:r>
           </a:p>
           <a:p>
             <a:endParaRPr lang="en-US" dirty="0"/>
@@ -8485,7 +8460,7 @@
             </a:pPr>
             <a:r>
               <a:rPr lang="en-US" sz="1000" dirty="0"/>
-              <a:t>    ;; after-tick : Time -&gt; </a:t>
+              <a:t>    ;; after-tick : -&gt; </a:t>
             </a:r>
             <a:r>
               <a:rPr lang="en-US" sz="1000" dirty="0">
